--- a/images_NG.pptx
+++ b/images_NG.pptx
@@ -6,6 +6,9 @@
   </p:sldMasterIdLst>
   <p:sldIdLst>
     <p:sldId id="256" r:id="rId2"/>
+    <p:sldId id="257" r:id="rId3"/>
+    <p:sldId id="258" r:id="rId4"/>
+    <p:sldId id="259" r:id="rId5"/>
   </p:sldIdLst>
   <p:sldSz cx="12192000" cy="6858000"/>
   <p:notesSz cx="6858000" cy="9144000"/>
@@ -104,6 +107,11 @@
       </a:defRPr>
     </a:lvl9pPr>
   </p:defaultTextStyle>
+  <p:extLst>
+    <p:ext uri="{EFAFB233-063F-42B5-8137-9DF3F51BA10A}">
+      <p15:sldGuideLst xmlns:p15="http://schemas.microsoft.com/office/powerpoint/2012/main"/>
+    </p:ext>
+  </p:extLst>
 </p:presentation>
 </file>
 
@@ -254,7 +262,7 @@
           <a:p>
             <a:fld id="{9E44D11B-64D0-4128-AB06-3651AB0BE39E}" type="datetimeFigureOut">
               <a:rPr lang="en-US" smtClean="0"/>
-              <a:t>1/13/2022</a:t>
+              <a:t>1/14/2022</a:t>
             </a:fld>
             <a:endParaRPr lang="en-US"/>
           </a:p>
@@ -452,7 +460,7 @@
           <a:p>
             <a:fld id="{9E44D11B-64D0-4128-AB06-3651AB0BE39E}" type="datetimeFigureOut">
               <a:rPr lang="en-US" smtClean="0"/>
-              <a:t>1/13/2022</a:t>
+              <a:t>1/14/2022</a:t>
             </a:fld>
             <a:endParaRPr lang="en-US"/>
           </a:p>
@@ -660,7 +668,7 @@
           <a:p>
             <a:fld id="{9E44D11B-64D0-4128-AB06-3651AB0BE39E}" type="datetimeFigureOut">
               <a:rPr lang="en-US" smtClean="0"/>
-              <a:t>1/13/2022</a:t>
+              <a:t>1/14/2022</a:t>
             </a:fld>
             <a:endParaRPr lang="en-US"/>
           </a:p>
@@ -858,7 +866,7 @@
           <a:p>
             <a:fld id="{9E44D11B-64D0-4128-AB06-3651AB0BE39E}" type="datetimeFigureOut">
               <a:rPr lang="en-US" smtClean="0"/>
-              <a:t>1/13/2022</a:t>
+              <a:t>1/14/2022</a:t>
             </a:fld>
             <a:endParaRPr lang="en-US"/>
           </a:p>
@@ -1133,7 +1141,7 @@
           <a:p>
             <a:fld id="{9E44D11B-64D0-4128-AB06-3651AB0BE39E}" type="datetimeFigureOut">
               <a:rPr lang="en-US" smtClean="0"/>
-              <a:t>1/13/2022</a:t>
+              <a:t>1/14/2022</a:t>
             </a:fld>
             <a:endParaRPr lang="en-US"/>
           </a:p>
@@ -1398,7 +1406,7 @@
           <a:p>
             <a:fld id="{9E44D11B-64D0-4128-AB06-3651AB0BE39E}" type="datetimeFigureOut">
               <a:rPr lang="en-US" smtClean="0"/>
-              <a:t>1/13/2022</a:t>
+              <a:t>1/14/2022</a:t>
             </a:fld>
             <a:endParaRPr lang="en-US"/>
           </a:p>
@@ -1810,7 +1818,7 @@
           <a:p>
             <a:fld id="{9E44D11B-64D0-4128-AB06-3651AB0BE39E}" type="datetimeFigureOut">
               <a:rPr lang="en-US" smtClean="0"/>
-              <a:t>1/13/2022</a:t>
+              <a:t>1/14/2022</a:t>
             </a:fld>
             <a:endParaRPr lang="en-US"/>
           </a:p>
@@ -1951,7 +1959,7 @@
           <a:p>
             <a:fld id="{9E44D11B-64D0-4128-AB06-3651AB0BE39E}" type="datetimeFigureOut">
               <a:rPr lang="en-US" smtClean="0"/>
-              <a:t>1/13/2022</a:t>
+              <a:t>1/14/2022</a:t>
             </a:fld>
             <a:endParaRPr lang="en-US"/>
           </a:p>
@@ -2064,7 +2072,7 @@
           <a:p>
             <a:fld id="{9E44D11B-64D0-4128-AB06-3651AB0BE39E}" type="datetimeFigureOut">
               <a:rPr lang="en-US" smtClean="0"/>
-              <a:t>1/13/2022</a:t>
+              <a:t>1/14/2022</a:t>
             </a:fld>
             <a:endParaRPr lang="en-US"/>
           </a:p>
@@ -2375,7 +2383,7 @@
           <a:p>
             <a:fld id="{9E44D11B-64D0-4128-AB06-3651AB0BE39E}" type="datetimeFigureOut">
               <a:rPr lang="en-US" smtClean="0"/>
-              <a:t>1/13/2022</a:t>
+              <a:t>1/14/2022</a:t>
             </a:fld>
             <a:endParaRPr lang="en-US"/>
           </a:p>
@@ -2663,7 +2671,7 @@
           <a:p>
             <a:fld id="{9E44D11B-64D0-4128-AB06-3651AB0BE39E}" type="datetimeFigureOut">
               <a:rPr lang="en-US" smtClean="0"/>
-              <a:t>1/13/2022</a:t>
+              <a:t>1/14/2022</a:t>
             </a:fld>
             <a:endParaRPr lang="en-US"/>
           </a:p>
@@ -2904,7 +2912,7 @@
           <a:p>
             <a:fld id="{9E44D11B-64D0-4128-AB06-3651AB0BE39E}" type="datetimeFigureOut">
               <a:rPr lang="en-US" smtClean="0"/>
-              <a:t>1/13/2022</a:t>
+              <a:t>1/14/2022</a:t>
             </a:fld>
             <a:endParaRPr lang="en-US"/>
           </a:p>
@@ -5489,6 +5497,3637 @@
 </p:sld>
 </file>
 
+<file path=ppt/slides/slide2.xml><?xml version="1.0" encoding="utf-8"?>
+<p:sld xmlns:a="http://schemas.openxmlformats.org/drawingml/2006/main" xmlns:r="http://schemas.openxmlformats.org/officeDocument/2006/relationships" xmlns:p="http://schemas.openxmlformats.org/presentationml/2006/main">
+  <p:cSld>
+    <p:spTree>
+      <p:nvGrpSpPr>
+        <p:cNvPr id="1" name=""/>
+        <p:cNvGrpSpPr/>
+        <p:nvPr/>
+      </p:nvGrpSpPr>
+      <p:grpSpPr>
+        <a:xfrm>
+          <a:off x="0" y="0"/>
+          <a:ext cx="0" cy="0"/>
+          <a:chOff x="0" y="0"/>
+          <a:chExt cx="0" cy="0"/>
+        </a:xfrm>
+      </p:grpSpPr>
+      <p:sp>
+        <p:nvSpPr>
+          <p:cNvPr id="2" name="TextBox 1">
+            <a:extLst>
+              <a:ext uri="{FF2B5EF4-FFF2-40B4-BE49-F238E27FC236}">
+                <a16:creationId xmlns:a16="http://schemas.microsoft.com/office/drawing/2014/main" id="{10A18A76-C2E7-4156-83AD-9DCD49A27D0E}"/>
+              </a:ext>
+            </a:extLst>
+          </p:cNvPr>
+          <p:cNvSpPr txBox="1"/>
+          <p:nvPr/>
+        </p:nvSpPr>
+        <p:spPr>
+          <a:xfrm>
+            <a:off x="206188" y="143435"/>
+            <a:ext cx="11573436" cy="369332"/>
+          </a:xfrm>
+          <a:prstGeom prst="rect">
+            <a:avLst/>
+          </a:prstGeom>
+          <a:noFill/>
+        </p:spPr>
+        <p:txBody>
+          <a:bodyPr wrap="square" rtlCol="0">
+            <a:spAutoFit/>
+          </a:bodyPr>
+          <a:lstStyle/>
+          <a:p>
+            <a:pPr algn="ctr"/>
+            <a:r>
+              <a:rPr lang="en-IN" b="1" dirty="0"/>
+              <a:t>Modern-Front-End App requirements</a:t>
+            </a:r>
+            <a:endParaRPr lang="en-US" b="1" dirty="0"/>
+          </a:p>
+        </p:txBody>
+      </p:sp>
+      <p:sp>
+        <p:nvSpPr>
+          <p:cNvPr id="3" name="Rectangle 2">
+            <a:extLst>
+              <a:ext uri="{FF2B5EF4-FFF2-40B4-BE49-F238E27FC236}">
+                <a16:creationId xmlns:a16="http://schemas.microsoft.com/office/drawing/2014/main" id="{F41EA88E-F97B-46F0-B937-88ED9F4C6231}"/>
+              </a:ext>
+            </a:extLst>
+          </p:cNvPr>
+          <p:cNvSpPr/>
+          <p:nvPr/>
+        </p:nvSpPr>
+        <p:spPr>
+          <a:xfrm>
+            <a:off x="5992906" y="690282"/>
+            <a:ext cx="45719" cy="6167718"/>
+          </a:xfrm>
+          <a:prstGeom prst="rect">
+            <a:avLst/>
+          </a:prstGeom>
+        </p:spPr>
+        <p:style>
+          <a:lnRef idx="2">
+            <a:schemeClr val="accent1">
+              <a:shade val="50000"/>
+            </a:schemeClr>
+          </a:lnRef>
+          <a:fillRef idx="1">
+            <a:schemeClr val="accent1"/>
+          </a:fillRef>
+          <a:effectRef idx="0">
+            <a:schemeClr val="accent1"/>
+          </a:effectRef>
+          <a:fontRef idx="minor">
+            <a:schemeClr val="lt1"/>
+          </a:fontRef>
+        </p:style>
+        <p:txBody>
+          <a:bodyPr rtlCol="0" anchor="ctr"/>
+          <a:lstStyle/>
+          <a:p>
+            <a:pPr algn="ctr"/>
+            <a:endParaRPr lang="en-US"/>
+          </a:p>
+        </p:txBody>
+      </p:sp>
+      <p:sp>
+        <p:nvSpPr>
+          <p:cNvPr id="4" name="Rectangle 3">
+            <a:extLst>
+              <a:ext uri="{FF2B5EF4-FFF2-40B4-BE49-F238E27FC236}">
+                <a16:creationId xmlns:a16="http://schemas.microsoft.com/office/drawing/2014/main" id="{5D5B3C14-91DD-4803-98DA-4469A318BFA1}"/>
+              </a:ext>
+            </a:extLst>
+          </p:cNvPr>
+          <p:cNvSpPr/>
+          <p:nvPr/>
+        </p:nvSpPr>
+        <p:spPr>
+          <a:xfrm>
+            <a:off x="6705600" y="878541"/>
+            <a:ext cx="5162775" cy="5836024"/>
+          </a:xfrm>
+          <a:prstGeom prst="rect">
+            <a:avLst/>
+          </a:prstGeom>
+        </p:spPr>
+        <p:style>
+          <a:lnRef idx="2">
+            <a:schemeClr val="accent4">
+              <a:shade val="50000"/>
+            </a:schemeClr>
+          </a:lnRef>
+          <a:fillRef idx="1">
+            <a:schemeClr val="accent4"/>
+          </a:fillRef>
+          <a:effectRef idx="0">
+            <a:schemeClr val="accent4"/>
+          </a:effectRef>
+          <a:fontRef idx="minor">
+            <a:schemeClr val="lt1"/>
+          </a:fontRef>
+        </p:style>
+        <p:txBody>
+          <a:bodyPr rtlCol="0" anchor="ctr"/>
+          <a:lstStyle/>
+          <a:p>
+            <a:pPr algn="ctr"/>
+            <a:endParaRPr lang="en-US"/>
+          </a:p>
+        </p:txBody>
+      </p:sp>
+      <p:sp>
+        <p:nvSpPr>
+          <p:cNvPr id="5" name="TextBox 4">
+            <a:extLst>
+              <a:ext uri="{FF2B5EF4-FFF2-40B4-BE49-F238E27FC236}">
+                <a16:creationId xmlns:a16="http://schemas.microsoft.com/office/drawing/2014/main" id="{D932AC04-7C5B-4335-B5D1-18C94FA07550}"/>
+              </a:ext>
+            </a:extLst>
+          </p:cNvPr>
+          <p:cNvSpPr txBox="1"/>
+          <p:nvPr/>
+        </p:nvSpPr>
+        <p:spPr>
+          <a:xfrm>
+            <a:off x="6751319" y="1066800"/>
+            <a:ext cx="5028305" cy="646331"/>
+          </a:xfrm>
+          <a:prstGeom prst="rect">
+            <a:avLst/>
+          </a:prstGeom>
+          <a:noFill/>
+        </p:spPr>
+        <p:txBody>
+          <a:bodyPr wrap="square" rtlCol="0">
+            <a:spAutoFit/>
+          </a:bodyPr>
+          <a:lstStyle/>
+          <a:p>
+            <a:pPr algn="ctr"/>
+            <a:r>
+              <a:rPr lang="en-IN" b="1" dirty="0"/>
+              <a:t>Server-Side App</a:t>
+            </a:r>
+          </a:p>
+          <a:p>
+            <a:pPr algn="ctr"/>
+            <a:r>
+              <a:rPr lang="en-IN" b="1" dirty="0"/>
+              <a:t>Node.js, .NET, JAVA, PHP</a:t>
+            </a:r>
+            <a:endParaRPr lang="en-US" b="1" dirty="0"/>
+          </a:p>
+        </p:txBody>
+      </p:sp>
+      <p:sp>
+        <p:nvSpPr>
+          <p:cNvPr id="6" name="Rectangle: Rounded Corners 5">
+            <a:extLst>
+              <a:ext uri="{FF2B5EF4-FFF2-40B4-BE49-F238E27FC236}">
+                <a16:creationId xmlns:a16="http://schemas.microsoft.com/office/drawing/2014/main" id="{53B4D866-D58B-4DA0-9150-71A325855AE2}"/>
+              </a:ext>
+            </a:extLst>
+          </p:cNvPr>
+          <p:cNvSpPr/>
+          <p:nvPr/>
+        </p:nvSpPr>
+        <p:spPr>
+          <a:xfrm>
+            <a:off x="6822141" y="2078905"/>
+            <a:ext cx="4957483" cy="924271"/>
+          </a:xfrm>
+          <a:prstGeom prst="roundRect">
+            <a:avLst/>
+          </a:prstGeom>
+        </p:spPr>
+        <p:style>
+          <a:lnRef idx="2">
+            <a:schemeClr val="accent2">
+              <a:shade val="50000"/>
+            </a:schemeClr>
+          </a:lnRef>
+          <a:fillRef idx="1">
+            <a:schemeClr val="accent2"/>
+          </a:fillRef>
+          <a:effectRef idx="0">
+            <a:schemeClr val="accent2"/>
+          </a:effectRef>
+          <a:fontRef idx="minor">
+            <a:schemeClr val="lt1"/>
+          </a:fontRef>
+        </p:style>
+        <p:txBody>
+          <a:bodyPr rtlCol="0" anchor="ctr"/>
+          <a:lstStyle/>
+          <a:p>
+            <a:pPr algn="ctr"/>
+            <a:r>
+              <a:rPr lang="en-IN" b="1" dirty="0"/>
+              <a:t>Static Resources</a:t>
+            </a:r>
+          </a:p>
+          <a:p>
+            <a:pPr algn="ctr"/>
+            <a:r>
+              <a:rPr lang="en-IN" b="1" dirty="0"/>
+              <a:t>HTML, JavaScript, CSS, etc.</a:t>
+            </a:r>
+            <a:endParaRPr lang="en-US" b="1" dirty="0"/>
+          </a:p>
+        </p:txBody>
+      </p:sp>
+      <p:sp>
+        <p:nvSpPr>
+          <p:cNvPr id="7" name="Rectangle: Rounded Corners 6">
+            <a:extLst>
+              <a:ext uri="{FF2B5EF4-FFF2-40B4-BE49-F238E27FC236}">
+                <a16:creationId xmlns:a16="http://schemas.microsoft.com/office/drawing/2014/main" id="{4015C22F-E9D2-48D3-8929-BADDE1150F28}"/>
+              </a:ext>
+            </a:extLst>
+          </p:cNvPr>
+          <p:cNvSpPr/>
+          <p:nvPr/>
+        </p:nvSpPr>
+        <p:spPr>
+          <a:xfrm>
+            <a:off x="6822141" y="3240289"/>
+            <a:ext cx="4957483" cy="2739170"/>
+          </a:xfrm>
+          <a:prstGeom prst="roundRect">
+            <a:avLst/>
+          </a:prstGeom>
+        </p:spPr>
+        <p:style>
+          <a:lnRef idx="2">
+            <a:schemeClr val="accent6">
+              <a:shade val="50000"/>
+            </a:schemeClr>
+          </a:lnRef>
+          <a:fillRef idx="1">
+            <a:schemeClr val="accent6"/>
+          </a:fillRef>
+          <a:effectRef idx="0">
+            <a:schemeClr val="accent6"/>
+          </a:effectRef>
+          <a:fontRef idx="minor">
+            <a:schemeClr val="lt1"/>
+          </a:fontRef>
+        </p:style>
+        <p:txBody>
+          <a:bodyPr rtlCol="0" anchor="ctr"/>
+          <a:lstStyle/>
+          <a:p>
+            <a:pPr algn="ctr"/>
+            <a:endParaRPr lang="en-US"/>
+          </a:p>
+        </p:txBody>
+      </p:sp>
+      <p:sp>
+        <p:nvSpPr>
+          <p:cNvPr id="8" name="TextBox 7">
+            <a:extLst>
+              <a:ext uri="{FF2B5EF4-FFF2-40B4-BE49-F238E27FC236}">
+                <a16:creationId xmlns:a16="http://schemas.microsoft.com/office/drawing/2014/main" id="{EC457E2C-EBE3-4EF9-B064-AB40FC85AAC7}"/>
+              </a:ext>
+            </a:extLst>
+          </p:cNvPr>
+          <p:cNvSpPr txBox="1"/>
+          <p:nvPr/>
+        </p:nvSpPr>
+        <p:spPr>
+          <a:xfrm>
+            <a:off x="7431741" y="3368950"/>
+            <a:ext cx="4061012" cy="369332"/>
+          </a:xfrm>
+          <a:prstGeom prst="rect">
+            <a:avLst/>
+          </a:prstGeom>
+          <a:noFill/>
+        </p:spPr>
+        <p:txBody>
+          <a:bodyPr wrap="square" rtlCol="0">
+            <a:spAutoFit/>
+          </a:bodyPr>
+          <a:lstStyle/>
+          <a:p>
+            <a:pPr algn="ctr"/>
+            <a:r>
+              <a:rPr lang="en-IN" b="1" dirty="0"/>
+              <a:t>Server-Side Application Layer</a:t>
+            </a:r>
+            <a:endParaRPr lang="en-US" b="1" dirty="0"/>
+          </a:p>
+        </p:txBody>
+      </p:sp>
+      <p:sp>
+        <p:nvSpPr>
+          <p:cNvPr id="9" name="Rectangle 8">
+            <a:extLst>
+              <a:ext uri="{FF2B5EF4-FFF2-40B4-BE49-F238E27FC236}">
+                <a16:creationId xmlns:a16="http://schemas.microsoft.com/office/drawing/2014/main" id="{9416A8B6-6A34-4DF6-875A-94413F019E83}"/>
+              </a:ext>
+            </a:extLst>
+          </p:cNvPr>
+          <p:cNvSpPr/>
+          <p:nvPr/>
+        </p:nvSpPr>
+        <p:spPr>
+          <a:xfrm>
+            <a:off x="6902824" y="3908612"/>
+            <a:ext cx="4751294" cy="369332"/>
+          </a:xfrm>
+          <a:prstGeom prst="rect">
+            <a:avLst/>
+          </a:prstGeom>
+        </p:spPr>
+        <p:style>
+          <a:lnRef idx="2">
+            <a:schemeClr val="accent4">
+              <a:shade val="50000"/>
+            </a:schemeClr>
+          </a:lnRef>
+          <a:fillRef idx="1">
+            <a:schemeClr val="accent4"/>
+          </a:fillRef>
+          <a:effectRef idx="0">
+            <a:schemeClr val="accent4"/>
+          </a:effectRef>
+          <a:fontRef idx="minor">
+            <a:schemeClr val="lt1"/>
+          </a:fontRef>
+        </p:style>
+        <p:txBody>
+          <a:bodyPr rtlCol="0" anchor="ctr"/>
+          <a:lstStyle/>
+          <a:p>
+            <a:pPr algn="ctr"/>
+            <a:r>
+              <a:rPr lang="en-IN" b="1" dirty="0"/>
+              <a:t>API Layer aka EndPoints</a:t>
+            </a:r>
+            <a:endParaRPr lang="en-US" b="1" dirty="0"/>
+          </a:p>
+        </p:txBody>
+      </p:sp>
+      <p:sp>
+        <p:nvSpPr>
+          <p:cNvPr id="10" name="Rectangle 9">
+            <a:extLst>
+              <a:ext uri="{FF2B5EF4-FFF2-40B4-BE49-F238E27FC236}">
+                <a16:creationId xmlns:a16="http://schemas.microsoft.com/office/drawing/2014/main" id="{266DBCCC-CBBA-4E71-A3DB-FEE4473F4CD8}"/>
+              </a:ext>
+            </a:extLst>
+          </p:cNvPr>
+          <p:cNvSpPr/>
+          <p:nvPr/>
+        </p:nvSpPr>
+        <p:spPr>
+          <a:xfrm>
+            <a:off x="6889824" y="4467982"/>
+            <a:ext cx="4751294" cy="659829"/>
+          </a:xfrm>
+          <a:prstGeom prst="rect">
+            <a:avLst/>
+          </a:prstGeom>
+        </p:spPr>
+        <p:style>
+          <a:lnRef idx="2">
+            <a:schemeClr val="accent3">
+              <a:shade val="50000"/>
+            </a:schemeClr>
+          </a:lnRef>
+          <a:fillRef idx="1">
+            <a:schemeClr val="accent3"/>
+          </a:fillRef>
+          <a:effectRef idx="0">
+            <a:schemeClr val="accent3"/>
+          </a:effectRef>
+          <a:fontRef idx="minor">
+            <a:schemeClr val="lt1"/>
+          </a:fontRef>
+        </p:style>
+        <p:txBody>
+          <a:bodyPr rtlCol="0" anchor="ctr"/>
+          <a:lstStyle/>
+          <a:p>
+            <a:pPr algn="ctr"/>
+            <a:r>
+              <a:rPr lang="en-IN" b="1" dirty="0"/>
+              <a:t>Business Domain</a:t>
+            </a:r>
+            <a:endParaRPr lang="en-US" b="1" dirty="0"/>
+          </a:p>
+        </p:txBody>
+      </p:sp>
+      <p:sp>
+        <p:nvSpPr>
+          <p:cNvPr id="11" name="Rectangle 10">
+            <a:extLst>
+              <a:ext uri="{FF2B5EF4-FFF2-40B4-BE49-F238E27FC236}">
+                <a16:creationId xmlns:a16="http://schemas.microsoft.com/office/drawing/2014/main" id="{9D313D41-8030-4F0E-9DC7-34AFBB6CC0E0}"/>
+              </a:ext>
+            </a:extLst>
+          </p:cNvPr>
+          <p:cNvSpPr/>
+          <p:nvPr/>
+        </p:nvSpPr>
+        <p:spPr>
+          <a:xfrm>
+            <a:off x="6889824" y="5290989"/>
+            <a:ext cx="4751294" cy="369332"/>
+          </a:xfrm>
+          <a:prstGeom prst="rect">
+            <a:avLst/>
+          </a:prstGeom>
+        </p:spPr>
+        <p:style>
+          <a:lnRef idx="2">
+            <a:schemeClr val="accent2">
+              <a:shade val="50000"/>
+            </a:schemeClr>
+          </a:lnRef>
+          <a:fillRef idx="1">
+            <a:schemeClr val="accent2"/>
+          </a:fillRef>
+          <a:effectRef idx="0">
+            <a:schemeClr val="accent2"/>
+          </a:effectRef>
+          <a:fontRef idx="minor">
+            <a:schemeClr val="lt1"/>
+          </a:fontRef>
+        </p:style>
+        <p:txBody>
+          <a:bodyPr rtlCol="0" anchor="ctr"/>
+          <a:lstStyle/>
+          <a:p>
+            <a:pPr algn="ctr"/>
+            <a:r>
+              <a:rPr lang="en-IN" b="1" dirty="0"/>
+              <a:t>Data Access Layer</a:t>
+            </a:r>
+            <a:endParaRPr lang="en-US" b="1" dirty="0"/>
+          </a:p>
+        </p:txBody>
+      </p:sp>
+      <p:sp>
+        <p:nvSpPr>
+          <p:cNvPr id="12" name="Rectangle 11">
+            <a:extLst>
+              <a:ext uri="{FF2B5EF4-FFF2-40B4-BE49-F238E27FC236}">
+                <a16:creationId xmlns:a16="http://schemas.microsoft.com/office/drawing/2014/main" id="{F5F57A67-9C15-4A8B-8F0A-6BE471E3BB41}"/>
+              </a:ext>
+            </a:extLst>
+          </p:cNvPr>
+          <p:cNvSpPr/>
+          <p:nvPr/>
+        </p:nvSpPr>
+        <p:spPr>
+          <a:xfrm>
+            <a:off x="323625" y="2078905"/>
+            <a:ext cx="3396728" cy="3308883"/>
+          </a:xfrm>
+          <a:prstGeom prst="rect">
+            <a:avLst/>
+          </a:prstGeom>
+        </p:spPr>
+        <p:style>
+          <a:lnRef idx="2">
+            <a:schemeClr val="dk1">
+              <a:shade val="50000"/>
+            </a:schemeClr>
+          </a:lnRef>
+          <a:fillRef idx="1">
+            <a:schemeClr val="dk1"/>
+          </a:fillRef>
+          <a:effectRef idx="0">
+            <a:schemeClr val="dk1"/>
+          </a:effectRef>
+          <a:fontRef idx="minor">
+            <a:schemeClr val="lt1"/>
+          </a:fontRef>
+        </p:style>
+        <p:txBody>
+          <a:bodyPr rtlCol="0" anchor="ctr"/>
+          <a:lstStyle/>
+          <a:p>
+            <a:pPr algn="ctr"/>
+            <a:r>
+              <a:rPr lang="en-IN" b="1" dirty="0"/>
+              <a:t>Browser</a:t>
+            </a:r>
+          </a:p>
+          <a:p>
+            <a:pPr algn="ctr"/>
+            <a:endParaRPr lang="en-IN" b="1" dirty="0"/>
+          </a:p>
+          <a:p>
+            <a:pPr algn="ctr"/>
+            <a:endParaRPr lang="en-IN" b="1" dirty="0"/>
+          </a:p>
+          <a:p>
+            <a:pPr algn="ctr"/>
+            <a:endParaRPr lang="en-IN" b="1" dirty="0"/>
+          </a:p>
+          <a:p>
+            <a:pPr algn="ctr"/>
+            <a:endParaRPr lang="en-IN" b="1" dirty="0"/>
+          </a:p>
+          <a:p>
+            <a:pPr algn="ctr"/>
+            <a:endParaRPr lang="en-IN" b="1" dirty="0"/>
+          </a:p>
+          <a:p>
+            <a:pPr algn="ctr"/>
+            <a:endParaRPr lang="en-IN" b="1" dirty="0"/>
+          </a:p>
+          <a:p>
+            <a:pPr algn="ctr"/>
+            <a:endParaRPr lang="en-IN" b="1" dirty="0"/>
+          </a:p>
+          <a:p>
+            <a:pPr algn="ctr"/>
+            <a:endParaRPr lang="en-IN" b="1" dirty="0"/>
+          </a:p>
+          <a:p>
+            <a:pPr algn="ctr"/>
+            <a:endParaRPr lang="en-IN" b="1" dirty="0"/>
+          </a:p>
+          <a:p>
+            <a:pPr algn="ctr"/>
+            <a:endParaRPr lang="en-US" b="1" dirty="0"/>
+          </a:p>
+        </p:txBody>
+      </p:sp>
+      <p:sp>
+        <p:nvSpPr>
+          <p:cNvPr id="13" name="Rectangle 12">
+            <a:extLst>
+              <a:ext uri="{FF2B5EF4-FFF2-40B4-BE49-F238E27FC236}">
+                <a16:creationId xmlns:a16="http://schemas.microsoft.com/office/drawing/2014/main" id="{C20D4F83-FCD9-4554-AE51-8FDCC4A28565}"/>
+              </a:ext>
+            </a:extLst>
+          </p:cNvPr>
+          <p:cNvSpPr/>
+          <p:nvPr/>
+        </p:nvSpPr>
+        <p:spPr>
+          <a:xfrm>
+            <a:off x="6418728" y="1613647"/>
+            <a:ext cx="1675505" cy="369332"/>
+          </a:xfrm>
+          <a:prstGeom prst="rect">
+            <a:avLst/>
+          </a:prstGeom>
+        </p:spPr>
+        <p:style>
+          <a:lnRef idx="2">
+            <a:schemeClr val="accent1">
+              <a:shade val="50000"/>
+            </a:schemeClr>
+          </a:lnRef>
+          <a:fillRef idx="1">
+            <a:schemeClr val="accent1"/>
+          </a:fillRef>
+          <a:effectRef idx="0">
+            <a:schemeClr val="accent1"/>
+          </a:effectRef>
+          <a:fontRef idx="minor">
+            <a:schemeClr val="lt1"/>
+          </a:fontRef>
+        </p:style>
+        <p:txBody>
+          <a:bodyPr rtlCol="0" anchor="ctr"/>
+          <a:lstStyle/>
+          <a:p>
+            <a:pPr algn="ctr"/>
+            <a:r>
+              <a:rPr lang="en-IN" b="1" dirty="0"/>
+              <a:t>Gateway</a:t>
+            </a:r>
+            <a:endParaRPr lang="en-US" b="1" dirty="0"/>
+          </a:p>
+        </p:txBody>
+      </p:sp>
+      <p:sp>
+        <p:nvSpPr>
+          <p:cNvPr id="14" name="Arrow: Bent 13">
+            <a:extLst>
+              <a:ext uri="{FF2B5EF4-FFF2-40B4-BE49-F238E27FC236}">
+                <a16:creationId xmlns:a16="http://schemas.microsoft.com/office/drawing/2014/main" id="{B61CFCF1-5B30-4DF9-B384-BDFE1A6BBA56}"/>
+              </a:ext>
+            </a:extLst>
+          </p:cNvPr>
+          <p:cNvSpPr/>
+          <p:nvPr/>
+        </p:nvSpPr>
+        <p:spPr>
+          <a:xfrm>
+            <a:off x="3030071" y="1709573"/>
+            <a:ext cx="3388657" cy="369332"/>
+          </a:xfrm>
+          <a:prstGeom prst="bentArrow">
+            <a:avLst/>
+          </a:prstGeom>
+        </p:spPr>
+        <p:style>
+          <a:lnRef idx="2">
+            <a:schemeClr val="accent2">
+              <a:shade val="50000"/>
+            </a:schemeClr>
+          </a:lnRef>
+          <a:fillRef idx="1">
+            <a:schemeClr val="accent2"/>
+          </a:fillRef>
+          <a:effectRef idx="0">
+            <a:schemeClr val="accent2"/>
+          </a:effectRef>
+          <a:fontRef idx="minor">
+            <a:schemeClr val="lt1"/>
+          </a:fontRef>
+        </p:style>
+        <p:txBody>
+          <a:bodyPr rtlCol="0" anchor="ctr"/>
+          <a:lstStyle/>
+          <a:p>
+            <a:pPr algn="ctr"/>
+            <a:endParaRPr lang="en-US">
+              <a:solidFill>
+                <a:schemeClr val="tx1"/>
+              </a:solidFill>
+            </a:endParaRPr>
+          </a:p>
+        </p:txBody>
+      </p:sp>
+      <p:sp>
+        <p:nvSpPr>
+          <p:cNvPr id="15" name="Arrow: Bent 14">
+            <a:extLst>
+              <a:ext uri="{FF2B5EF4-FFF2-40B4-BE49-F238E27FC236}">
+                <a16:creationId xmlns:a16="http://schemas.microsoft.com/office/drawing/2014/main" id="{0FA1B0B1-1064-4D77-81E2-CE8F3F33CE84}"/>
+              </a:ext>
+            </a:extLst>
+          </p:cNvPr>
+          <p:cNvSpPr/>
+          <p:nvPr/>
+        </p:nvSpPr>
+        <p:spPr>
+          <a:xfrm rot="5400000">
+            <a:off x="8323062" y="1451818"/>
+            <a:ext cx="369333" cy="860165"/>
+          </a:xfrm>
+          <a:prstGeom prst="bentArrow">
+            <a:avLst/>
+          </a:prstGeom>
+        </p:spPr>
+        <p:style>
+          <a:lnRef idx="2">
+            <a:schemeClr val="accent2">
+              <a:shade val="50000"/>
+            </a:schemeClr>
+          </a:lnRef>
+          <a:fillRef idx="1">
+            <a:schemeClr val="accent2"/>
+          </a:fillRef>
+          <a:effectRef idx="0">
+            <a:schemeClr val="accent2"/>
+          </a:effectRef>
+          <a:fontRef idx="minor">
+            <a:schemeClr val="lt1"/>
+          </a:fontRef>
+        </p:style>
+        <p:txBody>
+          <a:bodyPr rtlCol="0" anchor="ctr"/>
+          <a:lstStyle/>
+          <a:p>
+            <a:pPr algn="ctr"/>
+            <a:endParaRPr lang="en-US">
+              <a:solidFill>
+                <a:schemeClr val="tx1"/>
+              </a:solidFill>
+            </a:endParaRPr>
+          </a:p>
+        </p:txBody>
+      </p:sp>
+      <p:sp>
+        <p:nvSpPr>
+          <p:cNvPr id="17" name="Arrow: Up 16">
+            <a:extLst>
+              <a:ext uri="{FF2B5EF4-FFF2-40B4-BE49-F238E27FC236}">
+                <a16:creationId xmlns:a16="http://schemas.microsoft.com/office/drawing/2014/main" id="{C7BAC2B2-8116-4A42-A0AD-2080D72FE3EC}"/>
+              </a:ext>
+            </a:extLst>
+          </p:cNvPr>
+          <p:cNvSpPr/>
+          <p:nvPr/>
+        </p:nvSpPr>
+        <p:spPr>
+          <a:xfrm>
+            <a:off x="7198659" y="1982979"/>
+            <a:ext cx="233082" cy="276999"/>
+          </a:xfrm>
+          <a:prstGeom prst="upArrow">
+            <a:avLst/>
+          </a:prstGeom>
+        </p:spPr>
+        <p:style>
+          <a:lnRef idx="2">
+            <a:schemeClr val="accent6">
+              <a:shade val="50000"/>
+            </a:schemeClr>
+          </a:lnRef>
+          <a:fillRef idx="1">
+            <a:schemeClr val="accent6"/>
+          </a:fillRef>
+          <a:effectRef idx="0">
+            <a:schemeClr val="accent6"/>
+          </a:effectRef>
+          <a:fontRef idx="minor">
+            <a:schemeClr val="lt1"/>
+          </a:fontRef>
+        </p:style>
+        <p:txBody>
+          <a:bodyPr rtlCol="0" anchor="ctr"/>
+          <a:lstStyle/>
+          <a:p>
+            <a:pPr algn="ctr"/>
+            <a:endParaRPr lang="en-US"/>
+          </a:p>
+        </p:txBody>
+      </p:sp>
+      <p:sp>
+        <p:nvSpPr>
+          <p:cNvPr id="18" name="Arrow: Bent 17">
+            <a:extLst>
+              <a:ext uri="{FF2B5EF4-FFF2-40B4-BE49-F238E27FC236}">
+                <a16:creationId xmlns:a16="http://schemas.microsoft.com/office/drawing/2014/main" id="{8A52BEB4-4C70-40C6-B241-E8F797BF6413}"/>
+              </a:ext>
+            </a:extLst>
+          </p:cNvPr>
+          <p:cNvSpPr/>
+          <p:nvPr/>
+        </p:nvSpPr>
+        <p:spPr>
+          <a:xfrm rot="10800000">
+            <a:off x="3720353" y="1971326"/>
+            <a:ext cx="2881708" cy="558499"/>
+          </a:xfrm>
+          <a:prstGeom prst="bentArrow">
+            <a:avLst/>
+          </a:prstGeom>
+        </p:spPr>
+        <p:style>
+          <a:lnRef idx="2">
+            <a:schemeClr val="accent2">
+              <a:shade val="50000"/>
+            </a:schemeClr>
+          </a:lnRef>
+          <a:fillRef idx="1">
+            <a:schemeClr val="accent2"/>
+          </a:fillRef>
+          <a:effectRef idx="0">
+            <a:schemeClr val="accent2"/>
+          </a:effectRef>
+          <a:fontRef idx="minor">
+            <a:schemeClr val="lt1"/>
+          </a:fontRef>
+        </p:style>
+        <p:txBody>
+          <a:bodyPr rtlCol="0" anchor="ctr"/>
+          <a:lstStyle/>
+          <a:p>
+            <a:pPr algn="ctr"/>
+            <a:endParaRPr lang="en-US">
+              <a:solidFill>
+                <a:schemeClr val="tx1"/>
+              </a:solidFill>
+            </a:endParaRPr>
+          </a:p>
+        </p:txBody>
+      </p:sp>
+      <p:sp>
+        <p:nvSpPr>
+          <p:cNvPr id="19" name="Rectangle: Rounded Corners 18">
+            <a:extLst>
+              <a:ext uri="{FF2B5EF4-FFF2-40B4-BE49-F238E27FC236}">
+                <a16:creationId xmlns:a16="http://schemas.microsoft.com/office/drawing/2014/main" id="{FFB2A854-8CC7-4A50-9798-E534B304572B}"/>
+              </a:ext>
+            </a:extLst>
+          </p:cNvPr>
+          <p:cNvSpPr/>
+          <p:nvPr/>
+        </p:nvSpPr>
+        <p:spPr>
+          <a:xfrm>
+            <a:off x="550882" y="2791579"/>
+            <a:ext cx="2971352" cy="2336232"/>
+          </a:xfrm>
+          <a:prstGeom prst="roundRect">
+            <a:avLst/>
+          </a:prstGeom>
+        </p:spPr>
+        <p:style>
+          <a:lnRef idx="2">
+            <a:schemeClr val="accent6">
+              <a:shade val="50000"/>
+            </a:schemeClr>
+          </a:lnRef>
+          <a:fillRef idx="1">
+            <a:schemeClr val="accent6"/>
+          </a:fillRef>
+          <a:effectRef idx="0">
+            <a:schemeClr val="accent6"/>
+          </a:effectRef>
+          <a:fontRef idx="minor">
+            <a:schemeClr val="lt1"/>
+          </a:fontRef>
+        </p:style>
+        <p:txBody>
+          <a:bodyPr rtlCol="0" anchor="ctr"/>
+          <a:lstStyle/>
+          <a:p>
+            <a:pPr algn="ctr"/>
+            <a:r>
+              <a:rPr lang="en-IN" b="1" dirty="0"/>
+              <a:t>UI Loaded in Browser with JavaScript, HTML, CSS, Properties, Events, etc.</a:t>
+            </a:r>
+            <a:endParaRPr lang="en-US" b="1" dirty="0"/>
+          </a:p>
+        </p:txBody>
+      </p:sp>
+      <p:sp>
+        <p:nvSpPr>
+          <p:cNvPr id="21" name="Rectangle: Rounded Corners 20">
+            <a:extLst>
+              <a:ext uri="{FF2B5EF4-FFF2-40B4-BE49-F238E27FC236}">
+                <a16:creationId xmlns:a16="http://schemas.microsoft.com/office/drawing/2014/main" id="{B0FC67F6-54A1-4C5C-A363-392E83A86F2A}"/>
+              </a:ext>
+            </a:extLst>
+          </p:cNvPr>
+          <p:cNvSpPr/>
+          <p:nvPr/>
+        </p:nvSpPr>
+        <p:spPr>
+          <a:xfrm>
+            <a:off x="6310258" y="3439723"/>
+            <a:ext cx="1381460" cy="305711"/>
+          </a:xfrm>
+          <a:prstGeom prst="roundRect">
+            <a:avLst/>
+          </a:prstGeom>
+        </p:spPr>
+        <p:style>
+          <a:lnRef idx="2">
+            <a:schemeClr val="accent1">
+              <a:shade val="50000"/>
+            </a:schemeClr>
+          </a:lnRef>
+          <a:fillRef idx="1">
+            <a:schemeClr val="accent1"/>
+          </a:fillRef>
+          <a:effectRef idx="0">
+            <a:schemeClr val="accent1"/>
+          </a:effectRef>
+          <a:fontRef idx="minor">
+            <a:schemeClr val="lt1"/>
+          </a:fontRef>
+        </p:style>
+        <p:txBody>
+          <a:bodyPr rtlCol="0" anchor="ctr"/>
+          <a:lstStyle/>
+          <a:p>
+            <a:pPr algn="ctr"/>
+            <a:r>
+              <a:rPr lang="en-IN" b="1" dirty="0"/>
+              <a:t>Gateway</a:t>
+            </a:r>
+            <a:endParaRPr lang="en-US" b="1" dirty="0"/>
+          </a:p>
+        </p:txBody>
+      </p:sp>
+      <p:sp>
+        <p:nvSpPr>
+          <p:cNvPr id="22" name="Arrow: Right 21">
+            <a:extLst>
+              <a:ext uri="{FF2B5EF4-FFF2-40B4-BE49-F238E27FC236}">
+                <a16:creationId xmlns:a16="http://schemas.microsoft.com/office/drawing/2014/main" id="{5AC54A59-C044-418C-B836-15B9F3EFE604}"/>
+              </a:ext>
+            </a:extLst>
+          </p:cNvPr>
+          <p:cNvSpPr/>
+          <p:nvPr/>
+        </p:nvSpPr>
+        <p:spPr>
+          <a:xfrm>
+            <a:off x="3522234" y="3434195"/>
+            <a:ext cx="2788024" cy="210848"/>
+          </a:xfrm>
+          <a:prstGeom prst="rightArrow">
+            <a:avLst/>
+          </a:prstGeom>
+        </p:spPr>
+        <p:style>
+          <a:lnRef idx="2">
+            <a:schemeClr val="accent2">
+              <a:shade val="50000"/>
+            </a:schemeClr>
+          </a:lnRef>
+          <a:fillRef idx="1">
+            <a:schemeClr val="accent2"/>
+          </a:fillRef>
+          <a:effectRef idx="0">
+            <a:schemeClr val="accent2"/>
+          </a:effectRef>
+          <a:fontRef idx="minor">
+            <a:schemeClr val="lt1"/>
+          </a:fontRef>
+        </p:style>
+        <p:txBody>
+          <a:bodyPr rtlCol="0" anchor="ctr"/>
+          <a:lstStyle/>
+          <a:p>
+            <a:pPr algn="ctr"/>
+            <a:endParaRPr lang="en-US"/>
+          </a:p>
+        </p:txBody>
+      </p:sp>
+      <p:sp>
+        <p:nvSpPr>
+          <p:cNvPr id="23" name="Arrow: Bent 22">
+            <a:extLst>
+              <a:ext uri="{FF2B5EF4-FFF2-40B4-BE49-F238E27FC236}">
+                <a16:creationId xmlns:a16="http://schemas.microsoft.com/office/drawing/2014/main" id="{D4D7F789-0E31-4461-9586-BD81B6475835}"/>
+              </a:ext>
+            </a:extLst>
+          </p:cNvPr>
+          <p:cNvSpPr/>
+          <p:nvPr/>
+        </p:nvSpPr>
+        <p:spPr>
+          <a:xfrm rot="5400000">
+            <a:off x="7686014" y="3543823"/>
+            <a:ext cx="350491" cy="451599"/>
+          </a:xfrm>
+          <a:prstGeom prst="bentArrow">
+            <a:avLst/>
+          </a:prstGeom>
+        </p:spPr>
+        <p:style>
+          <a:lnRef idx="2">
+            <a:schemeClr val="accent2">
+              <a:shade val="50000"/>
+            </a:schemeClr>
+          </a:lnRef>
+          <a:fillRef idx="1">
+            <a:schemeClr val="accent2"/>
+          </a:fillRef>
+          <a:effectRef idx="0">
+            <a:schemeClr val="accent2"/>
+          </a:effectRef>
+          <a:fontRef idx="minor">
+            <a:schemeClr val="lt1"/>
+          </a:fontRef>
+        </p:style>
+        <p:txBody>
+          <a:bodyPr rtlCol="0" anchor="ctr"/>
+          <a:lstStyle/>
+          <a:p>
+            <a:pPr algn="ctr"/>
+            <a:endParaRPr lang="en-US">
+              <a:solidFill>
+                <a:schemeClr val="tx1"/>
+              </a:solidFill>
+            </a:endParaRPr>
+          </a:p>
+        </p:txBody>
+      </p:sp>
+      <p:sp>
+        <p:nvSpPr>
+          <p:cNvPr id="24" name="Arrow: Down 23">
+            <a:extLst>
+              <a:ext uri="{FF2B5EF4-FFF2-40B4-BE49-F238E27FC236}">
+                <a16:creationId xmlns:a16="http://schemas.microsoft.com/office/drawing/2014/main" id="{038C6F8E-4AC6-4675-8CEA-D843F2C9D820}"/>
+              </a:ext>
+            </a:extLst>
+          </p:cNvPr>
+          <p:cNvSpPr/>
+          <p:nvPr/>
+        </p:nvSpPr>
+        <p:spPr>
+          <a:xfrm>
+            <a:off x="7978590" y="4174829"/>
+            <a:ext cx="188257" cy="468889"/>
+          </a:xfrm>
+          <a:prstGeom prst="downArrow">
+            <a:avLst/>
+          </a:prstGeom>
+        </p:spPr>
+        <p:style>
+          <a:lnRef idx="2">
+            <a:schemeClr val="accent1">
+              <a:shade val="50000"/>
+            </a:schemeClr>
+          </a:lnRef>
+          <a:fillRef idx="1">
+            <a:schemeClr val="accent1"/>
+          </a:fillRef>
+          <a:effectRef idx="0">
+            <a:schemeClr val="accent1"/>
+          </a:effectRef>
+          <a:fontRef idx="minor">
+            <a:schemeClr val="lt1"/>
+          </a:fontRef>
+        </p:style>
+        <p:txBody>
+          <a:bodyPr rtlCol="0" anchor="ctr"/>
+          <a:lstStyle/>
+          <a:p>
+            <a:pPr algn="ctr"/>
+            <a:endParaRPr lang="en-US"/>
+          </a:p>
+        </p:txBody>
+      </p:sp>
+      <p:sp>
+        <p:nvSpPr>
+          <p:cNvPr id="25" name="Arrow: Down 24">
+            <a:extLst>
+              <a:ext uri="{FF2B5EF4-FFF2-40B4-BE49-F238E27FC236}">
+                <a16:creationId xmlns:a16="http://schemas.microsoft.com/office/drawing/2014/main" id="{A7FCA42B-5006-4857-8351-58746D666557}"/>
+              </a:ext>
+            </a:extLst>
+          </p:cNvPr>
+          <p:cNvSpPr/>
+          <p:nvPr/>
+        </p:nvSpPr>
+        <p:spPr>
+          <a:xfrm>
+            <a:off x="7978590" y="4936871"/>
+            <a:ext cx="188257" cy="468889"/>
+          </a:xfrm>
+          <a:prstGeom prst="downArrow">
+            <a:avLst/>
+          </a:prstGeom>
+        </p:spPr>
+        <p:style>
+          <a:lnRef idx="2">
+            <a:schemeClr val="accent1">
+              <a:shade val="50000"/>
+            </a:schemeClr>
+          </a:lnRef>
+          <a:fillRef idx="1">
+            <a:schemeClr val="accent1"/>
+          </a:fillRef>
+          <a:effectRef idx="0">
+            <a:schemeClr val="accent1"/>
+          </a:effectRef>
+          <a:fontRef idx="minor">
+            <a:schemeClr val="lt1"/>
+          </a:fontRef>
+        </p:style>
+        <p:txBody>
+          <a:bodyPr rtlCol="0" anchor="ctr"/>
+          <a:lstStyle/>
+          <a:p>
+            <a:pPr algn="ctr"/>
+            <a:endParaRPr lang="en-US"/>
+          </a:p>
+        </p:txBody>
+      </p:sp>
+      <p:sp>
+        <p:nvSpPr>
+          <p:cNvPr id="26" name="Arrow: Up 25">
+            <a:extLst>
+              <a:ext uri="{FF2B5EF4-FFF2-40B4-BE49-F238E27FC236}">
+                <a16:creationId xmlns:a16="http://schemas.microsoft.com/office/drawing/2014/main" id="{403CB25D-AE5F-4F35-BD63-4FAD33EDA08C}"/>
+              </a:ext>
+            </a:extLst>
+          </p:cNvPr>
+          <p:cNvSpPr/>
+          <p:nvPr/>
+        </p:nvSpPr>
+        <p:spPr>
+          <a:xfrm>
+            <a:off x="7431741" y="4971851"/>
+            <a:ext cx="259977" cy="415937"/>
+          </a:xfrm>
+          <a:prstGeom prst="upArrow">
+            <a:avLst/>
+          </a:prstGeom>
+        </p:spPr>
+        <p:style>
+          <a:lnRef idx="2">
+            <a:schemeClr val="accent1">
+              <a:shade val="50000"/>
+            </a:schemeClr>
+          </a:lnRef>
+          <a:fillRef idx="1">
+            <a:schemeClr val="accent1"/>
+          </a:fillRef>
+          <a:effectRef idx="0">
+            <a:schemeClr val="accent1"/>
+          </a:effectRef>
+          <a:fontRef idx="minor">
+            <a:schemeClr val="lt1"/>
+          </a:fontRef>
+        </p:style>
+        <p:txBody>
+          <a:bodyPr rtlCol="0" anchor="ctr"/>
+          <a:lstStyle/>
+          <a:p>
+            <a:pPr algn="ctr"/>
+            <a:endParaRPr lang="en-US"/>
+          </a:p>
+        </p:txBody>
+      </p:sp>
+      <p:sp>
+        <p:nvSpPr>
+          <p:cNvPr id="27" name="Arrow: Up 26">
+            <a:extLst>
+              <a:ext uri="{FF2B5EF4-FFF2-40B4-BE49-F238E27FC236}">
+                <a16:creationId xmlns:a16="http://schemas.microsoft.com/office/drawing/2014/main" id="{73575E5C-D651-476C-9B64-389CE452FAC8}"/>
+              </a:ext>
+            </a:extLst>
+          </p:cNvPr>
+          <p:cNvSpPr/>
+          <p:nvPr/>
+        </p:nvSpPr>
+        <p:spPr>
+          <a:xfrm>
+            <a:off x="7324164" y="4174829"/>
+            <a:ext cx="259977" cy="415937"/>
+          </a:xfrm>
+          <a:prstGeom prst="upArrow">
+            <a:avLst/>
+          </a:prstGeom>
+        </p:spPr>
+        <p:style>
+          <a:lnRef idx="2">
+            <a:schemeClr val="accent1">
+              <a:shade val="50000"/>
+            </a:schemeClr>
+          </a:lnRef>
+          <a:fillRef idx="1">
+            <a:schemeClr val="accent1"/>
+          </a:fillRef>
+          <a:effectRef idx="0">
+            <a:schemeClr val="accent1"/>
+          </a:effectRef>
+          <a:fontRef idx="minor">
+            <a:schemeClr val="lt1"/>
+          </a:fontRef>
+        </p:style>
+        <p:txBody>
+          <a:bodyPr rtlCol="0" anchor="ctr"/>
+          <a:lstStyle/>
+          <a:p>
+            <a:pPr algn="ctr"/>
+            <a:endParaRPr lang="en-US"/>
+          </a:p>
+        </p:txBody>
+      </p:sp>
+      <p:sp>
+        <p:nvSpPr>
+          <p:cNvPr id="28" name="Arrow: Bent 27">
+            <a:extLst>
+              <a:ext uri="{FF2B5EF4-FFF2-40B4-BE49-F238E27FC236}">
+                <a16:creationId xmlns:a16="http://schemas.microsoft.com/office/drawing/2014/main" id="{2DED52DD-EC0A-441F-921C-DFC69A48D7D2}"/>
+              </a:ext>
+            </a:extLst>
+          </p:cNvPr>
+          <p:cNvSpPr/>
+          <p:nvPr/>
+        </p:nvSpPr>
+        <p:spPr>
+          <a:xfrm rot="10800000">
+            <a:off x="3497130" y="3703693"/>
+            <a:ext cx="3095965" cy="478287"/>
+          </a:xfrm>
+          <a:prstGeom prst="bentArrow">
+            <a:avLst/>
+          </a:prstGeom>
+        </p:spPr>
+        <p:style>
+          <a:lnRef idx="2">
+            <a:schemeClr val="accent2">
+              <a:shade val="50000"/>
+            </a:schemeClr>
+          </a:lnRef>
+          <a:fillRef idx="1">
+            <a:schemeClr val="accent2"/>
+          </a:fillRef>
+          <a:effectRef idx="0">
+            <a:schemeClr val="accent2"/>
+          </a:effectRef>
+          <a:fontRef idx="minor">
+            <a:schemeClr val="lt1"/>
+          </a:fontRef>
+        </p:style>
+        <p:txBody>
+          <a:bodyPr rtlCol="0" anchor="ctr"/>
+          <a:lstStyle/>
+          <a:p>
+            <a:pPr algn="ctr"/>
+            <a:endParaRPr lang="en-US">
+              <a:solidFill>
+                <a:schemeClr val="tx1"/>
+              </a:solidFill>
+            </a:endParaRPr>
+          </a:p>
+        </p:txBody>
+      </p:sp>
+      <p:cxnSp>
+        <p:nvCxnSpPr>
+          <p:cNvPr id="30" name="Straight Connector 29">
+            <a:extLst>
+              <a:ext uri="{FF2B5EF4-FFF2-40B4-BE49-F238E27FC236}">
+                <a16:creationId xmlns:a16="http://schemas.microsoft.com/office/drawing/2014/main" id="{1F0D1527-9E57-4D1C-8454-7B26BB825115}"/>
+              </a:ext>
+            </a:extLst>
+          </p:cNvPr>
+          <p:cNvCxnSpPr/>
+          <p:nvPr/>
+        </p:nvCxnSpPr>
+        <p:spPr>
+          <a:xfrm>
+            <a:off x="6683188" y="3099102"/>
+            <a:ext cx="5185187" cy="21483"/>
+          </a:xfrm>
+          <a:prstGeom prst="line">
+            <a:avLst/>
+          </a:prstGeom>
+          <a:ln>
+            <a:solidFill>
+              <a:srgbClr val="FF0000"/>
+            </a:solidFill>
+            <a:prstDash val="dashDot"/>
+          </a:ln>
+        </p:spPr>
+        <p:style>
+          <a:lnRef idx="1">
+            <a:schemeClr val="accent1"/>
+          </a:lnRef>
+          <a:fillRef idx="0">
+            <a:schemeClr val="accent1"/>
+          </a:fillRef>
+          <a:effectRef idx="0">
+            <a:schemeClr val="accent1"/>
+          </a:effectRef>
+          <a:fontRef idx="minor">
+            <a:schemeClr val="tx1"/>
+          </a:fontRef>
+        </p:style>
+      </p:cxnSp>
+      <p:sp>
+        <p:nvSpPr>
+          <p:cNvPr id="31" name="TextBox 30">
+            <a:extLst>
+              <a:ext uri="{FF2B5EF4-FFF2-40B4-BE49-F238E27FC236}">
+                <a16:creationId xmlns:a16="http://schemas.microsoft.com/office/drawing/2014/main" id="{6343B544-DD7C-4C9C-8F8A-565B7D5110BB}"/>
+              </a:ext>
+            </a:extLst>
+          </p:cNvPr>
+          <p:cNvSpPr txBox="1"/>
+          <p:nvPr/>
+        </p:nvSpPr>
+        <p:spPr>
+          <a:xfrm>
+            <a:off x="220086" y="5786845"/>
+            <a:ext cx="5392717" cy="954107"/>
+          </a:xfrm>
+          <a:prstGeom prst="rect">
+            <a:avLst/>
+          </a:prstGeom>
+          <a:noFill/>
+        </p:spPr>
+        <p:txBody>
+          <a:bodyPr wrap="square" rtlCol="0">
+            <a:spAutoFit/>
+          </a:bodyPr>
+          <a:lstStyle/>
+          <a:p>
+            <a:pPr marL="228600" indent="-228600">
+              <a:buAutoNum type="arabicPeriod"/>
+            </a:pPr>
+            <a:r>
+              <a:rPr lang="en-IN" sz="1400" b="1" dirty="0"/>
+              <a:t>Front-End App with its static resources is deployed, managed and maintained separately</a:t>
+            </a:r>
+          </a:p>
+          <a:p>
+            <a:pPr marL="228600" indent="-228600">
+              <a:buAutoNum type="arabicPeriod"/>
+            </a:pPr>
+            <a:r>
+              <a:rPr lang="en-IN" sz="1400" b="1" dirty="0"/>
+              <a:t>Server-Side app is isolated from Front-End and its is requested directly from the browser. </a:t>
+            </a:r>
+            <a:endParaRPr lang="en-US" sz="1400" b="1" dirty="0"/>
+          </a:p>
+        </p:txBody>
+      </p:sp>
+    </p:spTree>
+    <p:extLst>
+      <p:ext uri="{BB962C8B-B14F-4D97-AF65-F5344CB8AC3E}">
+        <p14:creationId xmlns:p14="http://schemas.microsoft.com/office/powerpoint/2010/main" val="718628008"/>
+      </p:ext>
+    </p:extLst>
+  </p:cSld>
+  <p:clrMapOvr>
+    <a:masterClrMapping/>
+  </p:clrMapOvr>
+</p:sld>
+</file>
+
+<file path=ppt/slides/slide3.xml><?xml version="1.0" encoding="utf-8"?>
+<p:sld xmlns:a="http://schemas.openxmlformats.org/drawingml/2006/main" xmlns:r="http://schemas.openxmlformats.org/officeDocument/2006/relationships" xmlns:p="http://schemas.openxmlformats.org/presentationml/2006/main">
+  <p:cSld>
+    <p:spTree>
+      <p:nvGrpSpPr>
+        <p:cNvPr id="1" name=""/>
+        <p:cNvGrpSpPr/>
+        <p:nvPr/>
+      </p:nvGrpSpPr>
+      <p:grpSpPr>
+        <a:xfrm>
+          <a:off x="0" y="0"/>
+          <a:ext cx="0" cy="0"/>
+          <a:chOff x="0" y="0"/>
+          <a:chExt cx="0" cy="0"/>
+        </a:xfrm>
+      </p:grpSpPr>
+      <p:sp>
+        <p:nvSpPr>
+          <p:cNvPr id="2" name="TextBox 1">
+            <a:extLst>
+              <a:ext uri="{FF2B5EF4-FFF2-40B4-BE49-F238E27FC236}">
+                <a16:creationId xmlns:a16="http://schemas.microsoft.com/office/drawing/2014/main" id="{DCA51E96-8D68-4F7E-8E4F-62E07A3403D6}"/>
+              </a:ext>
+            </a:extLst>
+          </p:cNvPr>
+          <p:cNvSpPr txBox="1"/>
+          <p:nvPr/>
+        </p:nvSpPr>
+        <p:spPr>
+          <a:xfrm>
+            <a:off x="71718" y="80682"/>
+            <a:ext cx="11958917" cy="646331"/>
+          </a:xfrm>
+          <a:prstGeom prst="rect">
+            <a:avLst/>
+          </a:prstGeom>
+          <a:noFill/>
+        </p:spPr>
+        <p:txBody>
+          <a:bodyPr wrap="square" rtlCol="0">
+            <a:spAutoFit/>
+          </a:bodyPr>
+          <a:lstStyle/>
+          <a:p>
+            <a:pPr algn="ctr"/>
+            <a:r>
+              <a:rPr lang="en-IN" b="1" dirty="0"/>
+              <a:t>Approach for the Front-End App Development</a:t>
+            </a:r>
+          </a:p>
+          <a:p>
+            <a:pPr algn="ctr"/>
+            <a:r>
+              <a:rPr lang="en-IN" b="1" dirty="0"/>
+              <a:t>View-Models-Controllers</a:t>
+            </a:r>
+            <a:endParaRPr lang="en-US" b="1" dirty="0"/>
+          </a:p>
+        </p:txBody>
+      </p:sp>
+      <p:sp>
+        <p:nvSpPr>
+          <p:cNvPr id="3" name="Rectangle 2">
+            <a:extLst>
+              <a:ext uri="{FF2B5EF4-FFF2-40B4-BE49-F238E27FC236}">
+                <a16:creationId xmlns:a16="http://schemas.microsoft.com/office/drawing/2014/main" id="{FB818CCB-7C87-4AB0-9BFA-6522CDFC7F37}"/>
+              </a:ext>
+            </a:extLst>
+          </p:cNvPr>
+          <p:cNvSpPr/>
+          <p:nvPr/>
+        </p:nvSpPr>
+        <p:spPr>
+          <a:xfrm>
+            <a:off x="228600" y="690282"/>
+            <a:ext cx="10269072" cy="5970494"/>
+          </a:xfrm>
+          <a:prstGeom prst="rect">
+            <a:avLst/>
+          </a:prstGeom>
+        </p:spPr>
+        <p:style>
+          <a:lnRef idx="2">
+            <a:schemeClr val="accent3">
+              <a:shade val="50000"/>
+            </a:schemeClr>
+          </a:lnRef>
+          <a:fillRef idx="1">
+            <a:schemeClr val="accent3"/>
+          </a:fillRef>
+          <a:effectRef idx="0">
+            <a:schemeClr val="accent3"/>
+          </a:effectRef>
+          <a:fontRef idx="minor">
+            <a:schemeClr val="lt1"/>
+          </a:fontRef>
+        </p:style>
+        <p:txBody>
+          <a:bodyPr rtlCol="0" anchor="ctr"/>
+          <a:lstStyle/>
+          <a:p>
+            <a:pPr algn="ctr"/>
+            <a:endParaRPr lang="en-US"/>
+          </a:p>
+        </p:txBody>
+      </p:sp>
+      <p:sp>
+        <p:nvSpPr>
+          <p:cNvPr id="4" name="Rectangle: Rounded Corners 3">
+            <a:extLst>
+              <a:ext uri="{FF2B5EF4-FFF2-40B4-BE49-F238E27FC236}">
+                <a16:creationId xmlns:a16="http://schemas.microsoft.com/office/drawing/2014/main" id="{74226C24-ECDD-4FDD-8120-D7A0C3092AF1}"/>
+              </a:ext>
+            </a:extLst>
+          </p:cNvPr>
+          <p:cNvSpPr/>
+          <p:nvPr/>
+        </p:nvSpPr>
+        <p:spPr>
+          <a:xfrm>
+            <a:off x="7566212" y="977153"/>
+            <a:ext cx="2590800" cy="2788023"/>
+          </a:xfrm>
+          <a:prstGeom prst="roundRect">
+            <a:avLst/>
+          </a:prstGeom>
+        </p:spPr>
+        <p:style>
+          <a:lnRef idx="2">
+            <a:schemeClr val="accent2">
+              <a:shade val="50000"/>
+            </a:schemeClr>
+          </a:lnRef>
+          <a:fillRef idx="1">
+            <a:schemeClr val="accent2"/>
+          </a:fillRef>
+          <a:effectRef idx="0">
+            <a:schemeClr val="accent2"/>
+          </a:effectRef>
+          <a:fontRef idx="minor">
+            <a:schemeClr val="lt1"/>
+          </a:fontRef>
+        </p:style>
+        <p:txBody>
+          <a:bodyPr rtlCol="0" anchor="ctr"/>
+          <a:lstStyle/>
+          <a:p>
+            <a:pPr algn="ctr"/>
+            <a:r>
+              <a:rPr lang="en-IN" b="1" dirty="0"/>
+              <a:t>Managing </a:t>
+            </a:r>
+          </a:p>
+          <a:p>
+            <a:pPr algn="ctr"/>
+            <a:r>
+              <a:rPr lang="en-IN" b="1" dirty="0"/>
+              <a:t>All</a:t>
+            </a:r>
+          </a:p>
+          <a:p>
+            <a:pPr algn="ctr"/>
+            <a:r>
+              <a:rPr lang="en-IN" b="1" dirty="0"/>
+              <a:t>External Calls</a:t>
+            </a:r>
+          </a:p>
+          <a:p>
+            <a:pPr algn="ctr"/>
+            <a:r>
+              <a:rPr lang="en-IN" b="1" dirty="0"/>
+              <a:t>Http, Sockets</a:t>
+            </a:r>
+          </a:p>
+          <a:p>
+            <a:pPr algn="ctr"/>
+            <a:r>
+              <a:rPr lang="en-IN" b="1" dirty="0"/>
+              <a:t>Handle Secure Calls, Data Receiving</a:t>
+            </a:r>
+            <a:endParaRPr lang="en-US" b="1" dirty="0"/>
+          </a:p>
+        </p:txBody>
+      </p:sp>
+      <p:sp>
+        <p:nvSpPr>
+          <p:cNvPr id="5" name="Arrow: Curved Down 4">
+            <a:extLst>
+              <a:ext uri="{FF2B5EF4-FFF2-40B4-BE49-F238E27FC236}">
+                <a16:creationId xmlns:a16="http://schemas.microsoft.com/office/drawing/2014/main" id="{F60D6E0E-BB13-4664-BDAC-2ED7C4920050}"/>
+              </a:ext>
+            </a:extLst>
+          </p:cNvPr>
+          <p:cNvSpPr/>
+          <p:nvPr/>
+        </p:nvSpPr>
+        <p:spPr>
+          <a:xfrm>
+            <a:off x="9802908" y="1196788"/>
+            <a:ext cx="1730188" cy="519953"/>
+          </a:xfrm>
+          <a:prstGeom prst="curvedDownArrow">
+            <a:avLst/>
+          </a:prstGeom>
+        </p:spPr>
+        <p:style>
+          <a:lnRef idx="2">
+            <a:schemeClr val="accent5">
+              <a:shade val="50000"/>
+            </a:schemeClr>
+          </a:lnRef>
+          <a:fillRef idx="1">
+            <a:schemeClr val="accent5"/>
+          </a:fillRef>
+          <a:effectRef idx="0">
+            <a:schemeClr val="accent5"/>
+          </a:effectRef>
+          <a:fontRef idx="minor">
+            <a:schemeClr val="lt1"/>
+          </a:fontRef>
+        </p:style>
+        <p:txBody>
+          <a:bodyPr rtlCol="0" anchor="ctr"/>
+          <a:lstStyle/>
+          <a:p>
+            <a:pPr algn="ctr"/>
+            <a:endParaRPr lang="en-US">
+              <a:solidFill>
+                <a:schemeClr val="tx1"/>
+              </a:solidFill>
+            </a:endParaRPr>
+          </a:p>
+        </p:txBody>
+      </p:sp>
+      <p:sp>
+        <p:nvSpPr>
+          <p:cNvPr id="6" name="Arrow: Curved Down 5">
+            <a:extLst>
+              <a:ext uri="{FF2B5EF4-FFF2-40B4-BE49-F238E27FC236}">
+                <a16:creationId xmlns:a16="http://schemas.microsoft.com/office/drawing/2014/main" id="{B6E4587C-CDDA-47B6-A377-5E7203B4CA84}"/>
+              </a:ext>
+            </a:extLst>
+          </p:cNvPr>
+          <p:cNvSpPr/>
+          <p:nvPr/>
+        </p:nvSpPr>
+        <p:spPr>
+          <a:xfrm rot="10800000">
+            <a:off x="9713261" y="2801471"/>
+            <a:ext cx="1730188" cy="519953"/>
+          </a:xfrm>
+          <a:prstGeom prst="curvedDownArrow">
+            <a:avLst/>
+          </a:prstGeom>
+        </p:spPr>
+        <p:style>
+          <a:lnRef idx="2">
+            <a:schemeClr val="accent5">
+              <a:shade val="50000"/>
+            </a:schemeClr>
+          </a:lnRef>
+          <a:fillRef idx="1">
+            <a:schemeClr val="accent5"/>
+          </a:fillRef>
+          <a:effectRef idx="0">
+            <a:schemeClr val="accent5"/>
+          </a:effectRef>
+          <a:fontRef idx="minor">
+            <a:schemeClr val="lt1"/>
+          </a:fontRef>
+        </p:style>
+        <p:txBody>
+          <a:bodyPr rtlCol="0" anchor="ctr"/>
+          <a:lstStyle/>
+          <a:p>
+            <a:pPr algn="ctr"/>
+            <a:endParaRPr lang="en-US">
+              <a:solidFill>
+                <a:schemeClr val="tx1"/>
+              </a:solidFill>
+            </a:endParaRPr>
+          </a:p>
+        </p:txBody>
+      </p:sp>
+      <p:sp>
+        <p:nvSpPr>
+          <p:cNvPr id="7" name="Rectangle: Rounded Corners 6">
+            <a:extLst>
+              <a:ext uri="{FF2B5EF4-FFF2-40B4-BE49-F238E27FC236}">
+                <a16:creationId xmlns:a16="http://schemas.microsoft.com/office/drawing/2014/main" id="{6DF4143F-E549-4700-9C7A-5C94F202EA52}"/>
+              </a:ext>
+            </a:extLst>
+          </p:cNvPr>
+          <p:cNvSpPr/>
+          <p:nvPr/>
+        </p:nvSpPr>
+        <p:spPr>
+          <a:xfrm>
+            <a:off x="7584141" y="4096871"/>
+            <a:ext cx="2689412" cy="2393576"/>
+          </a:xfrm>
+          <a:prstGeom prst="roundRect">
+            <a:avLst/>
+          </a:prstGeom>
+        </p:spPr>
+        <p:style>
+          <a:lnRef idx="2">
+            <a:schemeClr val="accent4">
+              <a:shade val="50000"/>
+            </a:schemeClr>
+          </a:lnRef>
+          <a:fillRef idx="1">
+            <a:schemeClr val="accent4"/>
+          </a:fillRef>
+          <a:effectRef idx="0">
+            <a:schemeClr val="accent4"/>
+          </a:effectRef>
+          <a:fontRef idx="minor">
+            <a:schemeClr val="lt1"/>
+          </a:fontRef>
+        </p:style>
+        <p:txBody>
+          <a:bodyPr rtlCol="0" anchor="ctr"/>
+          <a:lstStyle/>
+          <a:p>
+            <a:pPr algn="ctr"/>
+            <a:r>
+              <a:rPr lang="en-IN" dirty="0">
+                <a:ln w="0"/>
+                <a:solidFill>
+                  <a:schemeClr val="tx1"/>
+                </a:solidFill>
+                <a:effectLst>
+                  <a:outerShdw blurRad="38100" dist="19050" dir="2700000" algn="tl" rotWithShape="0">
+                    <a:schemeClr val="dk1">
+                      <a:alpha val="40000"/>
+                    </a:schemeClr>
+                  </a:outerShdw>
+                </a:effectLst>
+              </a:rPr>
+              <a:t>A Layer that will be responsible for Re-Arranging the data</a:t>
+            </a:r>
+            <a:endParaRPr lang="en-US" dirty="0">
+              <a:ln w="0"/>
+              <a:solidFill>
+                <a:schemeClr val="tx1"/>
+              </a:solidFill>
+              <a:effectLst>
+                <a:outerShdw blurRad="38100" dist="19050" dir="2700000" algn="tl" rotWithShape="0">
+                  <a:schemeClr val="dk1">
+                    <a:alpha val="40000"/>
+                  </a:schemeClr>
+                </a:outerShdw>
+              </a:effectLst>
+            </a:endParaRPr>
+          </a:p>
+        </p:txBody>
+      </p:sp>
+      <p:sp>
+        <p:nvSpPr>
+          <p:cNvPr id="8" name="Rectangle: Rounded Corners 7">
+            <a:extLst>
+              <a:ext uri="{FF2B5EF4-FFF2-40B4-BE49-F238E27FC236}">
+                <a16:creationId xmlns:a16="http://schemas.microsoft.com/office/drawing/2014/main" id="{A88700D1-363A-4927-AB65-C7B27BD1C463}"/>
+              </a:ext>
+            </a:extLst>
+          </p:cNvPr>
+          <p:cNvSpPr/>
+          <p:nvPr/>
+        </p:nvSpPr>
+        <p:spPr>
+          <a:xfrm>
+            <a:off x="4625789" y="1932783"/>
+            <a:ext cx="2339788" cy="3664786"/>
+          </a:xfrm>
+          <a:prstGeom prst="roundRect">
+            <a:avLst/>
+          </a:prstGeom>
+        </p:spPr>
+        <p:style>
+          <a:lnRef idx="2">
+            <a:schemeClr val="accent6">
+              <a:shade val="50000"/>
+            </a:schemeClr>
+          </a:lnRef>
+          <a:fillRef idx="1">
+            <a:schemeClr val="accent6"/>
+          </a:fillRef>
+          <a:effectRef idx="0">
+            <a:schemeClr val="accent6"/>
+          </a:effectRef>
+          <a:fontRef idx="minor">
+            <a:schemeClr val="lt1"/>
+          </a:fontRef>
+        </p:style>
+        <p:txBody>
+          <a:bodyPr rtlCol="0" anchor="ctr"/>
+          <a:lstStyle/>
+          <a:p>
+            <a:pPr algn="ctr"/>
+            <a:r>
+              <a:rPr lang="en-IN" b="1" dirty="0">
+                <a:ln w="12700" cmpd="sng">
+                  <a:solidFill>
+                    <a:schemeClr val="accent4"/>
+                  </a:solidFill>
+                  <a:prstDash val="solid"/>
+                </a:ln>
+                <a:gradFill>
+                  <a:gsLst>
+                    <a:gs pos="0">
+                      <a:schemeClr val="accent4"/>
+                    </a:gs>
+                    <a:gs pos="4000">
+                      <a:schemeClr val="accent4">
+                        <a:lumMod val="60000"/>
+                        <a:lumOff val="40000"/>
+                      </a:schemeClr>
+                    </a:gs>
+                    <a:gs pos="87000">
+                      <a:schemeClr val="accent4">
+                        <a:lumMod val="20000"/>
+                        <a:lumOff val="80000"/>
+                      </a:schemeClr>
+                    </a:gs>
+                  </a:gsLst>
+                  <a:lin ang="5400000"/>
+                </a:gradFill>
+              </a:rPr>
+              <a:t>Front-End Domain Layer</a:t>
+            </a:r>
+          </a:p>
+          <a:p>
+            <a:pPr algn="ctr"/>
+            <a:r>
+              <a:rPr lang="en-IN" b="1" dirty="0">
+                <a:ln w="12700" cmpd="sng">
+                  <a:solidFill>
+                    <a:schemeClr val="accent4"/>
+                  </a:solidFill>
+                  <a:prstDash val="solid"/>
+                </a:ln>
+                <a:gradFill>
+                  <a:gsLst>
+                    <a:gs pos="0">
+                      <a:schemeClr val="accent4"/>
+                    </a:gs>
+                    <a:gs pos="4000">
+                      <a:schemeClr val="accent4">
+                        <a:lumMod val="60000"/>
+                        <a:lumOff val="40000"/>
+                      </a:schemeClr>
+                    </a:gs>
+                    <a:gs pos="87000">
+                      <a:schemeClr val="accent4">
+                        <a:lumMod val="20000"/>
+                        <a:lumOff val="80000"/>
+                      </a:schemeClr>
+                    </a:gs>
+                  </a:gsLst>
+                  <a:lin ang="5400000"/>
+                </a:gradFill>
+              </a:rPr>
+              <a:t>Receive data from External Source and then re-arrange the data</a:t>
+            </a:r>
+            <a:endParaRPr lang="en-US" b="1" dirty="0">
+              <a:ln w="12700" cmpd="sng">
+                <a:solidFill>
+                  <a:schemeClr val="accent4"/>
+                </a:solidFill>
+                <a:prstDash val="solid"/>
+              </a:ln>
+              <a:gradFill>
+                <a:gsLst>
+                  <a:gs pos="0">
+                    <a:schemeClr val="accent4"/>
+                  </a:gs>
+                  <a:gs pos="4000">
+                    <a:schemeClr val="accent4">
+                      <a:lumMod val="60000"/>
+                      <a:lumOff val="40000"/>
+                    </a:schemeClr>
+                  </a:gs>
+                  <a:gs pos="87000">
+                    <a:schemeClr val="accent4">
+                      <a:lumMod val="20000"/>
+                      <a:lumOff val="80000"/>
+                    </a:schemeClr>
+                  </a:gs>
+                </a:gsLst>
+                <a:lin ang="5400000"/>
+              </a:gradFill>
+            </a:endParaRPr>
+          </a:p>
+        </p:txBody>
+      </p:sp>
+      <p:sp>
+        <p:nvSpPr>
+          <p:cNvPr id="9" name="Arrow: Right 8">
+            <a:extLst>
+              <a:ext uri="{FF2B5EF4-FFF2-40B4-BE49-F238E27FC236}">
+                <a16:creationId xmlns:a16="http://schemas.microsoft.com/office/drawing/2014/main" id="{5399BBAA-A0C8-4781-8E0F-2F121AB72359}"/>
+              </a:ext>
+            </a:extLst>
+          </p:cNvPr>
+          <p:cNvSpPr/>
+          <p:nvPr/>
+        </p:nvSpPr>
+        <p:spPr>
+          <a:xfrm>
+            <a:off x="6631640" y="2138970"/>
+            <a:ext cx="1187824" cy="430306"/>
+          </a:xfrm>
+          <a:prstGeom prst="rightArrow">
+            <a:avLst/>
+          </a:prstGeom>
+          <a:solidFill>
+            <a:srgbClr val="FFFF00"/>
+          </a:solidFill>
+        </p:spPr>
+        <p:style>
+          <a:lnRef idx="2">
+            <a:schemeClr val="accent1">
+              <a:shade val="50000"/>
+            </a:schemeClr>
+          </a:lnRef>
+          <a:fillRef idx="1">
+            <a:schemeClr val="accent1"/>
+          </a:fillRef>
+          <a:effectRef idx="0">
+            <a:schemeClr val="accent1"/>
+          </a:effectRef>
+          <a:fontRef idx="minor">
+            <a:schemeClr val="lt1"/>
+          </a:fontRef>
+        </p:style>
+        <p:txBody>
+          <a:bodyPr rtlCol="0" anchor="ctr"/>
+          <a:lstStyle/>
+          <a:p>
+            <a:pPr algn="ctr"/>
+            <a:endParaRPr lang="en-US"/>
+          </a:p>
+        </p:txBody>
+      </p:sp>
+      <p:sp>
+        <p:nvSpPr>
+          <p:cNvPr id="10" name="Arrow: Left 9">
+            <a:extLst>
+              <a:ext uri="{FF2B5EF4-FFF2-40B4-BE49-F238E27FC236}">
+                <a16:creationId xmlns:a16="http://schemas.microsoft.com/office/drawing/2014/main" id="{0BCB795C-FCC2-4C19-BB2E-BDD136504946}"/>
+              </a:ext>
+            </a:extLst>
+          </p:cNvPr>
+          <p:cNvSpPr/>
+          <p:nvPr/>
+        </p:nvSpPr>
+        <p:spPr>
+          <a:xfrm>
+            <a:off x="6647329" y="2718971"/>
+            <a:ext cx="1187824" cy="430306"/>
+          </a:xfrm>
+          <a:prstGeom prst="leftArrow">
+            <a:avLst/>
+          </a:prstGeom>
+          <a:solidFill>
+            <a:srgbClr val="FFFF00"/>
+          </a:solidFill>
+        </p:spPr>
+        <p:style>
+          <a:lnRef idx="2">
+            <a:schemeClr val="accent1">
+              <a:shade val="50000"/>
+            </a:schemeClr>
+          </a:lnRef>
+          <a:fillRef idx="1">
+            <a:schemeClr val="accent1"/>
+          </a:fillRef>
+          <a:effectRef idx="0">
+            <a:schemeClr val="accent1"/>
+          </a:effectRef>
+          <a:fontRef idx="minor">
+            <a:schemeClr val="lt1"/>
+          </a:fontRef>
+        </p:style>
+        <p:txBody>
+          <a:bodyPr rtlCol="0" anchor="ctr"/>
+          <a:lstStyle/>
+          <a:p>
+            <a:pPr algn="ctr"/>
+            <a:endParaRPr lang="en-US"/>
+          </a:p>
+        </p:txBody>
+      </p:sp>
+      <p:sp>
+        <p:nvSpPr>
+          <p:cNvPr id="11" name="Arrow: Right 10">
+            <a:extLst>
+              <a:ext uri="{FF2B5EF4-FFF2-40B4-BE49-F238E27FC236}">
+                <a16:creationId xmlns:a16="http://schemas.microsoft.com/office/drawing/2014/main" id="{ACA96FE7-7ED0-4698-B01C-1B9BA56A2220}"/>
+              </a:ext>
+            </a:extLst>
+          </p:cNvPr>
+          <p:cNvSpPr/>
+          <p:nvPr/>
+        </p:nvSpPr>
+        <p:spPr>
+          <a:xfrm>
+            <a:off x="6548717" y="4345177"/>
+            <a:ext cx="1187824" cy="430306"/>
+          </a:xfrm>
+          <a:prstGeom prst="rightArrow">
+            <a:avLst/>
+          </a:prstGeom>
+          <a:solidFill>
+            <a:srgbClr val="FFFF00"/>
+          </a:solidFill>
+        </p:spPr>
+        <p:style>
+          <a:lnRef idx="2">
+            <a:schemeClr val="accent1">
+              <a:shade val="50000"/>
+            </a:schemeClr>
+          </a:lnRef>
+          <a:fillRef idx="1">
+            <a:schemeClr val="accent1"/>
+          </a:fillRef>
+          <a:effectRef idx="0">
+            <a:schemeClr val="accent1"/>
+          </a:effectRef>
+          <a:fontRef idx="minor">
+            <a:schemeClr val="lt1"/>
+          </a:fontRef>
+        </p:style>
+        <p:txBody>
+          <a:bodyPr rtlCol="0" anchor="ctr"/>
+          <a:lstStyle/>
+          <a:p>
+            <a:pPr algn="ctr"/>
+            <a:endParaRPr lang="en-US"/>
+          </a:p>
+        </p:txBody>
+      </p:sp>
+      <p:sp>
+        <p:nvSpPr>
+          <p:cNvPr id="12" name="Arrow: Left 11">
+            <a:extLst>
+              <a:ext uri="{FF2B5EF4-FFF2-40B4-BE49-F238E27FC236}">
+                <a16:creationId xmlns:a16="http://schemas.microsoft.com/office/drawing/2014/main" id="{46F1345A-1A8D-4DF4-B954-A389A9DCB119}"/>
+              </a:ext>
+            </a:extLst>
+          </p:cNvPr>
+          <p:cNvSpPr/>
+          <p:nvPr/>
+        </p:nvSpPr>
+        <p:spPr>
+          <a:xfrm>
+            <a:off x="6548717" y="5007677"/>
+            <a:ext cx="1187824" cy="430306"/>
+          </a:xfrm>
+          <a:prstGeom prst="leftArrow">
+            <a:avLst/>
+          </a:prstGeom>
+          <a:solidFill>
+            <a:srgbClr val="FFFF00"/>
+          </a:solidFill>
+        </p:spPr>
+        <p:style>
+          <a:lnRef idx="2">
+            <a:schemeClr val="accent1">
+              <a:shade val="50000"/>
+            </a:schemeClr>
+          </a:lnRef>
+          <a:fillRef idx="1">
+            <a:schemeClr val="accent1"/>
+          </a:fillRef>
+          <a:effectRef idx="0">
+            <a:schemeClr val="accent1"/>
+          </a:effectRef>
+          <a:fontRef idx="minor">
+            <a:schemeClr val="lt1"/>
+          </a:fontRef>
+        </p:style>
+        <p:txBody>
+          <a:bodyPr rtlCol="0" anchor="ctr"/>
+          <a:lstStyle/>
+          <a:p>
+            <a:pPr algn="ctr"/>
+            <a:endParaRPr lang="en-US"/>
+          </a:p>
+        </p:txBody>
+      </p:sp>
+      <p:sp>
+        <p:nvSpPr>
+          <p:cNvPr id="13" name="Rectangle 12">
+            <a:extLst>
+              <a:ext uri="{FF2B5EF4-FFF2-40B4-BE49-F238E27FC236}">
+                <a16:creationId xmlns:a16="http://schemas.microsoft.com/office/drawing/2014/main" id="{D165BB42-2123-43D1-AF55-22CB8555C566}"/>
+              </a:ext>
+            </a:extLst>
+          </p:cNvPr>
+          <p:cNvSpPr/>
+          <p:nvPr/>
+        </p:nvSpPr>
+        <p:spPr>
+          <a:xfrm>
+            <a:off x="475129" y="1680882"/>
+            <a:ext cx="3736040" cy="3989294"/>
+          </a:xfrm>
+          <a:prstGeom prst="rect">
+            <a:avLst/>
+          </a:prstGeom>
+        </p:spPr>
+        <p:style>
+          <a:lnRef idx="1">
+            <a:schemeClr val="accent4"/>
+          </a:lnRef>
+          <a:fillRef idx="2">
+            <a:schemeClr val="accent4"/>
+          </a:fillRef>
+          <a:effectRef idx="1">
+            <a:schemeClr val="accent4"/>
+          </a:effectRef>
+          <a:fontRef idx="minor">
+            <a:schemeClr val="dk1"/>
+          </a:fontRef>
+        </p:style>
+        <p:txBody>
+          <a:bodyPr rtlCol="0" anchor="ctr"/>
+          <a:lstStyle/>
+          <a:p>
+            <a:pPr algn="ctr"/>
+            <a:endParaRPr lang="en-US"/>
+          </a:p>
+        </p:txBody>
+      </p:sp>
+      <p:sp>
+        <p:nvSpPr>
+          <p:cNvPr id="14" name="TextBox 13">
+            <a:extLst>
+              <a:ext uri="{FF2B5EF4-FFF2-40B4-BE49-F238E27FC236}">
+                <a16:creationId xmlns:a16="http://schemas.microsoft.com/office/drawing/2014/main" id="{C129288B-9017-4C91-AD31-947FB7E5AEC9}"/>
+              </a:ext>
+            </a:extLst>
+          </p:cNvPr>
+          <p:cNvSpPr txBox="1"/>
+          <p:nvPr/>
+        </p:nvSpPr>
+        <p:spPr>
+          <a:xfrm>
+            <a:off x="559175" y="1102659"/>
+            <a:ext cx="3492872" cy="369332"/>
+          </a:xfrm>
+          <a:prstGeom prst="rect">
+            <a:avLst/>
+          </a:prstGeom>
+          <a:noFill/>
+        </p:spPr>
+        <p:txBody>
+          <a:bodyPr wrap="square" rtlCol="0">
+            <a:spAutoFit/>
+          </a:bodyPr>
+          <a:lstStyle/>
+          <a:p>
+            <a:pPr algn="ctr"/>
+            <a:r>
+              <a:rPr lang="en-IN" b="1" dirty="0"/>
+              <a:t>Presentation Layer</a:t>
+            </a:r>
+            <a:endParaRPr lang="en-US" b="1" dirty="0"/>
+          </a:p>
+        </p:txBody>
+      </p:sp>
+      <p:sp>
+        <p:nvSpPr>
+          <p:cNvPr id="15" name="Rectangle: Rounded Corners 14">
+            <a:extLst>
+              <a:ext uri="{FF2B5EF4-FFF2-40B4-BE49-F238E27FC236}">
+                <a16:creationId xmlns:a16="http://schemas.microsoft.com/office/drawing/2014/main" id="{026ACE87-4F80-43B4-9041-4F823FD41B95}"/>
+              </a:ext>
+            </a:extLst>
+          </p:cNvPr>
+          <p:cNvSpPr/>
+          <p:nvPr/>
+        </p:nvSpPr>
+        <p:spPr>
+          <a:xfrm>
+            <a:off x="658904" y="2569720"/>
+            <a:ext cx="1259543" cy="2211617"/>
+          </a:xfrm>
+          <a:prstGeom prst="roundRect">
+            <a:avLst/>
+          </a:prstGeom>
+        </p:spPr>
+        <p:style>
+          <a:lnRef idx="2">
+            <a:schemeClr val="accent1">
+              <a:shade val="50000"/>
+            </a:schemeClr>
+          </a:lnRef>
+          <a:fillRef idx="1">
+            <a:schemeClr val="accent1"/>
+          </a:fillRef>
+          <a:effectRef idx="0">
+            <a:schemeClr val="accent1"/>
+          </a:effectRef>
+          <a:fontRef idx="minor">
+            <a:schemeClr val="lt1"/>
+          </a:fontRef>
+        </p:style>
+        <p:txBody>
+          <a:bodyPr rtlCol="0" anchor="ctr"/>
+          <a:lstStyle/>
+          <a:p>
+            <a:pPr algn="ctr"/>
+            <a:r>
+              <a:rPr lang="en-IN" b="1" dirty="0"/>
+              <a:t>HTML</a:t>
+            </a:r>
+          </a:p>
+          <a:p>
+            <a:pPr algn="ctr"/>
+            <a:r>
+              <a:rPr lang="en-IN" b="1" dirty="0"/>
+              <a:t>UI</a:t>
+            </a:r>
+            <a:endParaRPr lang="en-US" b="1" dirty="0"/>
+          </a:p>
+        </p:txBody>
+      </p:sp>
+      <p:sp>
+        <p:nvSpPr>
+          <p:cNvPr id="16" name="Rectangle: Rounded Corners 15">
+            <a:extLst>
+              <a:ext uri="{FF2B5EF4-FFF2-40B4-BE49-F238E27FC236}">
+                <a16:creationId xmlns:a16="http://schemas.microsoft.com/office/drawing/2014/main" id="{65A48F81-3AAF-42AD-B626-DE6531EDCDD7}"/>
+              </a:ext>
+            </a:extLst>
+          </p:cNvPr>
+          <p:cNvSpPr/>
+          <p:nvPr/>
+        </p:nvSpPr>
+        <p:spPr>
+          <a:xfrm>
+            <a:off x="2088777" y="2138971"/>
+            <a:ext cx="1918448" cy="1411054"/>
+          </a:xfrm>
+          <a:prstGeom prst="roundRect">
+            <a:avLst/>
+          </a:prstGeom>
+        </p:spPr>
+        <p:style>
+          <a:lnRef idx="2">
+            <a:schemeClr val="accent2">
+              <a:shade val="50000"/>
+            </a:schemeClr>
+          </a:lnRef>
+          <a:fillRef idx="1">
+            <a:schemeClr val="accent2"/>
+          </a:fillRef>
+          <a:effectRef idx="0">
+            <a:schemeClr val="accent2"/>
+          </a:effectRef>
+          <a:fontRef idx="minor">
+            <a:schemeClr val="lt1"/>
+          </a:fontRef>
+        </p:style>
+        <p:txBody>
+          <a:bodyPr rtlCol="0" anchor="ctr"/>
+          <a:lstStyle/>
+          <a:p>
+            <a:pPr algn="ctr"/>
+            <a:r>
+              <a:rPr lang="en-IN" sz="1400" b="1" dirty="0"/>
+              <a:t>Data Properties</a:t>
+            </a:r>
+          </a:p>
+          <a:p>
+            <a:pPr algn="ctr"/>
+            <a:r>
+              <a:rPr lang="en-IN" sz="1400" b="1" dirty="0"/>
+              <a:t>Read/Write Operations with UI and </a:t>
+            </a:r>
+            <a:r>
+              <a:rPr lang="en-IN" sz="1400" b="1" dirty="0">
+                <a:solidFill>
+                  <a:srgbClr val="FFFF00"/>
+                </a:solidFill>
+              </a:rPr>
+              <a:t>Data Validations</a:t>
+            </a:r>
+            <a:endParaRPr lang="en-US" sz="1400" b="1" dirty="0">
+              <a:solidFill>
+                <a:srgbClr val="FFFF00"/>
+              </a:solidFill>
+            </a:endParaRPr>
+          </a:p>
+        </p:txBody>
+      </p:sp>
+      <p:sp>
+        <p:nvSpPr>
+          <p:cNvPr id="17" name="Rectangle: Rounded Corners 16">
+            <a:extLst>
+              <a:ext uri="{FF2B5EF4-FFF2-40B4-BE49-F238E27FC236}">
+                <a16:creationId xmlns:a16="http://schemas.microsoft.com/office/drawing/2014/main" id="{0739A678-8A4F-418C-93F1-8FB1936DDA74}"/>
+              </a:ext>
+            </a:extLst>
+          </p:cNvPr>
+          <p:cNvSpPr/>
+          <p:nvPr/>
+        </p:nvSpPr>
+        <p:spPr>
+          <a:xfrm>
+            <a:off x="2164976" y="4008114"/>
+            <a:ext cx="1918448" cy="865097"/>
+          </a:xfrm>
+          <a:prstGeom prst="roundRect">
+            <a:avLst/>
+          </a:prstGeom>
+        </p:spPr>
+        <p:style>
+          <a:lnRef idx="2">
+            <a:schemeClr val="accent5">
+              <a:shade val="50000"/>
+            </a:schemeClr>
+          </a:lnRef>
+          <a:fillRef idx="1">
+            <a:schemeClr val="accent5"/>
+          </a:fillRef>
+          <a:effectRef idx="0">
+            <a:schemeClr val="accent5"/>
+          </a:effectRef>
+          <a:fontRef idx="minor">
+            <a:schemeClr val="lt1"/>
+          </a:fontRef>
+        </p:style>
+        <p:txBody>
+          <a:bodyPr rtlCol="0" anchor="ctr"/>
+          <a:lstStyle/>
+          <a:p>
+            <a:pPr algn="ctr"/>
+            <a:r>
+              <a:rPr lang="en-IN" sz="1400" b="1" dirty="0"/>
+              <a:t>Behavior or </a:t>
+            </a:r>
+            <a:r>
+              <a:rPr lang="en-IN" sz="1400" b="1" dirty="0">
+                <a:solidFill>
+                  <a:srgbClr val="FFFF00"/>
+                </a:solidFill>
+              </a:rPr>
+              <a:t>UI Interaction Logic</a:t>
+            </a:r>
+            <a:endParaRPr lang="en-US" sz="1400" b="1" dirty="0">
+              <a:solidFill>
+                <a:srgbClr val="FFFF00"/>
+              </a:solidFill>
+            </a:endParaRPr>
+          </a:p>
+        </p:txBody>
+      </p:sp>
+      <p:sp>
+        <p:nvSpPr>
+          <p:cNvPr id="18" name="Arrow: Right 17">
+            <a:extLst>
+              <a:ext uri="{FF2B5EF4-FFF2-40B4-BE49-F238E27FC236}">
+                <a16:creationId xmlns:a16="http://schemas.microsoft.com/office/drawing/2014/main" id="{74431A6D-61FE-4702-A84C-75FF106A81A7}"/>
+              </a:ext>
+            </a:extLst>
+          </p:cNvPr>
+          <p:cNvSpPr/>
+          <p:nvPr/>
+        </p:nvSpPr>
+        <p:spPr>
+          <a:xfrm>
+            <a:off x="1724582" y="2718971"/>
+            <a:ext cx="629773" cy="237450"/>
+          </a:xfrm>
+          <a:prstGeom prst="rightArrow">
+            <a:avLst/>
+          </a:prstGeom>
+          <a:solidFill>
+            <a:srgbClr val="FFFF00"/>
+          </a:solidFill>
+        </p:spPr>
+        <p:style>
+          <a:lnRef idx="2">
+            <a:schemeClr val="accent1">
+              <a:shade val="50000"/>
+            </a:schemeClr>
+          </a:lnRef>
+          <a:fillRef idx="1">
+            <a:schemeClr val="accent1"/>
+          </a:fillRef>
+          <a:effectRef idx="0">
+            <a:schemeClr val="accent1"/>
+          </a:effectRef>
+          <a:fontRef idx="minor">
+            <a:schemeClr val="lt1"/>
+          </a:fontRef>
+        </p:style>
+        <p:txBody>
+          <a:bodyPr rtlCol="0" anchor="ctr"/>
+          <a:lstStyle/>
+          <a:p>
+            <a:pPr algn="ctr"/>
+            <a:endParaRPr lang="en-US"/>
+          </a:p>
+        </p:txBody>
+      </p:sp>
+      <p:sp>
+        <p:nvSpPr>
+          <p:cNvPr id="19" name="Arrow: Left 18">
+            <a:extLst>
+              <a:ext uri="{FF2B5EF4-FFF2-40B4-BE49-F238E27FC236}">
+                <a16:creationId xmlns:a16="http://schemas.microsoft.com/office/drawing/2014/main" id="{6965E3DE-5960-4D51-AF75-A462A647934C}"/>
+              </a:ext>
+            </a:extLst>
+          </p:cNvPr>
+          <p:cNvSpPr/>
+          <p:nvPr/>
+        </p:nvSpPr>
+        <p:spPr>
+          <a:xfrm>
+            <a:off x="1674156" y="2973699"/>
+            <a:ext cx="629773" cy="237450"/>
+          </a:xfrm>
+          <a:prstGeom prst="leftArrow">
+            <a:avLst/>
+          </a:prstGeom>
+          <a:solidFill>
+            <a:srgbClr val="FFFF00"/>
+          </a:solidFill>
+        </p:spPr>
+        <p:style>
+          <a:lnRef idx="2">
+            <a:schemeClr val="accent1">
+              <a:shade val="50000"/>
+            </a:schemeClr>
+          </a:lnRef>
+          <a:fillRef idx="1">
+            <a:schemeClr val="accent1"/>
+          </a:fillRef>
+          <a:effectRef idx="0">
+            <a:schemeClr val="accent1"/>
+          </a:effectRef>
+          <a:fontRef idx="minor">
+            <a:schemeClr val="lt1"/>
+          </a:fontRef>
+        </p:style>
+        <p:txBody>
+          <a:bodyPr rtlCol="0" anchor="ctr"/>
+          <a:lstStyle/>
+          <a:p>
+            <a:pPr algn="ctr"/>
+            <a:endParaRPr lang="en-US"/>
+          </a:p>
+        </p:txBody>
+      </p:sp>
+      <p:sp>
+        <p:nvSpPr>
+          <p:cNvPr id="20" name="Arrow: Right 19">
+            <a:extLst>
+              <a:ext uri="{FF2B5EF4-FFF2-40B4-BE49-F238E27FC236}">
+                <a16:creationId xmlns:a16="http://schemas.microsoft.com/office/drawing/2014/main" id="{2335AFA5-7885-4CAD-8DFB-B0FF6B1B8E2D}"/>
+              </a:ext>
+            </a:extLst>
+          </p:cNvPr>
+          <p:cNvSpPr/>
+          <p:nvPr/>
+        </p:nvSpPr>
+        <p:spPr>
+          <a:xfrm>
+            <a:off x="1736349" y="4089030"/>
+            <a:ext cx="629773" cy="237450"/>
+          </a:xfrm>
+          <a:prstGeom prst="rightArrow">
+            <a:avLst/>
+          </a:prstGeom>
+          <a:solidFill>
+            <a:srgbClr val="FFFF00"/>
+          </a:solidFill>
+        </p:spPr>
+        <p:style>
+          <a:lnRef idx="2">
+            <a:schemeClr val="accent1">
+              <a:shade val="50000"/>
+            </a:schemeClr>
+          </a:lnRef>
+          <a:fillRef idx="1">
+            <a:schemeClr val="accent1"/>
+          </a:fillRef>
+          <a:effectRef idx="0">
+            <a:schemeClr val="accent1"/>
+          </a:effectRef>
+          <a:fontRef idx="minor">
+            <a:schemeClr val="lt1"/>
+          </a:fontRef>
+        </p:style>
+        <p:txBody>
+          <a:bodyPr rtlCol="0" anchor="ctr"/>
+          <a:lstStyle/>
+          <a:p>
+            <a:pPr algn="ctr"/>
+            <a:endParaRPr lang="en-US"/>
+          </a:p>
+        </p:txBody>
+      </p:sp>
+      <p:sp>
+        <p:nvSpPr>
+          <p:cNvPr id="21" name="Arrow: Left 20">
+            <a:extLst>
+              <a:ext uri="{FF2B5EF4-FFF2-40B4-BE49-F238E27FC236}">
+                <a16:creationId xmlns:a16="http://schemas.microsoft.com/office/drawing/2014/main" id="{9B4906D5-8293-47AB-AAB8-5DC0929A8044}"/>
+              </a:ext>
+            </a:extLst>
+          </p:cNvPr>
+          <p:cNvSpPr/>
+          <p:nvPr/>
+        </p:nvSpPr>
+        <p:spPr>
+          <a:xfrm>
+            <a:off x="1685923" y="4343758"/>
+            <a:ext cx="629773" cy="237450"/>
+          </a:xfrm>
+          <a:prstGeom prst="leftArrow">
+            <a:avLst/>
+          </a:prstGeom>
+          <a:solidFill>
+            <a:srgbClr val="FFFF00"/>
+          </a:solidFill>
+        </p:spPr>
+        <p:style>
+          <a:lnRef idx="2">
+            <a:schemeClr val="accent1">
+              <a:shade val="50000"/>
+            </a:schemeClr>
+          </a:lnRef>
+          <a:fillRef idx="1">
+            <a:schemeClr val="accent1"/>
+          </a:fillRef>
+          <a:effectRef idx="0">
+            <a:schemeClr val="accent1"/>
+          </a:effectRef>
+          <a:fontRef idx="minor">
+            <a:schemeClr val="lt1"/>
+          </a:fontRef>
+        </p:style>
+        <p:txBody>
+          <a:bodyPr rtlCol="0" anchor="ctr"/>
+          <a:lstStyle/>
+          <a:p>
+            <a:pPr algn="ctr"/>
+            <a:endParaRPr lang="en-US"/>
+          </a:p>
+        </p:txBody>
+      </p:sp>
+      <p:sp>
+        <p:nvSpPr>
+          <p:cNvPr id="22" name="Arrow: Right 21">
+            <a:extLst>
+              <a:ext uri="{FF2B5EF4-FFF2-40B4-BE49-F238E27FC236}">
+                <a16:creationId xmlns:a16="http://schemas.microsoft.com/office/drawing/2014/main" id="{852EBF27-5481-4311-85ED-F8E4808D9671}"/>
+              </a:ext>
+            </a:extLst>
+          </p:cNvPr>
+          <p:cNvSpPr/>
+          <p:nvPr/>
+        </p:nvSpPr>
+        <p:spPr>
+          <a:xfrm>
+            <a:off x="4085666" y="3119719"/>
+            <a:ext cx="710449" cy="430306"/>
+          </a:xfrm>
+          <a:prstGeom prst="rightArrow">
+            <a:avLst/>
+          </a:prstGeom>
+          <a:solidFill>
+            <a:srgbClr val="FFFF00"/>
+          </a:solidFill>
+        </p:spPr>
+        <p:style>
+          <a:lnRef idx="2">
+            <a:schemeClr val="accent1">
+              <a:shade val="50000"/>
+            </a:schemeClr>
+          </a:lnRef>
+          <a:fillRef idx="1">
+            <a:schemeClr val="accent1"/>
+          </a:fillRef>
+          <a:effectRef idx="0">
+            <a:schemeClr val="accent1"/>
+          </a:effectRef>
+          <a:fontRef idx="minor">
+            <a:schemeClr val="lt1"/>
+          </a:fontRef>
+        </p:style>
+        <p:txBody>
+          <a:bodyPr rtlCol="0" anchor="ctr"/>
+          <a:lstStyle/>
+          <a:p>
+            <a:pPr algn="ctr"/>
+            <a:endParaRPr lang="en-US"/>
+          </a:p>
+        </p:txBody>
+      </p:sp>
+      <p:sp>
+        <p:nvSpPr>
+          <p:cNvPr id="23" name="Arrow: Left 22">
+            <a:extLst>
+              <a:ext uri="{FF2B5EF4-FFF2-40B4-BE49-F238E27FC236}">
+                <a16:creationId xmlns:a16="http://schemas.microsoft.com/office/drawing/2014/main" id="{7EDABB17-2290-48A2-A266-E30430DB933B}"/>
+              </a:ext>
+            </a:extLst>
+          </p:cNvPr>
+          <p:cNvSpPr/>
+          <p:nvPr/>
+        </p:nvSpPr>
+        <p:spPr>
+          <a:xfrm>
+            <a:off x="4101355" y="3699720"/>
+            <a:ext cx="710449" cy="430306"/>
+          </a:xfrm>
+          <a:prstGeom prst="leftArrow">
+            <a:avLst/>
+          </a:prstGeom>
+          <a:solidFill>
+            <a:srgbClr val="FFFF00"/>
+          </a:solidFill>
+        </p:spPr>
+        <p:style>
+          <a:lnRef idx="2">
+            <a:schemeClr val="accent1">
+              <a:shade val="50000"/>
+            </a:schemeClr>
+          </a:lnRef>
+          <a:fillRef idx="1">
+            <a:schemeClr val="accent1"/>
+          </a:fillRef>
+          <a:effectRef idx="0">
+            <a:schemeClr val="accent1"/>
+          </a:effectRef>
+          <a:fontRef idx="minor">
+            <a:schemeClr val="lt1"/>
+          </a:fontRef>
+        </p:style>
+        <p:txBody>
+          <a:bodyPr rtlCol="0" anchor="ctr"/>
+          <a:lstStyle/>
+          <a:p>
+            <a:pPr algn="ctr"/>
+            <a:endParaRPr lang="en-US"/>
+          </a:p>
+        </p:txBody>
+      </p:sp>
+      <p:sp>
+        <p:nvSpPr>
+          <p:cNvPr id="24" name="TextBox 23">
+            <a:extLst>
+              <a:ext uri="{FF2B5EF4-FFF2-40B4-BE49-F238E27FC236}">
+                <a16:creationId xmlns:a16="http://schemas.microsoft.com/office/drawing/2014/main" id="{739B6957-7D30-4A4C-A181-26697B70EBA8}"/>
+              </a:ext>
+            </a:extLst>
+          </p:cNvPr>
+          <p:cNvSpPr txBox="1"/>
+          <p:nvPr/>
+        </p:nvSpPr>
+        <p:spPr>
+          <a:xfrm>
+            <a:off x="718297" y="5109882"/>
+            <a:ext cx="3288928" cy="382662"/>
+          </a:xfrm>
+          <a:prstGeom prst="rect">
+            <a:avLst/>
+          </a:prstGeom>
+          <a:noFill/>
+        </p:spPr>
+        <p:txBody>
+          <a:bodyPr wrap="square" rtlCol="0">
+            <a:spAutoFit/>
+          </a:bodyPr>
+          <a:lstStyle/>
+          <a:p>
+            <a:pPr algn="ctr"/>
+            <a:r>
+              <a:rPr lang="en-IN" b="1" dirty="0"/>
+              <a:t>View and Controller</a:t>
+            </a:r>
+            <a:endParaRPr lang="en-US" b="1" dirty="0"/>
+          </a:p>
+        </p:txBody>
+      </p:sp>
+      <p:sp>
+        <p:nvSpPr>
+          <p:cNvPr id="25" name="TextBox 24">
+            <a:extLst>
+              <a:ext uri="{FF2B5EF4-FFF2-40B4-BE49-F238E27FC236}">
+                <a16:creationId xmlns:a16="http://schemas.microsoft.com/office/drawing/2014/main" id="{74716414-4E32-4F6A-8EA6-83CFF16A7AA2}"/>
+              </a:ext>
+            </a:extLst>
+          </p:cNvPr>
+          <p:cNvSpPr txBox="1"/>
+          <p:nvPr/>
+        </p:nvSpPr>
+        <p:spPr>
+          <a:xfrm>
+            <a:off x="4625789" y="6014445"/>
+            <a:ext cx="2572870" cy="369332"/>
+          </a:xfrm>
+          <a:prstGeom prst="rect">
+            <a:avLst/>
+          </a:prstGeom>
+          <a:noFill/>
+        </p:spPr>
+        <p:txBody>
+          <a:bodyPr wrap="square" rtlCol="0">
+            <a:spAutoFit/>
+          </a:bodyPr>
+          <a:lstStyle/>
+          <a:p>
+            <a:pPr algn="ctr"/>
+            <a:r>
+              <a:rPr lang="en-IN" b="1" dirty="0"/>
+              <a:t>Models</a:t>
+            </a:r>
+            <a:endParaRPr lang="en-US" b="1" dirty="0"/>
+          </a:p>
+        </p:txBody>
+      </p:sp>
+    </p:spTree>
+    <p:extLst>
+      <p:ext uri="{BB962C8B-B14F-4D97-AF65-F5344CB8AC3E}">
+        <p14:creationId xmlns:p14="http://schemas.microsoft.com/office/powerpoint/2010/main" val="10756855"/>
+      </p:ext>
+    </p:extLst>
+  </p:cSld>
+  <p:clrMapOvr>
+    <a:masterClrMapping/>
+  </p:clrMapOvr>
+</p:sld>
+</file>
+
+<file path=ppt/slides/slide4.xml><?xml version="1.0" encoding="utf-8"?>
+<p:sld xmlns:a="http://schemas.openxmlformats.org/drawingml/2006/main" xmlns:r="http://schemas.openxmlformats.org/officeDocument/2006/relationships" xmlns:p="http://schemas.openxmlformats.org/presentationml/2006/main">
+  <p:cSld>
+    <p:spTree>
+      <p:nvGrpSpPr>
+        <p:cNvPr id="1" name=""/>
+        <p:cNvGrpSpPr/>
+        <p:nvPr/>
+      </p:nvGrpSpPr>
+      <p:grpSpPr>
+        <a:xfrm>
+          <a:off x="0" y="0"/>
+          <a:ext cx="0" cy="0"/>
+          <a:chOff x="0" y="0"/>
+          <a:chExt cx="0" cy="0"/>
+        </a:xfrm>
+      </p:grpSpPr>
+      <p:sp>
+        <p:nvSpPr>
+          <p:cNvPr id="2" name="Rectangle 1">
+            <a:extLst>
+              <a:ext uri="{FF2B5EF4-FFF2-40B4-BE49-F238E27FC236}">
+                <a16:creationId xmlns:a16="http://schemas.microsoft.com/office/drawing/2014/main" id="{75AA6D55-CE6C-4913-B7A8-E530F256BE05}"/>
+              </a:ext>
+            </a:extLst>
+          </p:cNvPr>
+          <p:cNvSpPr/>
+          <p:nvPr/>
+        </p:nvSpPr>
+        <p:spPr>
+          <a:xfrm>
+            <a:off x="977152" y="457200"/>
+            <a:ext cx="9861177" cy="5818094"/>
+          </a:xfrm>
+          <a:prstGeom prst="rect">
+            <a:avLst/>
+          </a:prstGeom>
+        </p:spPr>
+        <p:style>
+          <a:lnRef idx="2">
+            <a:schemeClr val="accent4">
+              <a:shade val="50000"/>
+            </a:schemeClr>
+          </a:lnRef>
+          <a:fillRef idx="1">
+            <a:schemeClr val="accent4"/>
+          </a:fillRef>
+          <a:effectRef idx="0">
+            <a:schemeClr val="accent4"/>
+          </a:effectRef>
+          <a:fontRef idx="minor">
+            <a:schemeClr val="lt1"/>
+          </a:fontRef>
+        </p:style>
+        <p:txBody>
+          <a:bodyPr rtlCol="0" anchor="ctr"/>
+          <a:lstStyle/>
+          <a:p>
+            <a:pPr algn="ctr"/>
+            <a:endParaRPr lang="en-US"/>
+          </a:p>
+        </p:txBody>
+      </p:sp>
+      <p:sp>
+        <p:nvSpPr>
+          <p:cNvPr id="3" name="TextBox 2">
+            <a:extLst>
+              <a:ext uri="{FF2B5EF4-FFF2-40B4-BE49-F238E27FC236}">
+                <a16:creationId xmlns:a16="http://schemas.microsoft.com/office/drawing/2014/main" id="{779230C1-DC2F-4CE4-BA6E-739BBDF1F444}"/>
+              </a:ext>
+            </a:extLst>
+          </p:cNvPr>
+          <p:cNvSpPr txBox="1"/>
+          <p:nvPr/>
+        </p:nvSpPr>
+        <p:spPr>
+          <a:xfrm>
+            <a:off x="1120588" y="528918"/>
+            <a:ext cx="3576918" cy="369332"/>
+          </a:xfrm>
+          <a:prstGeom prst="rect">
+            <a:avLst/>
+          </a:prstGeom>
+          <a:noFill/>
+        </p:spPr>
+        <p:txBody>
+          <a:bodyPr wrap="square" rtlCol="0">
+            <a:spAutoFit/>
+          </a:bodyPr>
+          <a:lstStyle/>
+          <a:p>
+            <a:r>
+              <a:rPr lang="en-IN" b="1" dirty="0"/>
+              <a:t>Angular UI</a:t>
+            </a:r>
+            <a:endParaRPr lang="en-US" b="1" dirty="0"/>
+          </a:p>
+        </p:txBody>
+      </p:sp>
+      <p:sp>
+        <p:nvSpPr>
+          <p:cNvPr id="4" name="Rectangle 3">
+            <a:extLst>
+              <a:ext uri="{FF2B5EF4-FFF2-40B4-BE49-F238E27FC236}">
+                <a16:creationId xmlns:a16="http://schemas.microsoft.com/office/drawing/2014/main" id="{2135EAD5-C4EA-4E20-8674-554C5E4184AC}"/>
+              </a:ext>
+            </a:extLst>
+          </p:cNvPr>
+          <p:cNvSpPr/>
+          <p:nvPr/>
+        </p:nvSpPr>
+        <p:spPr>
+          <a:xfrm>
+            <a:off x="1550894" y="1434353"/>
+            <a:ext cx="2590800" cy="493059"/>
+          </a:xfrm>
+          <a:prstGeom prst="rect">
+            <a:avLst/>
+          </a:prstGeom>
+        </p:spPr>
+        <p:style>
+          <a:lnRef idx="2">
+            <a:schemeClr val="accent1"/>
+          </a:lnRef>
+          <a:fillRef idx="1">
+            <a:schemeClr val="lt1"/>
+          </a:fillRef>
+          <a:effectRef idx="0">
+            <a:schemeClr val="accent1"/>
+          </a:effectRef>
+          <a:fontRef idx="minor">
+            <a:schemeClr val="dk1"/>
+          </a:fontRef>
+        </p:style>
+        <p:txBody>
+          <a:bodyPr rtlCol="0" anchor="ctr"/>
+          <a:lstStyle/>
+          <a:p>
+            <a:pPr algn="ctr"/>
+            <a:r>
+              <a:rPr lang="en-IN" b="1" dirty="0"/>
+              <a:t>EmpNo</a:t>
+            </a:r>
+            <a:endParaRPr lang="en-US" b="1" dirty="0"/>
+          </a:p>
+        </p:txBody>
+      </p:sp>
+      <p:sp>
+        <p:nvSpPr>
+          <p:cNvPr id="5" name="Rectangle 4">
+            <a:extLst>
+              <a:ext uri="{FF2B5EF4-FFF2-40B4-BE49-F238E27FC236}">
+                <a16:creationId xmlns:a16="http://schemas.microsoft.com/office/drawing/2014/main" id="{A80E2159-4945-415E-8A41-C1C77423E124}"/>
+              </a:ext>
+            </a:extLst>
+          </p:cNvPr>
+          <p:cNvSpPr/>
+          <p:nvPr/>
+        </p:nvSpPr>
+        <p:spPr>
+          <a:xfrm>
+            <a:off x="1550894" y="2300371"/>
+            <a:ext cx="2590800" cy="493059"/>
+          </a:xfrm>
+          <a:prstGeom prst="rect">
+            <a:avLst/>
+          </a:prstGeom>
+        </p:spPr>
+        <p:style>
+          <a:lnRef idx="2">
+            <a:schemeClr val="accent1"/>
+          </a:lnRef>
+          <a:fillRef idx="1">
+            <a:schemeClr val="lt1"/>
+          </a:fillRef>
+          <a:effectRef idx="0">
+            <a:schemeClr val="accent1"/>
+          </a:effectRef>
+          <a:fontRef idx="minor">
+            <a:schemeClr val="dk1"/>
+          </a:fontRef>
+        </p:style>
+        <p:txBody>
+          <a:bodyPr rtlCol="0" anchor="ctr"/>
+          <a:lstStyle/>
+          <a:p>
+            <a:pPr algn="ctr"/>
+            <a:r>
+              <a:rPr lang="en-IN" b="1" dirty="0"/>
+              <a:t>EmpName</a:t>
+            </a:r>
+            <a:endParaRPr lang="en-US" b="1" dirty="0"/>
+          </a:p>
+        </p:txBody>
+      </p:sp>
+      <p:sp>
+        <p:nvSpPr>
+          <p:cNvPr id="6" name="Rectangle 5">
+            <a:extLst>
+              <a:ext uri="{FF2B5EF4-FFF2-40B4-BE49-F238E27FC236}">
+                <a16:creationId xmlns:a16="http://schemas.microsoft.com/office/drawing/2014/main" id="{8C58734C-68DB-484C-84F0-E1A11030FE5E}"/>
+              </a:ext>
+            </a:extLst>
+          </p:cNvPr>
+          <p:cNvSpPr/>
+          <p:nvPr/>
+        </p:nvSpPr>
+        <p:spPr>
+          <a:xfrm>
+            <a:off x="1546412" y="3119717"/>
+            <a:ext cx="2590800" cy="493059"/>
+          </a:xfrm>
+          <a:prstGeom prst="rect">
+            <a:avLst/>
+          </a:prstGeom>
+        </p:spPr>
+        <p:style>
+          <a:lnRef idx="2">
+            <a:schemeClr val="accent1"/>
+          </a:lnRef>
+          <a:fillRef idx="1">
+            <a:schemeClr val="lt1"/>
+          </a:fillRef>
+          <a:effectRef idx="0">
+            <a:schemeClr val="accent1"/>
+          </a:effectRef>
+          <a:fontRef idx="minor">
+            <a:schemeClr val="dk1"/>
+          </a:fontRef>
+        </p:style>
+        <p:txBody>
+          <a:bodyPr rtlCol="0" anchor="ctr"/>
+          <a:lstStyle/>
+          <a:p>
+            <a:pPr algn="ctr"/>
+            <a:r>
+              <a:rPr lang="en-IN" b="1" dirty="0"/>
+              <a:t>Salary</a:t>
+            </a:r>
+            <a:endParaRPr lang="en-US" b="1" dirty="0"/>
+          </a:p>
+        </p:txBody>
+      </p:sp>
+      <p:sp>
+        <p:nvSpPr>
+          <p:cNvPr id="7" name="Rectangle 6">
+            <a:extLst>
+              <a:ext uri="{FF2B5EF4-FFF2-40B4-BE49-F238E27FC236}">
+                <a16:creationId xmlns:a16="http://schemas.microsoft.com/office/drawing/2014/main" id="{8286EB06-B419-40F0-964C-520DCA8E530D}"/>
+              </a:ext>
+            </a:extLst>
+          </p:cNvPr>
+          <p:cNvSpPr/>
+          <p:nvPr/>
+        </p:nvSpPr>
+        <p:spPr>
+          <a:xfrm>
+            <a:off x="1546412" y="3983031"/>
+            <a:ext cx="2590800" cy="493059"/>
+          </a:xfrm>
+          <a:prstGeom prst="rect">
+            <a:avLst/>
+          </a:prstGeom>
+        </p:spPr>
+        <p:style>
+          <a:lnRef idx="2">
+            <a:schemeClr val="accent1"/>
+          </a:lnRef>
+          <a:fillRef idx="1">
+            <a:schemeClr val="lt1"/>
+          </a:fillRef>
+          <a:effectRef idx="0">
+            <a:schemeClr val="accent1"/>
+          </a:effectRef>
+          <a:fontRef idx="minor">
+            <a:schemeClr val="dk1"/>
+          </a:fontRef>
+        </p:style>
+        <p:txBody>
+          <a:bodyPr rtlCol="0" anchor="ctr"/>
+          <a:lstStyle/>
+          <a:p>
+            <a:pPr algn="ctr"/>
+            <a:r>
+              <a:rPr lang="en-IN" b="1" dirty="0"/>
+              <a:t>DeptName</a:t>
+            </a:r>
+            <a:endParaRPr lang="en-US" b="1" dirty="0"/>
+          </a:p>
+        </p:txBody>
+      </p:sp>
+      <p:sp>
+        <p:nvSpPr>
+          <p:cNvPr id="8" name="Rectangle: Rounded Corners 7">
+            <a:extLst>
+              <a:ext uri="{FF2B5EF4-FFF2-40B4-BE49-F238E27FC236}">
+                <a16:creationId xmlns:a16="http://schemas.microsoft.com/office/drawing/2014/main" id="{C3FDCE8D-6101-4CEC-8092-52F042D396AF}"/>
+              </a:ext>
+            </a:extLst>
+          </p:cNvPr>
+          <p:cNvSpPr/>
+          <p:nvPr/>
+        </p:nvSpPr>
+        <p:spPr>
+          <a:xfrm>
+            <a:off x="5943600" y="1001344"/>
+            <a:ext cx="4258235" cy="4691244"/>
+          </a:xfrm>
+          <a:prstGeom prst="roundRect">
+            <a:avLst/>
+          </a:prstGeom>
+        </p:spPr>
+        <p:style>
+          <a:lnRef idx="2">
+            <a:schemeClr val="accent2">
+              <a:shade val="50000"/>
+            </a:schemeClr>
+          </a:lnRef>
+          <a:fillRef idx="1">
+            <a:schemeClr val="accent2"/>
+          </a:fillRef>
+          <a:effectRef idx="0">
+            <a:schemeClr val="accent2"/>
+          </a:effectRef>
+          <a:fontRef idx="minor">
+            <a:schemeClr val="lt1"/>
+          </a:fontRef>
+        </p:style>
+        <p:txBody>
+          <a:bodyPr rtlCol="0" anchor="ctr"/>
+          <a:lstStyle/>
+          <a:p>
+            <a:pPr algn="ctr"/>
+            <a:endParaRPr lang="en-US"/>
+          </a:p>
+        </p:txBody>
+      </p:sp>
+      <p:sp>
+        <p:nvSpPr>
+          <p:cNvPr id="9" name="TextBox 8">
+            <a:extLst>
+              <a:ext uri="{FF2B5EF4-FFF2-40B4-BE49-F238E27FC236}">
+                <a16:creationId xmlns:a16="http://schemas.microsoft.com/office/drawing/2014/main" id="{439813F9-991B-481D-91F0-21C26B4FED81}"/>
+              </a:ext>
+            </a:extLst>
+          </p:cNvPr>
+          <p:cNvSpPr txBox="1"/>
+          <p:nvPr/>
+        </p:nvSpPr>
+        <p:spPr>
+          <a:xfrm>
+            <a:off x="6660776" y="1156447"/>
+            <a:ext cx="2967318" cy="369332"/>
+          </a:xfrm>
+          <a:prstGeom prst="rect">
+            <a:avLst/>
+          </a:prstGeom>
+          <a:noFill/>
+        </p:spPr>
+        <p:txBody>
+          <a:bodyPr wrap="square" rtlCol="0">
+            <a:spAutoFit/>
+          </a:bodyPr>
+          <a:lstStyle/>
+          <a:p>
+            <a:pPr algn="ctr"/>
+            <a:r>
+              <a:rPr lang="en-IN" b="1" dirty="0"/>
+              <a:t>Employee Object</a:t>
+            </a:r>
+            <a:endParaRPr lang="en-US" b="1" dirty="0"/>
+          </a:p>
+        </p:txBody>
+      </p:sp>
+      <p:sp>
+        <p:nvSpPr>
+          <p:cNvPr id="10" name="TextBox 9">
+            <a:extLst>
+              <a:ext uri="{FF2B5EF4-FFF2-40B4-BE49-F238E27FC236}">
+                <a16:creationId xmlns:a16="http://schemas.microsoft.com/office/drawing/2014/main" id="{2C21865C-7BC2-4759-AACB-BE1C2570FB2F}"/>
+              </a:ext>
+            </a:extLst>
+          </p:cNvPr>
+          <p:cNvSpPr txBox="1"/>
+          <p:nvPr/>
+        </p:nvSpPr>
+        <p:spPr>
+          <a:xfrm>
+            <a:off x="6364941" y="1927412"/>
+            <a:ext cx="3585883" cy="3139321"/>
+          </a:xfrm>
+          <a:prstGeom prst="rect">
+            <a:avLst/>
+          </a:prstGeom>
+          <a:noFill/>
+        </p:spPr>
+        <p:txBody>
+          <a:bodyPr wrap="square" rtlCol="0">
+            <a:spAutoFit/>
+          </a:bodyPr>
+          <a:lstStyle/>
+          <a:p>
+            <a:r>
+              <a:rPr lang="en-IN" b="1" dirty="0"/>
+              <a:t>EmpNo: number (Required Non-Zero) </a:t>
+            </a:r>
+          </a:p>
+          <a:p>
+            <a:endParaRPr lang="en-IN" b="1" dirty="0"/>
+          </a:p>
+          <a:p>
+            <a:r>
+              <a:rPr lang="en-IN" b="1" dirty="0"/>
+              <a:t>EmpName: string (Required as Characters only)</a:t>
+            </a:r>
+          </a:p>
+          <a:p>
+            <a:endParaRPr lang="en-IN" b="1" dirty="0"/>
+          </a:p>
+          <a:p>
+            <a:r>
+              <a:rPr lang="en-IN" b="1" dirty="0"/>
+              <a:t>Salary: number (Required Positive Non-Zero)</a:t>
+            </a:r>
+          </a:p>
+          <a:p>
+            <a:endParaRPr lang="en-IN" b="1" dirty="0"/>
+          </a:p>
+          <a:p>
+            <a:r>
+              <a:rPr lang="en-IN" b="1" dirty="0"/>
+              <a:t>DeptName: string (Required as Alphanumeric)</a:t>
+            </a:r>
+            <a:endParaRPr lang="en-US" b="1" dirty="0"/>
+          </a:p>
+        </p:txBody>
+      </p:sp>
+      <p:cxnSp>
+        <p:nvCxnSpPr>
+          <p:cNvPr id="12" name="Straight Arrow Connector 11">
+            <a:extLst>
+              <a:ext uri="{FF2B5EF4-FFF2-40B4-BE49-F238E27FC236}">
+                <a16:creationId xmlns:a16="http://schemas.microsoft.com/office/drawing/2014/main" id="{AFB5C1FA-6194-4DA7-943B-4166D03DB376}"/>
+              </a:ext>
+            </a:extLst>
+          </p:cNvPr>
+          <p:cNvCxnSpPr/>
+          <p:nvPr/>
+        </p:nvCxnSpPr>
+        <p:spPr>
+          <a:xfrm>
+            <a:off x="4137212" y="1685365"/>
+            <a:ext cx="2227729" cy="457200"/>
+          </a:xfrm>
+          <a:prstGeom prst="straightConnector1">
+            <a:avLst/>
+          </a:prstGeom>
+          <a:ln w="57150">
+            <a:headEnd type="triangle"/>
+            <a:tailEnd type="triangle"/>
+          </a:ln>
+        </p:spPr>
+        <p:style>
+          <a:lnRef idx="1">
+            <a:schemeClr val="accent1"/>
+          </a:lnRef>
+          <a:fillRef idx="0">
+            <a:schemeClr val="accent1"/>
+          </a:fillRef>
+          <a:effectRef idx="0">
+            <a:schemeClr val="accent1"/>
+          </a:effectRef>
+          <a:fontRef idx="minor">
+            <a:schemeClr val="tx1"/>
+          </a:fontRef>
+        </p:style>
+      </p:cxnSp>
+      <p:cxnSp>
+        <p:nvCxnSpPr>
+          <p:cNvPr id="13" name="Straight Arrow Connector 12">
+            <a:extLst>
+              <a:ext uri="{FF2B5EF4-FFF2-40B4-BE49-F238E27FC236}">
+                <a16:creationId xmlns:a16="http://schemas.microsoft.com/office/drawing/2014/main" id="{0357638E-BEEF-4A35-82DE-70340DC344AE}"/>
+              </a:ext>
+            </a:extLst>
+          </p:cNvPr>
+          <p:cNvCxnSpPr>
+            <a:cxnSpLocks/>
+          </p:cNvCxnSpPr>
+          <p:nvPr/>
+        </p:nvCxnSpPr>
+        <p:spPr>
+          <a:xfrm>
+            <a:off x="4137211" y="2544198"/>
+            <a:ext cx="2227730" cy="531551"/>
+          </a:xfrm>
+          <a:prstGeom prst="straightConnector1">
+            <a:avLst/>
+          </a:prstGeom>
+          <a:ln w="57150">
+            <a:headEnd type="triangle"/>
+            <a:tailEnd type="triangle"/>
+          </a:ln>
+        </p:spPr>
+        <p:style>
+          <a:lnRef idx="1">
+            <a:schemeClr val="accent1"/>
+          </a:lnRef>
+          <a:fillRef idx="0">
+            <a:schemeClr val="accent1"/>
+          </a:fillRef>
+          <a:effectRef idx="0">
+            <a:schemeClr val="accent1"/>
+          </a:effectRef>
+          <a:fontRef idx="minor">
+            <a:schemeClr val="tx1"/>
+          </a:fontRef>
+        </p:style>
+      </p:cxnSp>
+      <p:cxnSp>
+        <p:nvCxnSpPr>
+          <p:cNvPr id="15" name="Straight Arrow Connector 14">
+            <a:extLst>
+              <a:ext uri="{FF2B5EF4-FFF2-40B4-BE49-F238E27FC236}">
+                <a16:creationId xmlns:a16="http://schemas.microsoft.com/office/drawing/2014/main" id="{2D80DD87-2EF5-4DBC-AA8F-B6D6CA46648C}"/>
+              </a:ext>
+            </a:extLst>
+          </p:cNvPr>
+          <p:cNvCxnSpPr>
+            <a:cxnSpLocks/>
+          </p:cNvCxnSpPr>
+          <p:nvPr/>
+        </p:nvCxnSpPr>
+        <p:spPr>
+          <a:xfrm>
+            <a:off x="4137211" y="3372545"/>
+            <a:ext cx="2227730" cy="566518"/>
+          </a:xfrm>
+          <a:prstGeom prst="straightConnector1">
+            <a:avLst/>
+          </a:prstGeom>
+          <a:ln w="57150">
+            <a:headEnd type="triangle"/>
+            <a:tailEnd type="triangle"/>
+          </a:ln>
+        </p:spPr>
+        <p:style>
+          <a:lnRef idx="1">
+            <a:schemeClr val="accent1"/>
+          </a:lnRef>
+          <a:fillRef idx="0">
+            <a:schemeClr val="accent1"/>
+          </a:fillRef>
+          <a:effectRef idx="0">
+            <a:schemeClr val="accent1"/>
+          </a:effectRef>
+          <a:fontRef idx="minor">
+            <a:schemeClr val="tx1"/>
+          </a:fontRef>
+        </p:style>
+      </p:cxnSp>
+      <p:cxnSp>
+        <p:nvCxnSpPr>
+          <p:cNvPr id="17" name="Straight Arrow Connector 16">
+            <a:extLst>
+              <a:ext uri="{FF2B5EF4-FFF2-40B4-BE49-F238E27FC236}">
+                <a16:creationId xmlns:a16="http://schemas.microsoft.com/office/drawing/2014/main" id="{F935FF2C-EEE3-441A-BD56-D52D3DF97304}"/>
+              </a:ext>
+            </a:extLst>
+          </p:cNvPr>
+          <p:cNvCxnSpPr>
+            <a:cxnSpLocks/>
+          </p:cNvCxnSpPr>
+          <p:nvPr/>
+        </p:nvCxnSpPr>
+        <p:spPr>
+          <a:xfrm>
+            <a:off x="4137211" y="4241117"/>
+            <a:ext cx="2227730" cy="474319"/>
+          </a:xfrm>
+          <a:prstGeom prst="straightConnector1">
+            <a:avLst/>
+          </a:prstGeom>
+          <a:ln w="57150">
+            <a:headEnd type="triangle"/>
+            <a:tailEnd type="triangle"/>
+          </a:ln>
+        </p:spPr>
+        <p:style>
+          <a:lnRef idx="1">
+            <a:schemeClr val="accent1"/>
+          </a:lnRef>
+          <a:fillRef idx="0">
+            <a:schemeClr val="accent1"/>
+          </a:fillRef>
+          <a:effectRef idx="0">
+            <a:schemeClr val="accent1"/>
+          </a:effectRef>
+          <a:fontRef idx="minor">
+            <a:schemeClr val="tx1"/>
+          </a:fontRef>
+        </p:style>
+      </p:cxnSp>
+      <p:sp>
+        <p:nvSpPr>
+          <p:cNvPr id="22" name="Multiplication Sign 21">
+            <a:extLst>
+              <a:ext uri="{FF2B5EF4-FFF2-40B4-BE49-F238E27FC236}">
+                <a16:creationId xmlns:a16="http://schemas.microsoft.com/office/drawing/2014/main" id="{E746C137-0B3B-4FCF-B245-8C03D9422FF6}"/>
+              </a:ext>
+            </a:extLst>
+          </p:cNvPr>
+          <p:cNvSpPr/>
+          <p:nvPr/>
+        </p:nvSpPr>
+        <p:spPr>
+          <a:xfrm>
+            <a:off x="4840941" y="1621723"/>
+            <a:ext cx="645459" cy="520842"/>
+          </a:xfrm>
+          <a:prstGeom prst="mathMultiply">
+            <a:avLst/>
+          </a:prstGeom>
+          <a:solidFill>
+            <a:srgbClr val="FF0000"/>
+          </a:solidFill>
+        </p:spPr>
+        <p:style>
+          <a:lnRef idx="2">
+            <a:schemeClr val="accent1">
+              <a:shade val="50000"/>
+            </a:schemeClr>
+          </a:lnRef>
+          <a:fillRef idx="1">
+            <a:schemeClr val="accent1"/>
+          </a:fillRef>
+          <a:effectRef idx="0">
+            <a:schemeClr val="accent1"/>
+          </a:effectRef>
+          <a:fontRef idx="minor">
+            <a:schemeClr val="lt1"/>
+          </a:fontRef>
+        </p:style>
+        <p:txBody>
+          <a:bodyPr rtlCol="0" anchor="ctr"/>
+          <a:lstStyle/>
+          <a:p>
+            <a:pPr algn="ctr"/>
+            <a:endParaRPr lang="en-US"/>
+          </a:p>
+        </p:txBody>
+      </p:sp>
+      <p:sp>
+        <p:nvSpPr>
+          <p:cNvPr id="23" name="Multiplication Sign 22">
+            <a:extLst>
+              <a:ext uri="{FF2B5EF4-FFF2-40B4-BE49-F238E27FC236}">
+                <a16:creationId xmlns:a16="http://schemas.microsoft.com/office/drawing/2014/main" id="{C975803A-3449-43B5-93B9-62B1EABFE4D0}"/>
+              </a:ext>
+            </a:extLst>
+          </p:cNvPr>
+          <p:cNvSpPr/>
+          <p:nvPr/>
+        </p:nvSpPr>
+        <p:spPr>
+          <a:xfrm>
+            <a:off x="4823012" y="2500230"/>
+            <a:ext cx="645459" cy="520842"/>
+          </a:xfrm>
+          <a:prstGeom prst="mathMultiply">
+            <a:avLst/>
+          </a:prstGeom>
+          <a:solidFill>
+            <a:srgbClr val="FF0000"/>
+          </a:solidFill>
+        </p:spPr>
+        <p:style>
+          <a:lnRef idx="2">
+            <a:schemeClr val="accent1">
+              <a:shade val="50000"/>
+            </a:schemeClr>
+          </a:lnRef>
+          <a:fillRef idx="1">
+            <a:schemeClr val="accent1"/>
+          </a:fillRef>
+          <a:effectRef idx="0">
+            <a:schemeClr val="accent1"/>
+          </a:effectRef>
+          <a:fontRef idx="minor">
+            <a:schemeClr val="lt1"/>
+          </a:fontRef>
+        </p:style>
+        <p:txBody>
+          <a:bodyPr rtlCol="0" anchor="ctr"/>
+          <a:lstStyle/>
+          <a:p>
+            <a:pPr algn="ctr"/>
+            <a:endParaRPr lang="en-US"/>
+          </a:p>
+        </p:txBody>
+      </p:sp>
+      <p:sp>
+        <p:nvSpPr>
+          <p:cNvPr id="24" name="Multiplication Sign 23">
+            <a:extLst>
+              <a:ext uri="{FF2B5EF4-FFF2-40B4-BE49-F238E27FC236}">
+                <a16:creationId xmlns:a16="http://schemas.microsoft.com/office/drawing/2014/main" id="{9DF394E8-3F7E-4312-98F9-39416FFE2D9A}"/>
+              </a:ext>
+            </a:extLst>
+          </p:cNvPr>
+          <p:cNvSpPr/>
+          <p:nvPr/>
+        </p:nvSpPr>
+        <p:spPr>
+          <a:xfrm>
+            <a:off x="4840941" y="3395383"/>
+            <a:ext cx="645459" cy="520842"/>
+          </a:xfrm>
+          <a:prstGeom prst="mathMultiply">
+            <a:avLst/>
+          </a:prstGeom>
+          <a:solidFill>
+            <a:srgbClr val="FF0000"/>
+          </a:solidFill>
+        </p:spPr>
+        <p:style>
+          <a:lnRef idx="2">
+            <a:schemeClr val="accent1">
+              <a:shade val="50000"/>
+            </a:schemeClr>
+          </a:lnRef>
+          <a:fillRef idx="1">
+            <a:schemeClr val="accent1"/>
+          </a:fillRef>
+          <a:effectRef idx="0">
+            <a:schemeClr val="accent1"/>
+          </a:effectRef>
+          <a:fontRef idx="minor">
+            <a:schemeClr val="lt1"/>
+          </a:fontRef>
+        </p:style>
+        <p:txBody>
+          <a:bodyPr rtlCol="0" anchor="ctr"/>
+          <a:lstStyle/>
+          <a:p>
+            <a:pPr algn="ctr"/>
+            <a:endParaRPr lang="en-US"/>
+          </a:p>
+        </p:txBody>
+      </p:sp>
+      <p:sp>
+        <p:nvSpPr>
+          <p:cNvPr id="25" name="Multiplication Sign 24">
+            <a:extLst>
+              <a:ext uri="{FF2B5EF4-FFF2-40B4-BE49-F238E27FC236}">
+                <a16:creationId xmlns:a16="http://schemas.microsoft.com/office/drawing/2014/main" id="{83FEC5B8-8C53-404D-A5C0-EA99E37CD14D}"/>
+              </a:ext>
+            </a:extLst>
+          </p:cNvPr>
+          <p:cNvSpPr/>
+          <p:nvPr/>
+        </p:nvSpPr>
+        <p:spPr>
+          <a:xfrm>
+            <a:off x="4809564" y="4167218"/>
+            <a:ext cx="645459" cy="520842"/>
+          </a:xfrm>
+          <a:prstGeom prst="mathMultiply">
+            <a:avLst/>
+          </a:prstGeom>
+          <a:solidFill>
+            <a:srgbClr val="FF0000"/>
+          </a:solidFill>
+        </p:spPr>
+        <p:style>
+          <a:lnRef idx="2">
+            <a:schemeClr val="accent1">
+              <a:shade val="50000"/>
+            </a:schemeClr>
+          </a:lnRef>
+          <a:fillRef idx="1">
+            <a:schemeClr val="accent1"/>
+          </a:fillRef>
+          <a:effectRef idx="0">
+            <a:schemeClr val="accent1"/>
+          </a:effectRef>
+          <a:fontRef idx="minor">
+            <a:schemeClr val="lt1"/>
+          </a:fontRef>
+        </p:style>
+        <p:txBody>
+          <a:bodyPr rtlCol="0" anchor="ctr"/>
+          <a:lstStyle/>
+          <a:p>
+            <a:pPr algn="ctr"/>
+            <a:endParaRPr lang="en-US"/>
+          </a:p>
+        </p:txBody>
+      </p:sp>
+      <p:sp>
+        <p:nvSpPr>
+          <p:cNvPr id="26" name="TextBox 25">
+            <a:extLst>
+              <a:ext uri="{FF2B5EF4-FFF2-40B4-BE49-F238E27FC236}">
+                <a16:creationId xmlns:a16="http://schemas.microsoft.com/office/drawing/2014/main" id="{875947DF-63C6-488E-A357-057CEFD1A49D}"/>
+              </a:ext>
+            </a:extLst>
+          </p:cNvPr>
+          <p:cNvSpPr txBox="1"/>
+          <p:nvPr/>
+        </p:nvSpPr>
+        <p:spPr>
+          <a:xfrm>
+            <a:off x="1335741" y="5066733"/>
+            <a:ext cx="3505200" cy="923330"/>
+          </a:xfrm>
+          <a:prstGeom prst="rect">
+            <a:avLst/>
+          </a:prstGeom>
+          <a:noFill/>
+        </p:spPr>
+        <p:txBody>
+          <a:bodyPr wrap="square" rtlCol="0">
+            <a:spAutoFit/>
+          </a:bodyPr>
+          <a:lstStyle/>
+          <a:p>
+            <a:r>
+              <a:rPr lang="en-IN" b="1" dirty="0"/>
+              <a:t>The UI MUST be validated based on Validation Rules Defined by the Model Class</a:t>
+            </a:r>
+            <a:endParaRPr lang="en-US" b="1" dirty="0"/>
+          </a:p>
+        </p:txBody>
+      </p:sp>
+      <p:sp>
+        <p:nvSpPr>
+          <p:cNvPr id="27" name="Rectangle 26">
+            <a:extLst>
+              <a:ext uri="{FF2B5EF4-FFF2-40B4-BE49-F238E27FC236}">
+                <a16:creationId xmlns:a16="http://schemas.microsoft.com/office/drawing/2014/main" id="{F1522070-A192-45F4-880F-42239953591F}"/>
+              </a:ext>
+            </a:extLst>
+          </p:cNvPr>
+          <p:cNvSpPr/>
+          <p:nvPr/>
+        </p:nvSpPr>
+        <p:spPr>
+          <a:xfrm>
+            <a:off x="3491753" y="3983031"/>
+            <a:ext cx="45719" cy="474319"/>
+          </a:xfrm>
+          <a:prstGeom prst="rect">
+            <a:avLst/>
+          </a:prstGeom>
+        </p:spPr>
+        <p:style>
+          <a:lnRef idx="2">
+            <a:schemeClr val="accent1">
+              <a:shade val="50000"/>
+            </a:schemeClr>
+          </a:lnRef>
+          <a:fillRef idx="1">
+            <a:schemeClr val="accent1"/>
+          </a:fillRef>
+          <a:effectRef idx="0">
+            <a:schemeClr val="accent1"/>
+          </a:effectRef>
+          <a:fontRef idx="minor">
+            <a:schemeClr val="lt1"/>
+          </a:fontRef>
+        </p:style>
+        <p:txBody>
+          <a:bodyPr rtlCol="0" anchor="ctr"/>
+          <a:lstStyle/>
+          <a:p>
+            <a:pPr algn="ctr"/>
+            <a:endParaRPr lang="en-US"/>
+          </a:p>
+        </p:txBody>
+      </p:sp>
+      <p:sp>
+        <p:nvSpPr>
+          <p:cNvPr id="28" name="Isosceles Triangle 27">
+            <a:extLst>
+              <a:ext uri="{FF2B5EF4-FFF2-40B4-BE49-F238E27FC236}">
+                <a16:creationId xmlns:a16="http://schemas.microsoft.com/office/drawing/2014/main" id="{8D8621D9-705D-46D8-A96B-3395359C1262}"/>
+              </a:ext>
+            </a:extLst>
+          </p:cNvPr>
+          <p:cNvSpPr/>
+          <p:nvPr/>
+        </p:nvSpPr>
+        <p:spPr>
+          <a:xfrm rot="10800000">
+            <a:off x="3664323" y="4067483"/>
+            <a:ext cx="273423" cy="305412"/>
+          </a:xfrm>
+          <a:prstGeom prst="triangle">
+            <a:avLst/>
+          </a:prstGeom>
+        </p:spPr>
+        <p:style>
+          <a:lnRef idx="2">
+            <a:schemeClr val="accent1">
+              <a:shade val="50000"/>
+            </a:schemeClr>
+          </a:lnRef>
+          <a:fillRef idx="1">
+            <a:schemeClr val="accent1"/>
+          </a:fillRef>
+          <a:effectRef idx="0">
+            <a:schemeClr val="accent1"/>
+          </a:effectRef>
+          <a:fontRef idx="minor">
+            <a:schemeClr val="lt1"/>
+          </a:fontRef>
+        </p:style>
+        <p:txBody>
+          <a:bodyPr rtlCol="0" anchor="ctr"/>
+          <a:lstStyle/>
+          <a:p>
+            <a:pPr algn="ctr"/>
+            <a:endParaRPr lang="en-US"/>
+          </a:p>
+        </p:txBody>
+      </p:sp>
+    </p:spTree>
+    <p:extLst>
+      <p:ext uri="{BB962C8B-B14F-4D97-AF65-F5344CB8AC3E}">
+        <p14:creationId xmlns:p14="http://schemas.microsoft.com/office/powerpoint/2010/main" val="1629039419"/>
+      </p:ext>
+    </p:extLst>
+  </p:cSld>
+  <p:clrMapOvr>
+    <a:masterClrMapping/>
+  </p:clrMapOvr>
+</p:sld>
+</file>
+
 <file path=ppt/theme/theme1.xml><?xml version="1.0" encoding="utf-8"?>
 <a:theme xmlns:a="http://schemas.openxmlformats.org/drawingml/2006/main" name="Office Theme">
   <a:themeElements>

--- a/images_NG.pptx
+++ b/images_NG.pptx
@@ -9,6 +9,7 @@
     <p:sldId id="257" r:id="rId3"/>
     <p:sldId id="258" r:id="rId4"/>
     <p:sldId id="259" r:id="rId5"/>
+    <p:sldId id="260" r:id="rId6"/>
   </p:sldIdLst>
   <p:sldSz cx="12192000" cy="6858000"/>
   <p:notesSz cx="6858000" cy="9144000"/>
@@ -262,7 +263,7 @@
           <a:p>
             <a:fld id="{9E44D11B-64D0-4128-AB06-3651AB0BE39E}" type="datetimeFigureOut">
               <a:rPr lang="en-US" smtClean="0"/>
-              <a:t>1/14/2022</a:t>
+              <a:t>1/18/2022</a:t>
             </a:fld>
             <a:endParaRPr lang="en-US"/>
           </a:p>
@@ -460,7 +461,7 @@
           <a:p>
             <a:fld id="{9E44D11B-64D0-4128-AB06-3651AB0BE39E}" type="datetimeFigureOut">
               <a:rPr lang="en-US" smtClean="0"/>
-              <a:t>1/14/2022</a:t>
+              <a:t>1/18/2022</a:t>
             </a:fld>
             <a:endParaRPr lang="en-US"/>
           </a:p>
@@ -668,7 +669,7 @@
           <a:p>
             <a:fld id="{9E44D11B-64D0-4128-AB06-3651AB0BE39E}" type="datetimeFigureOut">
               <a:rPr lang="en-US" smtClean="0"/>
-              <a:t>1/14/2022</a:t>
+              <a:t>1/18/2022</a:t>
             </a:fld>
             <a:endParaRPr lang="en-US"/>
           </a:p>
@@ -866,7 +867,7 @@
           <a:p>
             <a:fld id="{9E44D11B-64D0-4128-AB06-3651AB0BE39E}" type="datetimeFigureOut">
               <a:rPr lang="en-US" smtClean="0"/>
-              <a:t>1/14/2022</a:t>
+              <a:t>1/18/2022</a:t>
             </a:fld>
             <a:endParaRPr lang="en-US"/>
           </a:p>
@@ -1141,7 +1142,7 @@
           <a:p>
             <a:fld id="{9E44D11B-64D0-4128-AB06-3651AB0BE39E}" type="datetimeFigureOut">
               <a:rPr lang="en-US" smtClean="0"/>
-              <a:t>1/14/2022</a:t>
+              <a:t>1/18/2022</a:t>
             </a:fld>
             <a:endParaRPr lang="en-US"/>
           </a:p>
@@ -1406,7 +1407,7 @@
           <a:p>
             <a:fld id="{9E44D11B-64D0-4128-AB06-3651AB0BE39E}" type="datetimeFigureOut">
               <a:rPr lang="en-US" smtClean="0"/>
-              <a:t>1/14/2022</a:t>
+              <a:t>1/18/2022</a:t>
             </a:fld>
             <a:endParaRPr lang="en-US"/>
           </a:p>
@@ -1818,7 +1819,7 @@
           <a:p>
             <a:fld id="{9E44D11B-64D0-4128-AB06-3651AB0BE39E}" type="datetimeFigureOut">
               <a:rPr lang="en-US" smtClean="0"/>
-              <a:t>1/14/2022</a:t>
+              <a:t>1/18/2022</a:t>
             </a:fld>
             <a:endParaRPr lang="en-US"/>
           </a:p>
@@ -1959,7 +1960,7 @@
           <a:p>
             <a:fld id="{9E44D11B-64D0-4128-AB06-3651AB0BE39E}" type="datetimeFigureOut">
               <a:rPr lang="en-US" smtClean="0"/>
-              <a:t>1/14/2022</a:t>
+              <a:t>1/18/2022</a:t>
             </a:fld>
             <a:endParaRPr lang="en-US"/>
           </a:p>
@@ -2072,7 +2073,7 @@
           <a:p>
             <a:fld id="{9E44D11B-64D0-4128-AB06-3651AB0BE39E}" type="datetimeFigureOut">
               <a:rPr lang="en-US" smtClean="0"/>
-              <a:t>1/14/2022</a:t>
+              <a:t>1/18/2022</a:t>
             </a:fld>
             <a:endParaRPr lang="en-US"/>
           </a:p>
@@ -2383,7 +2384,7 @@
           <a:p>
             <a:fld id="{9E44D11B-64D0-4128-AB06-3651AB0BE39E}" type="datetimeFigureOut">
               <a:rPr lang="en-US" smtClean="0"/>
-              <a:t>1/14/2022</a:t>
+              <a:t>1/18/2022</a:t>
             </a:fld>
             <a:endParaRPr lang="en-US"/>
           </a:p>
@@ -2671,7 +2672,7 @@
           <a:p>
             <a:fld id="{9E44D11B-64D0-4128-AB06-3651AB0BE39E}" type="datetimeFigureOut">
               <a:rPr lang="en-US" smtClean="0"/>
-              <a:t>1/14/2022</a:t>
+              <a:t>1/18/2022</a:t>
             </a:fld>
             <a:endParaRPr lang="en-US"/>
           </a:p>
@@ -2912,7 +2913,7 @@
           <a:p>
             <a:fld id="{9E44D11B-64D0-4128-AB06-3651AB0BE39E}" type="datetimeFigureOut">
               <a:rPr lang="en-US" smtClean="0"/>
-              <a:t>1/14/2022</a:t>
+              <a:t>1/18/2022</a:t>
             </a:fld>
             <a:endParaRPr lang="en-US"/>
           </a:p>
@@ -9128,6 +9129,805 @@
 </p:sld>
 </file>
 
+<file path=ppt/slides/slide5.xml><?xml version="1.0" encoding="utf-8"?>
+<p:sld xmlns:a="http://schemas.openxmlformats.org/drawingml/2006/main" xmlns:r="http://schemas.openxmlformats.org/officeDocument/2006/relationships" xmlns:p="http://schemas.openxmlformats.org/presentationml/2006/main">
+  <p:cSld>
+    <p:spTree>
+      <p:nvGrpSpPr>
+        <p:cNvPr id="1" name=""/>
+        <p:cNvGrpSpPr/>
+        <p:nvPr/>
+      </p:nvGrpSpPr>
+      <p:grpSpPr>
+        <a:xfrm>
+          <a:off x="0" y="0"/>
+          <a:ext cx="0" cy="0"/>
+          <a:chOff x="0" y="0"/>
+          <a:chExt cx="0" cy="0"/>
+        </a:xfrm>
+      </p:grpSpPr>
+      <p:sp>
+        <p:nvSpPr>
+          <p:cNvPr id="8" name="Rectangle 7">
+            <a:extLst>
+              <a:ext uri="{FF2B5EF4-FFF2-40B4-BE49-F238E27FC236}">
+                <a16:creationId xmlns:a16="http://schemas.microsoft.com/office/drawing/2014/main" id="{4528FDA0-5BB1-4F6B-9091-466F2C129D3F}"/>
+              </a:ext>
+            </a:extLst>
+          </p:cNvPr>
+          <p:cNvSpPr/>
+          <p:nvPr/>
+        </p:nvSpPr>
+        <p:spPr>
+          <a:xfrm>
+            <a:off x="179294" y="394447"/>
+            <a:ext cx="11914094" cy="6239435"/>
+          </a:xfrm>
+          <a:prstGeom prst="rect">
+            <a:avLst/>
+          </a:prstGeom>
+        </p:spPr>
+        <p:style>
+          <a:lnRef idx="2">
+            <a:schemeClr val="accent3">
+              <a:shade val="50000"/>
+            </a:schemeClr>
+          </a:lnRef>
+          <a:fillRef idx="1">
+            <a:schemeClr val="accent3"/>
+          </a:fillRef>
+          <a:effectRef idx="0">
+            <a:schemeClr val="accent3"/>
+          </a:effectRef>
+          <a:fontRef idx="minor">
+            <a:schemeClr val="lt1"/>
+          </a:fontRef>
+        </p:style>
+        <p:txBody>
+          <a:bodyPr rtlCol="0" anchor="ctr"/>
+          <a:lstStyle/>
+          <a:p>
+            <a:pPr algn="ctr"/>
+            <a:endParaRPr lang="en-US"/>
+          </a:p>
+        </p:txBody>
+      </p:sp>
+      <p:sp>
+        <p:nvSpPr>
+          <p:cNvPr id="2" name="Rectangle 1">
+            <a:extLst>
+              <a:ext uri="{FF2B5EF4-FFF2-40B4-BE49-F238E27FC236}">
+                <a16:creationId xmlns:a16="http://schemas.microsoft.com/office/drawing/2014/main" id="{8F48CC51-DC67-4E11-AC12-9800EC4525B9}"/>
+              </a:ext>
+            </a:extLst>
+          </p:cNvPr>
+          <p:cNvSpPr/>
+          <p:nvPr/>
+        </p:nvSpPr>
+        <p:spPr>
+          <a:xfrm>
+            <a:off x="412375" y="1118346"/>
+            <a:ext cx="5118848" cy="4621307"/>
+          </a:xfrm>
+          <a:prstGeom prst="rect">
+            <a:avLst/>
+          </a:prstGeom>
+        </p:spPr>
+        <p:style>
+          <a:lnRef idx="2">
+            <a:schemeClr val="accent1">
+              <a:shade val="50000"/>
+            </a:schemeClr>
+          </a:lnRef>
+          <a:fillRef idx="1">
+            <a:schemeClr val="accent1"/>
+          </a:fillRef>
+          <a:effectRef idx="0">
+            <a:schemeClr val="accent1"/>
+          </a:effectRef>
+          <a:fontRef idx="minor">
+            <a:schemeClr val="lt1"/>
+          </a:fontRef>
+        </p:style>
+        <p:txBody>
+          <a:bodyPr rtlCol="0" anchor="ctr"/>
+          <a:lstStyle/>
+          <a:p>
+            <a:pPr algn="ctr"/>
+            <a:r>
+              <a:rPr lang="en-IN" sz="3600" b="1" dirty="0"/>
+              <a:t>The Browser’s DOM Process</a:t>
+            </a:r>
+          </a:p>
+          <a:p>
+            <a:pPr algn="ctr"/>
+            <a:r>
+              <a:rPr lang="en-IN" sz="3600" b="1" dirty="0"/>
+              <a:t>Render UI</a:t>
+            </a:r>
+            <a:endParaRPr lang="en-US" sz="3600" b="1" dirty="0"/>
+          </a:p>
+        </p:txBody>
+      </p:sp>
+      <p:sp>
+        <p:nvSpPr>
+          <p:cNvPr id="3" name="Rectangle 2">
+            <a:extLst>
+              <a:ext uri="{FF2B5EF4-FFF2-40B4-BE49-F238E27FC236}">
+                <a16:creationId xmlns:a16="http://schemas.microsoft.com/office/drawing/2014/main" id="{8B5BDDE1-C3D9-47B3-9690-A53E4C342A3D}"/>
+              </a:ext>
+            </a:extLst>
+          </p:cNvPr>
+          <p:cNvSpPr/>
+          <p:nvPr/>
+        </p:nvSpPr>
+        <p:spPr>
+          <a:xfrm>
+            <a:off x="5531223" y="1819835"/>
+            <a:ext cx="1757082" cy="3191436"/>
+          </a:xfrm>
+          <a:prstGeom prst="rect">
+            <a:avLst/>
+          </a:prstGeom>
+        </p:spPr>
+        <p:style>
+          <a:lnRef idx="2">
+            <a:schemeClr val="accent6">
+              <a:shade val="50000"/>
+            </a:schemeClr>
+          </a:lnRef>
+          <a:fillRef idx="1">
+            <a:schemeClr val="accent6"/>
+          </a:fillRef>
+          <a:effectRef idx="0">
+            <a:schemeClr val="accent6"/>
+          </a:effectRef>
+          <a:fontRef idx="minor">
+            <a:schemeClr val="lt1"/>
+          </a:fontRef>
+        </p:style>
+        <p:txBody>
+          <a:bodyPr rtlCol="0" anchor="ctr"/>
+          <a:lstStyle/>
+          <a:p>
+            <a:pPr algn="ctr"/>
+            <a:r>
+              <a:rPr lang="en-IN" sz="2400" b="1" dirty="0"/>
+              <a:t>Network</a:t>
+            </a:r>
+          </a:p>
+          <a:p>
+            <a:pPr algn="ctr"/>
+            <a:r>
+              <a:rPr lang="en-IN" sz="2400" b="1" dirty="0"/>
+              <a:t>Process</a:t>
+            </a:r>
+            <a:endParaRPr lang="en-US" sz="2400" b="1" dirty="0"/>
+          </a:p>
+        </p:txBody>
+      </p:sp>
+      <p:sp>
+        <p:nvSpPr>
+          <p:cNvPr id="4" name="Rectangle 3">
+            <a:extLst>
+              <a:ext uri="{FF2B5EF4-FFF2-40B4-BE49-F238E27FC236}">
+                <a16:creationId xmlns:a16="http://schemas.microsoft.com/office/drawing/2014/main" id="{3093FB81-E604-4274-89D7-8EC1C349D175}"/>
+              </a:ext>
+            </a:extLst>
+          </p:cNvPr>
+          <p:cNvSpPr/>
+          <p:nvPr/>
+        </p:nvSpPr>
+        <p:spPr>
+          <a:xfrm>
+            <a:off x="7306235" y="2868706"/>
+            <a:ext cx="2626659" cy="905435"/>
+          </a:xfrm>
+          <a:prstGeom prst="rect">
+            <a:avLst/>
+          </a:prstGeom>
+        </p:spPr>
+        <p:style>
+          <a:lnRef idx="2">
+            <a:schemeClr val="accent1">
+              <a:shade val="50000"/>
+            </a:schemeClr>
+          </a:lnRef>
+          <a:fillRef idx="1">
+            <a:schemeClr val="accent1"/>
+          </a:fillRef>
+          <a:effectRef idx="0">
+            <a:schemeClr val="accent1"/>
+          </a:effectRef>
+          <a:fontRef idx="minor">
+            <a:schemeClr val="lt1"/>
+          </a:fontRef>
+        </p:style>
+        <p:txBody>
+          <a:bodyPr rtlCol="0" anchor="ctr"/>
+          <a:lstStyle/>
+          <a:p>
+            <a:pPr algn="ctr"/>
+            <a:r>
+              <a:rPr lang="en-IN" b="1" dirty="0"/>
+              <a:t>Network Commination</a:t>
+            </a:r>
+            <a:endParaRPr lang="en-US" b="1" dirty="0"/>
+          </a:p>
+        </p:txBody>
+      </p:sp>
+      <p:sp>
+        <p:nvSpPr>
+          <p:cNvPr id="5" name="Arrow: Right 4">
+            <a:extLst>
+              <a:ext uri="{FF2B5EF4-FFF2-40B4-BE49-F238E27FC236}">
+                <a16:creationId xmlns:a16="http://schemas.microsoft.com/office/drawing/2014/main" id="{5CF49D6B-F6E5-4A44-9B79-45086452484B}"/>
+              </a:ext>
+            </a:extLst>
+          </p:cNvPr>
+          <p:cNvSpPr/>
+          <p:nvPr/>
+        </p:nvSpPr>
+        <p:spPr>
+          <a:xfrm>
+            <a:off x="9950824" y="2814918"/>
+            <a:ext cx="1828801" cy="470647"/>
+          </a:xfrm>
+          <a:prstGeom prst="rightArrow">
+            <a:avLst/>
+          </a:prstGeom>
+        </p:spPr>
+        <p:style>
+          <a:lnRef idx="2">
+            <a:schemeClr val="accent1">
+              <a:shade val="50000"/>
+            </a:schemeClr>
+          </a:lnRef>
+          <a:fillRef idx="1">
+            <a:schemeClr val="accent1"/>
+          </a:fillRef>
+          <a:effectRef idx="0">
+            <a:schemeClr val="accent1"/>
+          </a:effectRef>
+          <a:fontRef idx="minor">
+            <a:schemeClr val="lt1"/>
+          </a:fontRef>
+        </p:style>
+        <p:txBody>
+          <a:bodyPr rtlCol="0" anchor="ctr"/>
+          <a:lstStyle/>
+          <a:p>
+            <a:pPr algn="ctr"/>
+            <a:r>
+              <a:rPr lang="en-IN" b="1" dirty="0"/>
+              <a:t>Request</a:t>
+            </a:r>
+            <a:endParaRPr lang="en-US" b="1" dirty="0"/>
+          </a:p>
+        </p:txBody>
+      </p:sp>
+      <p:sp>
+        <p:nvSpPr>
+          <p:cNvPr id="6" name="Arrow: Left 5">
+            <a:extLst>
+              <a:ext uri="{FF2B5EF4-FFF2-40B4-BE49-F238E27FC236}">
+                <a16:creationId xmlns:a16="http://schemas.microsoft.com/office/drawing/2014/main" id="{6C52F41E-B2B5-4F43-A0DB-D7B34D86CC1E}"/>
+              </a:ext>
+            </a:extLst>
+          </p:cNvPr>
+          <p:cNvSpPr/>
+          <p:nvPr/>
+        </p:nvSpPr>
+        <p:spPr>
+          <a:xfrm>
+            <a:off x="9950824" y="3285565"/>
+            <a:ext cx="1757082" cy="470647"/>
+          </a:xfrm>
+          <a:prstGeom prst="leftArrow">
+            <a:avLst/>
+          </a:prstGeom>
+        </p:spPr>
+        <p:style>
+          <a:lnRef idx="2">
+            <a:schemeClr val="accent1">
+              <a:shade val="50000"/>
+            </a:schemeClr>
+          </a:lnRef>
+          <a:fillRef idx="1">
+            <a:schemeClr val="accent1"/>
+          </a:fillRef>
+          <a:effectRef idx="0">
+            <a:schemeClr val="accent1"/>
+          </a:effectRef>
+          <a:fontRef idx="minor">
+            <a:schemeClr val="lt1"/>
+          </a:fontRef>
+        </p:style>
+        <p:txBody>
+          <a:bodyPr rtlCol="0" anchor="ctr"/>
+          <a:lstStyle/>
+          <a:p>
+            <a:pPr algn="ctr"/>
+            <a:r>
+              <a:rPr lang="en-IN" b="1" dirty="0"/>
+              <a:t>Response</a:t>
+            </a:r>
+            <a:endParaRPr lang="en-US" b="1" dirty="0"/>
+          </a:p>
+        </p:txBody>
+      </p:sp>
+      <p:sp>
+        <p:nvSpPr>
+          <p:cNvPr id="7" name="Arrow: Left 6">
+            <a:extLst>
+              <a:ext uri="{FF2B5EF4-FFF2-40B4-BE49-F238E27FC236}">
+                <a16:creationId xmlns:a16="http://schemas.microsoft.com/office/drawing/2014/main" id="{40316292-AD4B-4E70-8F5C-12B5DA238EFB}"/>
+              </a:ext>
+            </a:extLst>
+          </p:cNvPr>
+          <p:cNvSpPr/>
+          <p:nvPr/>
+        </p:nvSpPr>
+        <p:spPr>
+          <a:xfrm>
+            <a:off x="4755775" y="3267636"/>
+            <a:ext cx="950259" cy="488576"/>
+          </a:xfrm>
+          <a:prstGeom prst="leftArrow">
+            <a:avLst/>
+          </a:prstGeom>
+        </p:spPr>
+        <p:style>
+          <a:lnRef idx="2">
+            <a:schemeClr val="accent2">
+              <a:shade val="50000"/>
+            </a:schemeClr>
+          </a:lnRef>
+          <a:fillRef idx="1">
+            <a:schemeClr val="accent2"/>
+          </a:fillRef>
+          <a:effectRef idx="0">
+            <a:schemeClr val="accent2"/>
+          </a:effectRef>
+          <a:fontRef idx="minor">
+            <a:schemeClr val="lt1"/>
+          </a:fontRef>
+        </p:style>
+        <p:txBody>
+          <a:bodyPr rtlCol="0" anchor="ctr"/>
+          <a:lstStyle/>
+          <a:p>
+            <a:pPr algn="ctr"/>
+            <a:r>
+              <a:rPr lang="en-IN" sz="1200" b="1" dirty="0"/>
+              <a:t>Response</a:t>
+            </a:r>
+            <a:endParaRPr lang="en-US" sz="1200" b="1" dirty="0"/>
+          </a:p>
+        </p:txBody>
+      </p:sp>
+      <p:sp>
+        <p:nvSpPr>
+          <p:cNvPr id="9" name="TextBox 8">
+            <a:extLst>
+              <a:ext uri="{FF2B5EF4-FFF2-40B4-BE49-F238E27FC236}">
+                <a16:creationId xmlns:a16="http://schemas.microsoft.com/office/drawing/2014/main" id="{F77ABC0C-02E1-455A-840F-63A21415D54B}"/>
+              </a:ext>
+            </a:extLst>
+          </p:cNvPr>
+          <p:cNvSpPr txBox="1"/>
+          <p:nvPr/>
+        </p:nvSpPr>
+        <p:spPr>
+          <a:xfrm>
+            <a:off x="412375" y="394447"/>
+            <a:ext cx="6284260" cy="369332"/>
+          </a:xfrm>
+          <a:prstGeom prst="rect">
+            <a:avLst/>
+          </a:prstGeom>
+          <a:noFill/>
+        </p:spPr>
+        <p:txBody>
+          <a:bodyPr wrap="square" rtlCol="0">
+            <a:spAutoFit/>
+          </a:bodyPr>
+          <a:lstStyle/>
+          <a:p>
+            <a:r>
+              <a:rPr lang="en-IN" b="1" dirty="0"/>
+              <a:t>Lets handle the execution of DOM and Network in silos </a:t>
+            </a:r>
+            <a:endParaRPr lang="en-US" b="1" dirty="0"/>
+          </a:p>
+        </p:txBody>
+      </p:sp>
+      <p:sp>
+        <p:nvSpPr>
+          <p:cNvPr id="10" name="Arrow: Left-Right 9">
+            <a:extLst>
+              <a:ext uri="{FF2B5EF4-FFF2-40B4-BE49-F238E27FC236}">
+                <a16:creationId xmlns:a16="http://schemas.microsoft.com/office/drawing/2014/main" id="{E4C8AB23-8D17-4B51-9F0B-9B0226B0BE9C}"/>
+              </a:ext>
+            </a:extLst>
+          </p:cNvPr>
+          <p:cNvSpPr/>
+          <p:nvPr/>
+        </p:nvSpPr>
+        <p:spPr>
+          <a:xfrm>
+            <a:off x="412375" y="5905502"/>
+            <a:ext cx="11367250" cy="728380"/>
+          </a:xfrm>
+          <a:prstGeom prst="leftRightArrow">
+            <a:avLst/>
+          </a:prstGeom>
+        </p:spPr>
+        <p:style>
+          <a:lnRef idx="2">
+            <a:schemeClr val="accent4">
+              <a:shade val="50000"/>
+            </a:schemeClr>
+          </a:lnRef>
+          <a:fillRef idx="1">
+            <a:schemeClr val="accent4"/>
+          </a:fillRef>
+          <a:effectRef idx="0">
+            <a:schemeClr val="accent4"/>
+          </a:effectRef>
+          <a:fontRef idx="minor">
+            <a:schemeClr val="lt1"/>
+          </a:fontRef>
+        </p:style>
+        <p:txBody>
+          <a:bodyPr rtlCol="0" anchor="ctr"/>
+          <a:lstStyle/>
+          <a:p>
+            <a:pPr algn="ctr"/>
+            <a:r>
+              <a:rPr lang="en-IN" b="1" dirty="0"/>
+              <a:t>Asynchronous Execution</a:t>
+            </a:r>
+            <a:endParaRPr lang="en-US" b="1" dirty="0"/>
+          </a:p>
+        </p:txBody>
+      </p:sp>
+      <p:sp>
+        <p:nvSpPr>
+          <p:cNvPr id="11" name="TextBox 10">
+            <a:extLst>
+              <a:ext uri="{FF2B5EF4-FFF2-40B4-BE49-F238E27FC236}">
+                <a16:creationId xmlns:a16="http://schemas.microsoft.com/office/drawing/2014/main" id="{ADF0FA69-136C-475A-80C2-FE8CCF37EAA9}"/>
+              </a:ext>
+            </a:extLst>
+          </p:cNvPr>
+          <p:cNvSpPr txBox="1"/>
+          <p:nvPr/>
+        </p:nvSpPr>
+        <p:spPr>
+          <a:xfrm>
+            <a:off x="8005482" y="4374776"/>
+            <a:ext cx="3774143" cy="1477328"/>
+          </a:xfrm>
+          <a:prstGeom prst="rect">
+            <a:avLst/>
+          </a:prstGeom>
+          <a:noFill/>
+        </p:spPr>
+        <p:txBody>
+          <a:bodyPr wrap="square" rtlCol="0">
+            <a:spAutoFit/>
+          </a:bodyPr>
+          <a:lstStyle/>
+          <a:p>
+            <a:r>
+              <a:rPr lang="en-IN" b="1" dirty="0"/>
+              <a:t>AJAX: Non-Blocking way of Managing External Calls</a:t>
+            </a:r>
+          </a:p>
+          <a:p>
+            <a:endParaRPr lang="en-IN" b="1" dirty="0"/>
+          </a:p>
+          <a:p>
+            <a:r>
+              <a:rPr lang="en-IN" b="1" dirty="0"/>
+              <a:t>Promises: They are Monitors for all Long Running Async Processes</a:t>
+            </a:r>
+            <a:endParaRPr lang="en-US" b="1" dirty="0"/>
+          </a:p>
+        </p:txBody>
+      </p:sp>
+      <p:sp>
+        <p:nvSpPr>
+          <p:cNvPr id="12" name="Left Brace 11">
+            <a:extLst>
+              <a:ext uri="{FF2B5EF4-FFF2-40B4-BE49-F238E27FC236}">
+                <a16:creationId xmlns:a16="http://schemas.microsoft.com/office/drawing/2014/main" id="{65CBD04B-1360-442F-8133-51D5D6D5C2C9}"/>
+              </a:ext>
+            </a:extLst>
+          </p:cNvPr>
+          <p:cNvSpPr/>
+          <p:nvPr/>
+        </p:nvSpPr>
+        <p:spPr>
+          <a:xfrm rot="5400000">
+            <a:off x="8161031" y="-1744542"/>
+            <a:ext cx="968190" cy="6227805"/>
+          </a:xfrm>
+          <a:prstGeom prst="leftBrace">
+            <a:avLst/>
+          </a:prstGeom>
+          <a:ln w="76200">
+            <a:solidFill>
+              <a:srgbClr val="FFFF00"/>
+            </a:solidFill>
+          </a:ln>
+        </p:spPr>
+        <p:style>
+          <a:lnRef idx="1">
+            <a:schemeClr val="accent1"/>
+          </a:lnRef>
+          <a:fillRef idx="0">
+            <a:schemeClr val="accent1"/>
+          </a:fillRef>
+          <a:effectRef idx="0">
+            <a:schemeClr val="accent1"/>
+          </a:effectRef>
+          <a:fontRef idx="minor">
+            <a:schemeClr val="tx1"/>
+          </a:fontRef>
+        </p:style>
+        <p:txBody>
+          <a:bodyPr rtlCol="0" anchor="ctr"/>
+          <a:lstStyle/>
+          <a:p>
+            <a:pPr algn="ctr"/>
+            <a:endParaRPr lang="en-US"/>
+          </a:p>
+        </p:txBody>
+      </p:sp>
+      <p:sp>
+        <p:nvSpPr>
+          <p:cNvPr id="13" name="TextBox 12">
+            <a:extLst>
+              <a:ext uri="{FF2B5EF4-FFF2-40B4-BE49-F238E27FC236}">
+                <a16:creationId xmlns:a16="http://schemas.microsoft.com/office/drawing/2014/main" id="{BB3A3CD5-C099-4C58-8E6F-9FD595994406}"/>
+              </a:ext>
+            </a:extLst>
+          </p:cNvPr>
+          <p:cNvSpPr txBox="1"/>
+          <p:nvPr/>
+        </p:nvSpPr>
+        <p:spPr>
+          <a:xfrm>
+            <a:off x="7655859" y="1559859"/>
+            <a:ext cx="2554941" cy="369332"/>
+          </a:xfrm>
+          <a:prstGeom prst="rect">
+            <a:avLst/>
+          </a:prstGeom>
+          <a:noFill/>
+        </p:spPr>
+        <p:txBody>
+          <a:bodyPr wrap="square" rtlCol="0">
+            <a:spAutoFit/>
+          </a:bodyPr>
+          <a:lstStyle/>
+          <a:p>
+            <a:r>
+              <a:rPr lang="en-IN" b="1" dirty="0"/>
+              <a:t>AJAX</a:t>
+            </a:r>
+            <a:endParaRPr lang="en-US" b="1" dirty="0"/>
+          </a:p>
+        </p:txBody>
+      </p:sp>
+      <p:sp>
+        <p:nvSpPr>
+          <p:cNvPr id="16" name="Arrow: Curved Left 15">
+            <a:extLst>
+              <a:ext uri="{FF2B5EF4-FFF2-40B4-BE49-F238E27FC236}">
+                <a16:creationId xmlns:a16="http://schemas.microsoft.com/office/drawing/2014/main" id="{B083ADCD-9DC9-41D9-BDC4-24BDD53F8A5D}"/>
+              </a:ext>
+            </a:extLst>
+          </p:cNvPr>
+          <p:cNvSpPr/>
+          <p:nvPr/>
+        </p:nvSpPr>
+        <p:spPr>
+          <a:xfrm rot="10995810">
+            <a:off x="7583597" y="4406443"/>
+            <a:ext cx="513654" cy="1089211"/>
+          </a:xfrm>
+          <a:prstGeom prst="curvedLeftArrow">
+            <a:avLst/>
+          </a:prstGeom>
+        </p:spPr>
+        <p:style>
+          <a:lnRef idx="2">
+            <a:schemeClr val="accent4">
+              <a:shade val="50000"/>
+            </a:schemeClr>
+          </a:lnRef>
+          <a:fillRef idx="1">
+            <a:schemeClr val="accent4"/>
+          </a:fillRef>
+          <a:effectRef idx="0">
+            <a:schemeClr val="accent4"/>
+          </a:effectRef>
+          <a:fontRef idx="minor">
+            <a:schemeClr val="lt1"/>
+          </a:fontRef>
+        </p:style>
+        <p:txBody>
+          <a:bodyPr rtlCol="0" anchor="ctr"/>
+          <a:lstStyle/>
+          <a:p>
+            <a:pPr algn="ctr"/>
+            <a:endParaRPr lang="en-US">
+              <a:solidFill>
+                <a:schemeClr val="tx1"/>
+              </a:solidFill>
+            </a:endParaRPr>
+          </a:p>
+        </p:txBody>
+      </p:sp>
+      <p:graphicFrame>
+        <p:nvGraphicFramePr>
+          <p:cNvPr id="17" name="Table 17">
+            <a:extLst>
+              <a:ext uri="{FF2B5EF4-FFF2-40B4-BE49-F238E27FC236}">
+                <a16:creationId xmlns:a16="http://schemas.microsoft.com/office/drawing/2014/main" id="{A1D9CAA0-ED44-42D6-A4D0-BA2013BE1417}"/>
+              </a:ext>
+            </a:extLst>
+          </p:cNvPr>
+          <p:cNvGraphicFramePr>
+            <a:graphicFrameLocks noGrp="1"/>
+          </p:cNvGraphicFramePr>
+          <p:nvPr>
+            <p:extLst>
+              <p:ext uri="{D42A27DB-BD31-4B8C-83A1-F6EECF244321}">
+                <p14:modId xmlns:p14="http://schemas.microsoft.com/office/powerpoint/2010/main" val="822514885"/>
+              </p:ext>
+            </p:extLst>
+          </p:nvPr>
+        </p:nvGraphicFramePr>
+        <p:xfrm>
+          <a:off x="761998" y="4742600"/>
+          <a:ext cx="4455462" cy="741680"/>
+        </p:xfrm>
+        <a:graphic>
+          <a:graphicData uri="http://schemas.openxmlformats.org/drawingml/2006/table">
+            <a:tbl>
+              <a:tblPr firstRow="1" bandRow="1">
+                <a:tableStyleId>{5C22544A-7EE6-4342-B048-85BDC9FD1C3A}</a:tableStyleId>
+              </a:tblPr>
+              <a:tblGrid>
+                <a:gridCol w="1485154">
+                  <a:extLst>
+                    <a:ext uri="{9D8B030D-6E8A-4147-A177-3AD203B41FA5}">
+                      <a16:colId xmlns:a16="http://schemas.microsoft.com/office/drawing/2014/main" val="970641329"/>
+                    </a:ext>
+                  </a:extLst>
+                </a:gridCol>
+                <a:gridCol w="1485154">
+                  <a:extLst>
+                    <a:ext uri="{9D8B030D-6E8A-4147-A177-3AD203B41FA5}">
+                      <a16:colId xmlns:a16="http://schemas.microsoft.com/office/drawing/2014/main" val="2314803691"/>
+                    </a:ext>
+                  </a:extLst>
+                </a:gridCol>
+                <a:gridCol w="1485154">
+                  <a:extLst>
+                    <a:ext uri="{9D8B030D-6E8A-4147-A177-3AD203B41FA5}">
+                      <a16:colId xmlns:a16="http://schemas.microsoft.com/office/drawing/2014/main" val="991034245"/>
+                    </a:ext>
+                  </a:extLst>
+                </a:gridCol>
+              </a:tblGrid>
+              <a:tr h="370840">
+                <a:tc>
+                  <a:txBody>
+                    <a:bodyPr/>
+                    <a:lstStyle/>
+                    <a:p>
+                      <a:r>
+                        <a:rPr lang="en-IN" dirty="0"/>
+                        <a:t>EmpNo</a:t>
+                      </a:r>
+                      <a:endParaRPr lang="en-US" dirty="0"/>
+                    </a:p>
+                  </a:txBody>
+                  <a:tcPr/>
+                </a:tc>
+                <a:tc>
+                  <a:txBody>
+                    <a:bodyPr/>
+                    <a:lstStyle/>
+                    <a:p>
+                      <a:r>
+                        <a:rPr lang="en-IN" dirty="0"/>
+                        <a:t>EmpName</a:t>
+                      </a:r>
+                      <a:endParaRPr lang="en-US" dirty="0"/>
+                    </a:p>
+                  </a:txBody>
+                  <a:tcPr/>
+                </a:tc>
+                <a:tc>
+                  <a:txBody>
+                    <a:bodyPr/>
+                    <a:lstStyle/>
+                    <a:p>
+                      <a:r>
+                        <a:rPr lang="en-IN"/>
+                        <a:t>Salary</a:t>
+                      </a:r>
+                      <a:endParaRPr lang="en-US"/>
+                    </a:p>
+                  </a:txBody>
+                  <a:tcPr/>
+                </a:tc>
+                <a:extLst>
+                  <a:ext uri="{0D108BD9-81ED-4DB2-BD59-A6C34878D82A}">
+                    <a16:rowId xmlns:a16="http://schemas.microsoft.com/office/drawing/2014/main" val="4233856042"/>
+                  </a:ext>
+                </a:extLst>
+              </a:tr>
+              <a:tr h="370840">
+                <a:tc>
+                  <a:txBody>
+                    <a:bodyPr/>
+                    <a:lstStyle/>
+                    <a:p>
+                      <a:endParaRPr lang="en-US"/>
+                    </a:p>
+                  </a:txBody>
+                  <a:tcPr/>
+                </a:tc>
+                <a:tc>
+                  <a:txBody>
+                    <a:bodyPr/>
+                    <a:lstStyle/>
+                    <a:p>
+                      <a:endParaRPr lang="en-US"/>
+                    </a:p>
+                  </a:txBody>
+                  <a:tcPr/>
+                </a:tc>
+                <a:tc>
+                  <a:txBody>
+                    <a:bodyPr/>
+                    <a:lstStyle/>
+                    <a:p>
+                      <a:endParaRPr lang="en-US" dirty="0"/>
+                    </a:p>
+                  </a:txBody>
+                  <a:tcPr/>
+                </a:tc>
+                <a:extLst>
+                  <a:ext uri="{0D108BD9-81ED-4DB2-BD59-A6C34878D82A}">
+                    <a16:rowId xmlns:a16="http://schemas.microsoft.com/office/drawing/2014/main" val="2290728335"/>
+                  </a:ext>
+                </a:extLst>
+              </a:tr>
+            </a:tbl>
+          </a:graphicData>
+        </a:graphic>
+      </p:graphicFrame>
+    </p:spTree>
+    <p:extLst>
+      <p:ext uri="{BB962C8B-B14F-4D97-AF65-F5344CB8AC3E}">
+        <p14:creationId xmlns:p14="http://schemas.microsoft.com/office/powerpoint/2010/main" val="841973539"/>
+      </p:ext>
+    </p:extLst>
+  </p:cSld>
+  <p:clrMapOvr>
+    <a:masterClrMapping/>
+  </p:clrMapOvr>
+</p:sld>
+</file>
+
 <file path=ppt/theme/theme1.xml><?xml version="1.0" encoding="utf-8"?>
 <a:theme xmlns:a="http://schemas.openxmlformats.org/drawingml/2006/main" name="Office Theme">
   <a:themeElements>

--- a/images_NG.pptx
+++ b/images_NG.pptx
@@ -10,6 +10,9 @@
     <p:sldId id="258" r:id="rId4"/>
     <p:sldId id="259" r:id="rId5"/>
     <p:sldId id="260" r:id="rId6"/>
+    <p:sldId id="262" r:id="rId7"/>
+    <p:sldId id="263" r:id="rId8"/>
+    <p:sldId id="261" r:id="rId9"/>
   </p:sldIdLst>
   <p:sldSz cx="12192000" cy="6858000"/>
   <p:notesSz cx="6858000" cy="9144000"/>
@@ -263,7 +266,7 @@
           <a:p>
             <a:fld id="{9E44D11B-64D0-4128-AB06-3651AB0BE39E}" type="datetimeFigureOut">
               <a:rPr lang="en-US" smtClean="0"/>
-              <a:t>1/18/2022</a:t>
+              <a:t>2/7/2022</a:t>
             </a:fld>
             <a:endParaRPr lang="en-US"/>
           </a:p>
@@ -461,7 +464,7 @@
           <a:p>
             <a:fld id="{9E44D11B-64D0-4128-AB06-3651AB0BE39E}" type="datetimeFigureOut">
               <a:rPr lang="en-US" smtClean="0"/>
-              <a:t>1/18/2022</a:t>
+              <a:t>2/7/2022</a:t>
             </a:fld>
             <a:endParaRPr lang="en-US"/>
           </a:p>
@@ -669,7 +672,7 @@
           <a:p>
             <a:fld id="{9E44D11B-64D0-4128-AB06-3651AB0BE39E}" type="datetimeFigureOut">
               <a:rPr lang="en-US" smtClean="0"/>
-              <a:t>1/18/2022</a:t>
+              <a:t>2/7/2022</a:t>
             </a:fld>
             <a:endParaRPr lang="en-US"/>
           </a:p>
@@ -867,7 +870,7 @@
           <a:p>
             <a:fld id="{9E44D11B-64D0-4128-AB06-3651AB0BE39E}" type="datetimeFigureOut">
               <a:rPr lang="en-US" smtClean="0"/>
-              <a:t>1/18/2022</a:t>
+              <a:t>2/7/2022</a:t>
             </a:fld>
             <a:endParaRPr lang="en-US"/>
           </a:p>
@@ -1142,7 +1145,7 @@
           <a:p>
             <a:fld id="{9E44D11B-64D0-4128-AB06-3651AB0BE39E}" type="datetimeFigureOut">
               <a:rPr lang="en-US" smtClean="0"/>
-              <a:t>1/18/2022</a:t>
+              <a:t>2/7/2022</a:t>
             </a:fld>
             <a:endParaRPr lang="en-US"/>
           </a:p>
@@ -1407,7 +1410,7 @@
           <a:p>
             <a:fld id="{9E44D11B-64D0-4128-AB06-3651AB0BE39E}" type="datetimeFigureOut">
               <a:rPr lang="en-US" smtClean="0"/>
-              <a:t>1/18/2022</a:t>
+              <a:t>2/7/2022</a:t>
             </a:fld>
             <a:endParaRPr lang="en-US"/>
           </a:p>
@@ -1819,7 +1822,7 @@
           <a:p>
             <a:fld id="{9E44D11B-64D0-4128-AB06-3651AB0BE39E}" type="datetimeFigureOut">
               <a:rPr lang="en-US" smtClean="0"/>
-              <a:t>1/18/2022</a:t>
+              <a:t>2/7/2022</a:t>
             </a:fld>
             <a:endParaRPr lang="en-US"/>
           </a:p>
@@ -1960,7 +1963,7 @@
           <a:p>
             <a:fld id="{9E44D11B-64D0-4128-AB06-3651AB0BE39E}" type="datetimeFigureOut">
               <a:rPr lang="en-US" smtClean="0"/>
-              <a:t>1/18/2022</a:t>
+              <a:t>2/7/2022</a:t>
             </a:fld>
             <a:endParaRPr lang="en-US"/>
           </a:p>
@@ -2073,7 +2076,7 @@
           <a:p>
             <a:fld id="{9E44D11B-64D0-4128-AB06-3651AB0BE39E}" type="datetimeFigureOut">
               <a:rPr lang="en-US" smtClean="0"/>
-              <a:t>1/18/2022</a:t>
+              <a:t>2/7/2022</a:t>
             </a:fld>
             <a:endParaRPr lang="en-US"/>
           </a:p>
@@ -2384,7 +2387,7 @@
           <a:p>
             <a:fld id="{9E44D11B-64D0-4128-AB06-3651AB0BE39E}" type="datetimeFigureOut">
               <a:rPr lang="en-US" smtClean="0"/>
-              <a:t>1/18/2022</a:t>
+              <a:t>2/7/2022</a:t>
             </a:fld>
             <a:endParaRPr lang="en-US"/>
           </a:p>
@@ -2672,7 +2675,7 @@
           <a:p>
             <a:fld id="{9E44D11B-64D0-4128-AB06-3651AB0BE39E}" type="datetimeFigureOut">
               <a:rPr lang="en-US" smtClean="0"/>
-              <a:t>1/18/2022</a:t>
+              <a:t>2/7/2022</a:t>
             </a:fld>
             <a:endParaRPr lang="en-US"/>
           </a:p>
@@ -2913,7 +2916,7 @@
           <a:p>
             <a:fld id="{9E44D11B-64D0-4128-AB06-3651AB0BE39E}" type="datetimeFigureOut">
               <a:rPr lang="en-US" smtClean="0"/>
-              <a:t>1/18/2022</a:t>
+              <a:t>2/7/2022</a:t>
             </a:fld>
             <a:endParaRPr lang="en-US"/>
           </a:p>
@@ -9928,6 +9931,2067 @@
 </p:sld>
 </file>
 
+<file path=ppt/slides/slide6.xml><?xml version="1.0" encoding="utf-8"?>
+<p:sld xmlns:a="http://schemas.openxmlformats.org/drawingml/2006/main" xmlns:r="http://schemas.openxmlformats.org/officeDocument/2006/relationships" xmlns:p="http://schemas.openxmlformats.org/presentationml/2006/main">
+  <p:cSld>
+    <p:spTree>
+      <p:nvGrpSpPr>
+        <p:cNvPr id="1" name=""/>
+        <p:cNvGrpSpPr/>
+        <p:nvPr/>
+      </p:nvGrpSpPr>
+      <p:grpSpPr>
+        <a:xfrm>
+          <a:off x="0" y="0"/>
+          <a:ext cx="0" cy="0"/>
+          <a:chOff x="0" y="0"/>
+          <a:chExt cx="0" cy="0"/>
+        </a:xfrm>
+      </p:grpSpPr>
+      <p:sp>
+        <p:nvSpPr>
+          <p:cNvPr id="2" name="Rectangle 1">
+            <a:extLst>
+              <a:ext uri="{FF2B5EF4-FFF2-40B4-BE49-F238E27FC236}">
+                <a16:creationId xmlns:a16="http://schemas.microsoft.com/office/drawing/2014/main" id="{764DDE09-41BF-4F1D-908B-ED3451DE2808}"/>
+              </a:ext>
+            </a:extLst>
+          </p:cNvPr>
+          <p:cNvSpPr/>
+          <p:nvPr/>
+        </p:nvSpPr>
+        <p:spPr>
+          <a:xfrm>
+            <a:off x="179294" y="376518"/>
+            <a:ext cx="1694330" cy="6122894"/>
+          </a:xfrm>
+          <a:prstGeom prst="rect">
+            <a:avLst/>
+          </a:prstGeom>
+        </p:spPr>
+        <p:style>
+          <a:lnRef idx="2">
+            <a:schemeClr val="accent1">
+              <a:shade val="50000"/>
+            </a:schemeClr>
+          </a:lnRef>
+          <a:fillRef idx="1">
+            <a:schemeClr val="accent1"/>
+          </a:fillRef>
+          <a:effectRef idx="0">
+            <a:schemeClr val="accent1"/>
+          </a:effectRef>
+          <a:fontRef idx="minor">
+            <a:schemeClr val="lt1"/>
+          </a:fontRef>
+        </p:style>
+        <p:txBody>
+          <a:bodyPr rtlCol="0" anchor="ctr"/>
+          <a:lstStyle/>
+          <a:p>
+            <a:pPr algn="ctr"/>
+            <a:r>
+              <a:rPr lang="en-IN" b="1" dirty="0"/>
+              <a:t>C</a:t>
+            </a:r>
+          </a:p>
+          <a:p>
+            <a:pPr algn="ctr"/>
+            <a:r>
+              <a:rPr lang="en-IN" b="1" dirty="0"/>
+              <a:t>L</a:t>
+            </a:r>
+          </a:p>
+          <a:p>
+            <a:pPr algn="ctr"/>
+            <a:r>
+              <a:rPr lang="en-IN" b="1" dirty="0"/>
+              <a:t>I</a:t>
+            </a:r>
+          </a:p>
+          <a:p>
+            <a:pPr algn="ctr"/>
+            <a:r>
+              <a:rPr lang="en-IN" b="1" dirty="0"/>
+              <a:t>E</a:t>
+            </a:r>
+          </a:p>
+          <a:p>
+            <a:pPr algn="ctr"/>
+            <a:r>
+              <a:rPr lang="en-IN" b="1" dirty="0"/>
+              <a:t>N</a:t>
+            </a:r>
+          </a:p>
+          <a:p>
+            <a:pPr algn="ctr"/>
+            <a:r>
+              <a:rPr lang="en-IN" b="1" dirty="0"/>
+              <a:t>T</a:t>
+            </a:r>
+            <a:endParaRPr lang="en-US" b="1" dirty="0"/>
+          </a:p>
+        </p:txBody>
+      </p:sp>
+      <p:sp>
+        <p:nvSpPr>
+          <p:cNvPr id="3" name="Rectangle 2">
+            <a:extLst>
+              <a:ext uri="{FF2B5EF4-FFF2-40B4-BE49-F238E27FC236}">
+                <a16:creationId xmlns:a16="http://schemas.microsoft.com/office/drawing/2014/main" id="{2BC273F0-A166-4E95-A399-68DF7D79F759}"/>
+              </a:ext>
+            </a:extLst>
+          </p:cNvPr>
+          <p:cNvSpPr/>
+          <p:nvPr/>
+        </p:nvSpPr>
+        <p:spPr>
+          <a:xfrm>
+            <a:off x="9834282" y="367553"/>
+            <a:ext cx="1694330" cy="6122894"/>
+          </a:xfrm>
+          <a:prstGeom prst="rect">
+            <a:avLst/>
+          </a:prstGeom>
+        </p:spPr>
+        <p:style>
+          <a:lnRef idx="2">
+            <a:schemeClr val="accent4">
+              <a:shade val="50000"/>
+            </a:schemeClr>
+          </a:lnRef>
+          <a:fillRef idx="1">
+            <a:schemeClr val="accent4"/>
+          </a:fillRef>
+          <a:effectRef idx="0">
+            <a:schemeClr val="accent4"/>
+          </a:effectRef>
+          <a:fontRef idx="minor">
+            <a:schemeClr val="lt1"/>
+          </a:fontRef>
+        </p:style>
+        <p:txBody>
+          <a:bodyPr rtlCol="0" anchor="ctr"/>
+          <a:lstStyle/>
+          <a:p>
+            <a:pPr algn="ctr"/>
+            <a:r>
+              <a:rPr lang="en-IN" b="1" dirty="0"/>
+              <a:t>S</a:t>
+            </a:r>
+          </a:p>
+          <a:p>
+            <a:pPr algn="ctr"/>
+            <a:r>
+              <a:rPr lang="en-IN" b="1" dirty="0"/>
+              <a:t>E</a:t>
+            </a:r>
+          </a:p>
+          <a:p>
+            <a:pPr algn="ctr"/>
+            <a:r>
+              <a:rPr lang="en-IN" b="1" dirty="0"/>
+              <a:t>R</a:t>
+            </a:r>
+          </a:p>
+          <a:p>
+            <a:pPr algn="ctr"/>
+            <a:r>
+              <a:rPr lang="en-IN" b="1" dirty="0"/>
+              <a:t>V</a:t>
+            </a:r>
+          </a:p>
+          <a:p>
+            <a:pPr algn="ctr"/>
+            <a:r>
+              <a:rPr lang="en-IN" b="1" dirty="0"/>
+              <a:t>I</a:t>
+            </a:r>
+          </a:p>
+          <a:p>
+            <a:pPr algn="ctr"/>
+            <a:r>
+              <a:rPr lang="en-IN" b="1" dirty="0"/>
+              <a:t>C</a:t>
+            </a:r>
+          </a:p>
+          <a:p>
+            <a:pPr algn="ctr"/>
+            <a:r>
+              <a:rPr lang="en-IN" b="1" dirty="0"/>
+              <a:t>E</a:t>
+            </a:r>
+            <a:endParaRPr lang="en-US" b="1" dirty="0"/>
+          </a:p>
+        </p:txBody>
+      </p:sp>
+      <p:sp>
+        <p:nvSpPr>
+          <p:cNvPr id="4" name="Arrow: Right 3">
+            <a:extLst>
+              <a:ext uri="{FF2B5EF4-FFF2-40B4-BE49-F238E27FC236}">
+                <a16:creationId xmlns:a16="http://schemas.microsoft.com/office/drawing/2014/main" id="{48E152C4-1034-4996-8977-CFE1E4070A9B}"/>
+              </a:ext>
+            </a:extLst>
+          </p:cNvPr>
+          <p:cNvSpPr/>
+          <p:nvPr/>
+        </p:nvSpPr>
+        <p:spPr>
+          <a:xfrm>
+            <a:off x="1873624" y="475129"/>
+            <a:ext cx="7960658" cy="681318"/>
+          </a:xfrm>
+          <a:prstGeom prst="rightArrow">
+            <a:avLst/>
+          </a:prstGeom>
+        </p:spPr>
+        <p:style>
+          <a:lnRef idx="2">
+            <a:schemeClr val="accent1">
+              <a:shade val="50000"/>
+            </a:schemeClr>
+          </a:lnRef>
+          <a:fillRef idx="1">
+            <a:schemeClr val="accent1"/>
+          </a:fillRef>
+          <a:effectRef idx="0">
+            <a:schemeClr val="accent1"/>
+          </a:effectRef>
+          <a:fontRef idx="minor">
+            <a:schemeClr val="lt1"/>
+          </a:fontRef>
+        </p:style>
+        <p:txBody>
+          <a:bodyPr rtlCol="0" anchor="ctr"/>
+          <a:lstStyle/>
+          <a:p>
+            <a:pPr algn="ctr"/>
+            <a:r>
+              <a:rPr lang="en-IN" b="1" dirty="0"/>
+              <a:t>1. Http Async Request </a:t>
+            </a:r>
+            <a:endParaRPr lang="en-US" b="1" dirty="0"/>
+          </a:p>
+        </p:txBody>
+      </p:sp>
+      <p:sp>
+        <p:nvSpPr>
+          <p:cNvPr id="5" name="TextBox 4">
+            <a:extLst>
+              <a:ext uri="{FF2B5EF4-FFF2-40B4-BE49-F238E27FC236}">
+                <a16:creationId xmlns:a16="http://schemas.microsoft.com/office/drawing/2014/main" id="{A324B310-9F3F-4E70-A39E-DB525C59AE7A}"/>
+              </a:ext>
+            </a:extLst>
+          </p:cNvPr>
+          <p:cNvSpPr txBox="1"/>
+          <p:nvPr/>
+        </p:nvSpPr>
+        <p:spPr>
+          <a:xfrm>
+            <a:off x="9968753" y="672353"/>
+            <a:ext cx="1559859" cy="1200329"/>
+          </a:xfrm>
+          <a:prstGeom prst="rect">
+            <a:avLst/>
+          </a:prstGeom>
+          <a:noFill/>
+        </p:spPr>
+        <p:txBody>
+          <a:bodyPr wrap="square" rtlCol="0">
+            <a:spAutoFit/>
+          </a:bodyPr>
+          <a:lstStyle/>
+          <a:p>
+            <a:r>
+              <a:rPr lang="en-IN" dirty="0"/>
+              <a:t>2. Access Request</a:t>
+            </a:r>
+          </a:p>
+          <a:p>
+            <a:r>
+              <a:rPr lang="en-IN" dirty="0"/>
+              <a:t>And Take it for Process</a:t>
+            </a:r>
+            <a:endParaRPr lang="en-US" dirty="0"/>
+          </a:p>
+        </p:txBody>
+      </p:sp>
+      <p:sp>
+        <p:nvSpPr>
+          <p:cNvPr id="6" name="Arrow: Left 5">
+            <a:extLst>
+              <a:ext uri="{FF2B5EF4-FFF2-40B4-BE49-F238E27FC236}">
+                <a16:creationId xmlns:a16="http://schemas.microsoft.com/office/drawing/2014/main" id="{7845474D-13DD-4145-B736-E0F9D695728C}"/>
+              </a:ext>
+            </a:extLst>
+          </p:cNvPr>
+          <p:cNvSpPr/>
+          <p:nvPr/>
+        </p:nvSpPr>
+        <p:spPr>
+          <a:xfrm>
+            <a:off x="4589929" y="1550894"/>
+            <a:ext cx="5244353" cy="941294"/>
+          </a:xfrm>
+          <a:prstGeom prst="leftArrow">
+            <a:avLst/>
+          </a:prstGeom>
+        </p:spPr>
+        <p:style>
+          <a:lnRef idx="2">
+            <a:schemeClr val="accent1">
+              <a:shade val="50000"/>
+            </a:schemeClr>
+          </a:lnRef>
+          <a:fillRef idx="1">
+            <a:schemeClr val="accent1"/>
+          </a:fillRef>
+          <a:effectRef idx="0">
+            <a:schemeClr val="accent1"/>
+          </a:effectRef>
+          <a:fontRef idx="minor">
+            <a:schemeClr val="lt1"/>
+          </a:fontRef>
+        </p:style>
+        <p:txBody>
+          <a:bodyPr rtlCol="0" anchor="ctr"/>
+          <a:lstStyle/>
+          <a:p>
+            <a:pPr algn="ctr"/>
+            <a:r>
+              <a:rPr lang="en-IN" b="1" dirty="0"/>
+              <a:t>3. A Promise Response ask Acknowledgement</a:t>
+            </a:r>
+            <a:endParaRPr lang="en-US" b="1" dirty="0"/>
+          </a:p>
+        </p:txBody>
+      </p:sp>
+      <p:sp>
+        <p:nvSpPr>
+          <p:cNvPr id="7" name="Arrow: Right 6">
+            <a:extLst>
+              <a:ext uri="{FF2B5EF4-FFF2-40B4-BE49-F238E27FC236}">
+                <a16:creationId xmlns:a16="http://schemas.microsoft.com/office/drawing/2014/main" id="{448F8129-A0B0-4CA5-BE23-01850D3EBF69}"/>
+              </a:ext>
+            </a:extLst>
+          </p:cNvPr>
+          <p:cNvSpPr/>
+          <p:nvPr/>
+        </p:nvSpPr>
+        <p:spPr>
+          <a:xfrm>
+            <a:off x="1873624" y="1416424"/>
+            <a:ext cx="3039035" cy="618564"/>
+          </a:xfrm>
+          <a:prstGeom prst="rightArrow">
+            <a:avLst/>
+          </a:prstGeom>
+        </p:spPr>
+        <p:style>
+          <a:lnRef idx="2">
+            <a:schemeClr val="accent1">
+              <a:shade val="50000"/>
+            </a:schemeClr>
+          </a:lnRef>
+          <a:fillRef idx="1">
+            <a:schemeClr val="accent1"/>
+          </a:fillRef>
+          <a:effectRef idx="0">
+            <a:schemeClr val="accent1"/>
+          </a:effectRef>
+          <a:fontRef idx="minor">
+            <a:schemeClr val="lt1"/>
+          </a:fontRef>
+        </p:style>
+        <p:txBody>
+          <a:bodyPr rtlCol="0" anchor="ctr"/>
+          <a:lstStyle/>
+          <a:p>
+            <a:pPr algn="ctr"/>
+            <a:r>
+              <a:rPr lang="en-IN" sz="1600" b="1" dirty="0"/>
+              <a:t>4. Client Subscribe to Promise</a:t>
+            </a:r>
+            <a:endParaRPr lang="en-US" sz="1600" b="1" dirty="0"/>
+          </a:p>
+        </p:txBody>
+      </p:sp>
+      <p:sp>
+        <p:nvSpPr>
+          <p:cNvPr id="9" name="TextBox 8">
+            <a:extLst>
+              <a:ext uri="{FF2B5EF4-FFF2-40B4-BE49-F238E27FC236}">
+                <a16:creationId xmlns:a16="http://schemas.microsoft.com/office/drawing/2014/main" id="{D7C730F6-4BB9-4FB6-AD84-E3E1BCFE3D53}"/>
+              </a:ext>
+            </a:extLst>
+          </p:cNvPr>
+          <p:cNvSpPr txBox="1"/>
+          <p:nvPr/>
+        </p:nvSpPr>
+        <p:spPr>
+          <a:xfrm>
+            <a:off x="242047" y="1872682"/>
+            <a:ext cx="1497106" cy="646331"/>
+          </a:xfrm>
+          <a:prstGeom prst="rect">
+            <a:avLst/>
+          </a:prstGeom>
+          <a:noFill/>
+        </p:spPr>
+        <p:txBody>
+          <a:bodyPr wrap="square" rtlCol="0">
+            <a:spAutoFit/>
+          </a:bodyPr>
+          <a:lstStyle/>
+          <a:p>
+            <a:r>
+              <a:rPr lang="en-IN" dirty="0"/>
+              <a:t>5. Continue Execution</a:t>
+            </a:r>
+            <a:endParaRPr lang="en-US" dirty="0"/>
+          </a:p>
+        </p:txBody>
+      </p:sp>
+      <p:sp>
+        <p:nvSpPr>
+          <p:cNvPr id="10" name="TextBox 9">
+            <a:extLst>
+              <a:ext uri="{FF2B5EF4-FFF2-40B4-BE49-F238E27FC236}">
+                <a16:creationId xmlns:a16="http://schemas.microsoft.com/office/drawing/2014/main" id="{8675CA7B-132A-4DDF-956D-0A80C731B013}"/>
+              </a:ext>
+            </a:extLst>
+          </p:cNvPr>
+          <p:cNvSpPr txBox="1"/>
+          <p:nvPr/>
+        </p:nvSpPr>
+        <p:spPr>
+          <a:xfrm>
+            <a:off x="9901517" y="4385154"/>
+            <a:ext cx="1559859" cy="1754326"/>
+          </a:xfrm>
+          <a:prstGeom prst="rect">
+            <a:avLst/>
+          </a:prstGeom>
+          <a:noFill/>
+        </p:spPr>
+        <p:txBody>
+          <a:bodyPr wrap="square" rtlCol="0">
+            <a:spAutoFit/>
+          </a:bodyPr>
+          <a:lstStyle/>
+          <a:p>
+            <a:r>
+              <a:rPr lang="en-IN" dirty="0"/>
+              <a:t>6. Service is done with Execution and it send response to Promise</a:t>
+            </a:r>
+            <a:endParaRPr lang="en-US" dirty="0"/>
+          </a:p>
+        </p:txBody>
+      </p:sp>
+      <p:sp>
+        <p:nvSpPr>
+          <p:cNvPr id="11" name="Arrow: Bent-Up 10">
+            <a:extLst>
+              <a:ext uri="{FF2B5EF4-FFF2-40B4-BE49-F238E27FC236}">
+                <a16:creationId xmlns:a16="http://schemas.microsoft.com/office/drawing/2014/main" id="{9D6489CF-2654-4941-A3DA-264152D8B83C}"/>
+              </a:ext>
+            </a:extLst>
+          </p:cNvPr>
+          <p:cNvSpPr/>
+          <p:nvPr/>
+        </p:nvSpPr>
+        <p:spPr>
+          <a:xfrm flipH="1">
+            <a:off x="5782234" y="2232212"/>
+            <a:ext cx="4052044" cy="3074894"/>
+          </a:xfrm>
+          <a:prstGeom prst="bentUpArrow">
+            <a:avLst/>
+          </a:prstGeom>
+        </p:spPr>
+        <p:style>
+          <a:lnRef idx="2">
+            <a:schemeClr val="accent1">
+              <a:shade val="50000"/>
+            </a:schemeClr>
+          </a:lnRef>
+          <a:fillRef idx="1">
+            <a:schemeClr val="accent1"/>
+          </a:fillRef>
+          <a:effectRef idx="0">
+            <a:schemeClr val="accent1"/>
+          </a:effectRef>
+          <a:fontRef idx="minor">
+            <a:schemeClr val="lt1"/>
+          </a:fontRef>
+        </p:style>
+        <p:txBody>
+          <a:bodyPr rtlCol="0" anchor="ctr"/>
+          <a:lstStyle/>
+          <a:p>
+            <a:pPr algn="ctr"/>
+            <a:endParaRPr lang="en-US"/>
+          </a:p>
+        </p:txBody>
+      </p:sp>
+      <p:sp>
+        <p:nvSpPr>
+          <p:cNvPr id="12" name="TextBox 11">
+            <a:extLst>
+              <a:ext uri="{FF2B5EF4-FFF2-40B4-BE49-F238E27FC236}">
+                <a16:creationId xmlns:a16="http://schemas.microsoft.com/office/drawing/2014/main" id="{C7D3FDBE-5647-41AC-80C3-3806041FFFEE}"/>
+              </a:ext>
+            </a:extLst>
+          </p:cNvPr>
+          <p:cNvSpPr txBox="1"/>
+          <p:nvPr/>
+        </p:nvSpPr>
+        <p:spPr>
+          <a:xfrm>
+            <a:off x="6983506" y="3173506"/>
+            <a:ext cx="2420470" cy="923330"/>
+          </a:xfrm>
+          <a:prstGeom prst="rect">
+            <a:avLst/>
+          </a:prstGeom>
+          <a:noFill/>
+        </p:spPr>
+        <p:txBody>
+          <a:bodyPr wrap="square" rtlCol="0">
+            <a:spAutoFit/>
+          </a:bodyPr>
+          <a:lstStyle/>
+          <a:p>
+            <a:r>
+              <a:rPr lang="en-IN" dirty="0"/>
+              <a:t>7. Promise Response</a:t>
+            </a:r>
+          </a:p>
+          <a:p>
+            <a:endParaRPr lang="en-IN" dirty="0"/>
+          </a:p>
+          <a:p>
+            <a:r>
+              <a:rPr lang="en-IN" dirty="0"/>
+              <a:t>Success or Failure</a:t>
+            </a:r>
+            <a:endParaRPr lang="en-US" dirty="0"/>
+          </a:p>
+        </p:txBody>
+      </p:sp>
+      <p:sp>
+        <p:nvSpPr>
+          <p:cNvPr id="13" name="Rectangle: Rounded Corners 12">
+            <a:extLst>
+              <a:ext uri="{FF2B5EF4-FFF2-40B4-BE49-F238E27FC236}">
+                <a16:creationId xmlns:a16="http://schemas.microsoft.com/office/drawing/2014/main" id="{EEF87F2E-F5AF-457C-BC8F-31CAC1BA6706}"/>
+              </a:ext>
+            </a:extLst>
+          </p:cNvPr>
+          <p:cNvSpPr/>
+          <p:nvPr/>
+        </p:nvSpPr>
+        <p:spPr>
+          <a:xfrm>
+            <a:off x="3177988" y="3285530"/>
+            <a:ext cx="2357717" cy="1425388"/>
+          </a:xfrm>
+          <a:prstGeom prst="roundRect">
+            <a:avLst/>
+          </a:prstGeom>
+        </p:spPr>
+        <p:style>
+          <a:lnRef idx="2">
+            <a:schemeClr val="accent1">
+              <a:shade val="50000"/>
+            </a:schemeClr>
+          </a:lnRef>
+          <a:fillRef idx="1">
+            <a:schemeClr val="accent1"/>
+          </a:fillRef>
+          <a:effectRef idx="0">
+            <a:schemeClr val="accent1"/>
+          </a:effectRef>
+          <a:fontRef idx="minor">
+            <a:schemeClr val="lt1"/>
+          </a:fontRef>
+        </p:style>
+        <p:txBody>
+          <a:bodyPr rtlCol="0" anchor="ctr"/>
+          <a:lstStyle/>
+          <a:p>
+            <a:pPr algn="ctr"/>
+            <a:r>
+              <a:rPr lang="en-IN" dirty="0"/>
+              <a:t>8. Promise Wrapper</a:t>
+            </a:r>
+          </a:p>
+          <a:p>
+            <a:pPr algn="ctr"/>
+            <a:r>
+              <a:rPr lang="en-IN" dirty="0"/>
+              <a:t>Success OR Failure</a:t>
+            </a:r>
+            <a:endParaRPr lang="en-US" dirty="0"/>
+          </a:p>
+        </p:txBody>
+      </p:sp>
+      <p:sp>
+        <p:nvSpPr>
+          <p:cNvPr id="14" name="Arrow: Down 13">
+            <a:extLst>
+              <a:ext uri="{FF2B5EF4-FFF2-40B4-BE49-F238E27FC236}">
+                <a16:creationId xmlns:a16="http://schemas.microsoft.com/office/drawing/2014/main" id="{77DD3408-62C3-4F2D-8E1E-25CFA5718AD5}"/>
+              </a:ext>
+            </a:extLst>
+          </p:cNvPr>
+          <p:cNvSpPr/>
+          <p:nvPr/>
+        </p:nvSpPr>
+        <p:spPr>
+          <a:xfrm>
+            <a:off x="4661647" y="2151495"/>
+            <a:ext cx="367553" cy="1134035"/>
+          </a:xfrm>
+          <a:prstGeom prst="downArrow">
+            <a:avLst/>
+          </a:prstGeom>
+        </p:spPr>
+        <p:style>
+          <a:lnRef idx="2">
+            <a:schemeClr val="accent1">
+              <a:shade val="50000"/>
+            </a:schemeClr>
+          </a:lnRef>
+          <a:fillRef idx="1">
+            <a:schemeClr val="accent1"/>
+          </a:fillRef>
+          <a:effectRef idx="0">
+            <a:schemeClr val="accent1"/>
+          </a:effectRef>
+          <a:fontRef idx="minor">
+            <a:schemeClr val="lt1"/>
+          </a:fontRef>
+        </p:style>
+        <p:txBody>
+          <a:bodyPr rtlCol="0" anchor="ctr"/>
+          <a:lstStyle/>
+          <a:p>
+            <a:pPr algn="ctr"/>
+            <a:endParaRPr lang="en-US"/>
+          </a:p>
+        </p:txBody>
+      </p:sp>
+      <p:cxnSp>
+        <p:nvCxnSpPr>
+          <p:cNvPr id="16" name="Connector: Curved 15">
+            <a:extLst>
+              <a:ext uri="{FF2B5EF4-FFF2-40B4-BE49-F238E27FC236}">
+                <a16:creationId xmlns:a16="http://schemas.microsoft.com/office/drawing/2014/main" id="{4D20D1E8-E286-4E60-990A-2FFE904B50CC}"/>
+              </a:ext>
+            </a:extLst>
+          </p:cNvPr>
+          <p:cNvCxnSpPr>
+            <a:endCxn id="13" idx="1"/>
+          </p:cNvCxnSpPr>
+          <p:nvPr/>
+        </p:nvCxnSpPr>
+        <p:spPr>
+          <a:xfrm rot="16200000" flipH="1">
+            <a:off x="1839552" y="2659788"/>
+            <a:ext cx="2125542" cy="551329"/>
+          </a:xfrm>
+          <a:prstGeom prst="curvedConnector2">
+            <a:avLst/>
+          </a:prstGeom>
+          <a:ln>
+            <a:tailEnd type="triangle"/>
+          </a:ln>
+        </p:spPr>
+        <p:style>
+          <a:lnRef idx="1">
+            <a:schemeClr val="accent1"/>
+          </a:lnRef>
+          <a:fillRef idx="0">
+            <a:schemeClr val="accent1"/>
+          </a:fillRef>
+          <a:effectRef idx="0">
+            <a:schemeClr val="accent1"/>
+          </a:effectRef>
+          <a:fontRef idx="minor">
+            <a:schemeClr val="tx1"/>
+          </a:fontRef>
+        </p:style>
+      </p:cxnSp>
+      <p:sp>
+        <p:nvSpPr>
+          <p:cNvPr id="17" name="TextBox 16">
+            <a:extLst>
+              <a:ext uri="{FF2B5EF4-FFF2-40B4-BE49-F238E27FC236}">
+                <a16:creationId xmlns:a16="http://schemas.microsoft.com/office/drawing/2014/main" id="{4A2AFC59-4E31-4FCB-A61E-D1DAE93CD03A}"/>
+              </a:ext>
+            </a:extLst>
+          </p:cNvPr>
+          <p:cNvSpPr txBox="1"/>
+          <p:nvPr/>
+        </p:nvSpPr>
+        <p:spPr>
+          <a:xfrm>
+            <a:off x="2492187" y="4975412"/>
+            <a:ext cx="2743201" cy="1200329"/>
+          </a:xfrm>
+          <a:prstGeom prst="rect">
+            <a:avLst/>
+          </a:prstGeom>
+          <a:noFill/>
+        </p:spPr>
+        <p:txBody>
+          <a:bodyPr wrap="square" rtlCol="0">
+            <a:spAutoFit/>
+          </a:bodyPr>
+          <a:lstStyle/>
+          <a:p>
+            <a:r>
+              <a:rPr lang="en-IN" dirty="0"/>
+              <a:t>9. Use Promise Subscription and Unpack the wrapper to read the data</a:t>
+            </a:r>
+            <a:endParaRPr lang="en-US" dirty="0"/>
+          </a:p>
+        </p:txBody>
+      </p:sp>
+      <p:sp>
+        <p:nvSpPr>
+          <p:cNvPr id="18" name="Arrow: Left 17">
+            <a:extLst>
+              <a:ext uri="{FF2B5EF4-FFF2-40B4-BE49-F238E27FC236}">
+                <a16:creationId xmlns:a16="http://schemas.microsoft.com/office/drawing/2014/main" id="{2610934C-94CB-4878-9AE7-309CA2121C93}"/>
+              </a:ext>
+            </a:extLst>
+          </p:cNvPr>
+          <p:cNvSpPr/>
+          <p:nvPr/>
+        </p:nvSpPr>
+        <p:spPr>
+          <a:xfrm>
+            <a:off x="1907242" y="3998224"/>
+            <a:ext cx="1304360" cy="448235"/>
+          </a:xfrm>
+          <a:prstGeom prst="leftArrow">
+            <a:avLst/>
+          </a:prstGeom>
+        </p:spPr>
+        <p:style>
+          <a:lnRef idx="2">
+            <a:schemeClr val="accent1">
+              <a:shade val="50000"/>
+            </a:schemeClr>
+          </a:lnRef>
+          <a:fillRef idx="1">
+            <a:schemeClr val="accent1"/>
+          </a:fillRef>
+          <a:effectRef idx="0">
+            <a:schemeClr val="accent1"/>
+          </a:effectRef>
+          <a:fontRef idx="minor">
+            <a:schemeClr val="lt1"/>
+          </a:fontRef>
+        </p:style>
+        <p:txBody>
+          <a:bodyPr rtlCol="0" anchor="ctr"/>
+          <a:lstStyle/>
+          <a:p>
+            <a:pPr algn="ctr"/>
+            <a:r>
+              <a:rPr lang="en-IN" sz="1400" dirty="0"/>
+              <a:t>10. Response</a:t>
+            </a:r>
+            <a:endParaRPr lang="en-US" sz="1400" dirty="0"/>
+          </a:p>
+        </p:txBody>
+      </p:sp>
+      <p:cxnSp>
+        <p:nvCxnSpPr>
+          <p:cNvPr id="20" name="Straight Arrow Connector 19">
+            <a:extLst>
+              <a:ext uri="{FF2B5EF4-FFF2-40B4-BE49-F238E27FC236}">
+                <a16:creationId xmlns:a16="http://schemas.microsoft.com/office/drawing/2014/main" id="{5C8C2DF3-3FBB-4AC9-964F-F66474A47731}"/>
+              </a:ext>
+            </a:extLst>
+          </p:cNvPr>
+          <p:cNvCxnSpPr>
+            <a:stCxn id="17" idx="0"/>
+            <a:endCxn id="13" idx="2"/>
+          </p:cNvCxnSpPr>
+          <p:nvPr/>
+        </p:nvCxnSpPr>
+        <p:spPr>
+          <a:xfrm flipV="1">
+            <a:off x="3863788" y="4710918"/>
+            <a:ext cx="493059" cy="264494"/>
+          </a:xfrm>
+          <a:prstGeom prst="straightConnector1">
+            <a:avLst/>
+          </a:prstGeom>
+          <a:ln>
+            <a:tailEnd type="triangle"/>
+          </a:ln>
+        </p:spPr>
+        <p:style>
+          <a:lnRef idx="1">
+            <a:schemeClr val="accent1"/>
+          </a:lnRef>
+          <a:fillRef idx="0">
+            <a:schemeClr val="accent1"/>
+          </a:fillRef>
+          <a:effectRef idx="0">
+            <a:schemeClr val="accent1"/>
+          </a:effectRef>
+          <a:fontRef idx="minor">
+            <a:schemeClr val="tx1"/>
+          </a:fontRef>
+        </p:style>
+      </p:cxnSp>
+      <p:sp>
+        <p:nvSpPr>
+          <p:cNvPr id="21" name="TextBox 20">
+            <a:extLst>
+              <a:ext uri="{FF2B5EF4-FFF2-40B4-BE49-F238E27FC236}">
+                <a16:creationId xmlns:a16="http://schemas.microsoft.com/office/drawing/2014/main" id="{C70EA580-833A-46B1-BD8D-10C599749C63}"/>
+              </a:ext>
+            </a:extLst>
+          </p:cNvPr>
+          <p:cNvSpPr txBox="1"/>
+          <p:nvPr/>
+        </p:nvSpPr>
+        <p:spPr>
+          <a:xfrm>
+            <a:off x="304800" y="4446459"/>
+            <a:ext cx="1355913" cy="1754326"/>
+          </a:xfrm>
+          <a:prstGeom prst="rect">
+            <a:avLst/>
+          </a:prstGeom>
+          <a:noFill/>
+        </p:spPr>
+        <p:txBody>
+          <a:bodyPr wrap="square" rtlCol="0">
+            <a:spAutoFit/>
+          </a:bodyPr>
+          <a:lstStyle/>
+          <a:p>
+            <a:r>
+              <a:rPr lang="en-IN" dirty="0"/>
+              <a:t>11. Process the response, this may have I/O Blocking</a:t>
+            </a:r>
+            <a:endParaRPr lang="en-US" dirty="0"/>
+          </a:p>
+        </p:txBody>
+      </p:sp>
+      <p:sp>
+        <p:nvSpPr>
+          <p:cNvPr id="22" name="TextBox 21">
+            <a:extLst>
+              <a:ext uri="{FF2B5EF4-FFF2-40B4-BE49-F238E27FC236}">
+                <a16:creationId xmlns:a16="http://schemas.microsoft.com/office/drawing/2014/main" id="{5C573C4B-632C-4D33-BDFA-EDB1384547DC}"/>
+              </a:ext>
+            </a:extLst>
+          </p:cNvPr>
+          <p:cNvSpPr txBox="1"/>
+          <p:nvPr/>
+        </p:nvSpPr>
+        <p:spPr>
+          <a:xfrm>
+            <a:off x="3299012" y="116541"/>
+            <a:ext cx="5038164" cy="369332"/>
+          </a:xfrm>
+          <a:prstGeom prst="rect">
+            <a:avLst/>
+          </a:prstGeom>
+          <a:noFill/>
+        </p:spPr>
+        <p:txBody>
+          <a:bodyPr wrap="square" rtlCol="0">
+            <a:spAutoFit/>
+          </a:bodyPr>
+          <a:lstStyle/>
+          <a:p>
+            <a:pPr algn="ctr"/>
+            <a:r>
+              <a:rPr lang="en-IN" b="1" dirty="0"/>
+              <a:t>Promise Based Communication</a:t>
+            </a:r>
+            <a:endParaRPr lang="en-US" b="1" dirty="0"/>
+          </a:p>
+        </p:txBody>
+      </p:sp>
+    </p:spTree>
+    <p:extLst>
+      <p:ext uri="{BB962C8B-B14F-4D97-AF65-F5344CB8AC3E}">
+        <p14:creationId xmlns:p14="http://schemas.microsoft.com/office/powerpoint/2010/main" val="1666500261"/>
+      </p:ext>
+    </p:extLst>
+  </p:cSld>
+  <p:clrMapOvr>
+    <a:masterClrMapping/>
+  </p:clrMapOvr>
+</p:sld>
+</file>
+
+<file path=ppt/slides/slide7.xml><?xml version="1.0" encoding="utf-8"?>
+<p:sld xmlns:a="http://schemas.openxmlformats.org/drawingml/2006/main" xmlns:r="http://schemas.openxmlformats.org/officeDocument/2006/relationships" xmlns:p="http://schemas.openxmlformats.org/presentationml/2006/main">
+  <p:cSld>
+    <p:spTree>
+      <p:nvGrpSpPr>
+        <p:cNvPr id="1" name=""/>
+        <p:cNvGrpSpPr/>
+        <p:nvPr/>
+      </p:nvGrpSpPr>
+      <p:grpSpPr>
+        <a:xfrm>
+          <a:off x="0" y="0"/>
+          <a:ext cx="0" cy="0"/>
+          <a:chOff x="0" y="0"/>
+          <a:chExt cx="0" cy="0"/>
+        </a:xfrm>
+      </p:grpSpPr>
+      <p:sp>
+        <p:nvSpPr>
+          <p:cNvPr id="2" name="Rectangle 1">
+            <a:extLst>
+              <a:ext uri="{FF2B5EF4-FFF2-40B4-BE49-F238E27FC236}">
+                <a16:creationId xmlns:a16="http://schemas.microsoft.com/office/drawing/2014/main" id="{764DDE09-41BF-4F1D-908B-ED3451DE2808}"/>
+              </a:ext>
+            </a:extLst>
+          </p:cNvPr>
+          <p:cNvSpPr/>
+          <p:nvPr/>
+        </p:nvSpPr>
+        <p:spPr>
+          <a:xfrm>
+            <a:off x="179294" y="376518"/>
+            <a:ext cx="1694330" cy="6122894"/>
+          </a:xfrm>
+          <a:prstGeom prst="rect">
+            <a:avLst/>
+          </a:prstGeom>
+        </p:spPr>
+        <p:style>
+          <a:lnRef idx="2">
+            <a:schemeClr val="accent1">
+              <a:shade val="50000"/>
+            </a:schemeClr>
+          </a:lnRef>
+          <a:fillRef idx="1">
+            <a:schemeClr val="accent1"/>
+          </a:fillRef>
+          <a:effectRef idx="0">
+            <a:schemeClr val="accent1"/>
+          </a:effectRef>
+          <a:fontRef idx="minor">
+            <a:schemeClr val="lt1"/>
+          </a:fontRef>
+        </p:style>
+        <p:txBody>
+          <a:bodyPr rtlCol="0" anchor="ctr"/>
+          <a:lstStyle/>
+          <a:p>
+            <a:pPr algn="ctr"/>
+            <a:r>
+              <a:rPr lang="en-IN" b="1" dirty="0"/>
+              <a:t>C</a:t>
+            </a:r>
+          </a:p>
+          <a:p>
+            <a:pPr algn="ctr"/>
+            <a:r>
+              <a:rPr lang="en-IN" b="1" dirty="0"/>
+              <a:t>L</a:t>
+            </a:r>
+          </a:p>
+          <a:p>
+            <a:pPr algn="ctr"/>
+            <a:r>
+              <a:rPr lang="en-IN" b="1" dirty="0"/>
+              <a:t>I</a:t>
+            </a:r>
+          </a:p>
+          <a:p>
+            <a:pPr algn="ctr"/>
+            <a:r>
+              <a:rPr lang="en-IN" b="1" dirty="0"/>
+              <a:t>E</a:t>
+            </a:r>
+          </a:p>
+          <a:p>
+            <a:pPr algn="ctr"/>
+            <a:r>
+              <a:rPr lang="en-IN" b="1" dirty="0"/>
+              <a:t>N</a:t>
+            </a:r>
+          </a:p>
+          <a:p>
+            <a:pPr algn="ctr"/>
+            <a:r>
+              <a:rPr lang="en-IN" b="1" dirty="0"/>
+              <a:t>T</a:t>
+            </a:r>
+            <a:endParaRPr lang="en-US" b="1" dirty="0"/>
+          </a:p>
+        </p:txBody>
+      </p:sp>
+      <p:sp>
+        <p:nvSpPr>
+          <p:cNvPr id="3" name="Rectangle 2">
+            <a:extLst>
+              <a:ext uri="{FF2B5EF4-FFF2-40B4-BE49-F238E27FC236}">
+                <a16:creationId xmlns:a16="http://schemas.microsoft.com/office/drawing/2014/main" id="{2BC273F0-A166-4E95-A399-68DF7D79F759}"/>
+              </a:ext>
+            </a:extLst>
+          </p:cNvPr>
+          <p:cNvSpPr/>
+          <p:nvPr/>
+        </p:nvSpPr>
+        <p:spPr>
+          <a:xfrm>
+            <a:off x="9834282" y="367553"/>
+            <a:ext cx="1694330" cy="6122894"/>
+          </a:xfrm>
+          <a:prstGeom prst="rect">
+            <a:avLst/>
+          </a:prstGeom>
+        </p:spPr>
+        <p:style>
+          <a:lnRef idx="2">
+            <a:schemeClr val="accent4">
+              <a:shade val="50000"/>
+            </a:schemeClr>
+          </a:lnRef>
+          <a:fillRef idx="1">
+            <a:schemeClr val="accent4"/>
+          </a:fillRef>
+          <a:effectRef idx="0">
+            <a:schemeClr val="accent4"/>
+          </a:effectRef>
+          <a:fontRef idx="minor">
+            <a:schemeClr val="lt1"/>
+          </a:fontRef>
+        </p:style>
+        <p:txBody>
+          <a:bodyPr rtlCol="0" anchor="ctr"/>
+          <a:lstStyle/>
+          <a:p>
+            <a:pPr algn="ctr"/>
+            <a:r>
+              <a:rPr lang="en-IN" b="1" dirty="0"/>
+              <a:t>S</a:t>
+            </a:r>
+          </a:p>
+          <a:p>
+            <a:pPr algn="ctr"/>
+            <a:r>
+              <a:rPr lang="en-IN" b="1" dirty="0"/>
+              <a:t>E</a:t>
+            </a:r>
+          </a:p>
+          <a:p>
+            <a:pPr algn="ctr"/>
+            <a:r>
+              <a:rPr lang="en-IN" b="1" dirty="0"/>
+              <a:t>R</a:t>
+            </a:r>
+          </a:p>
+          <a:p>
+            <a:pPr algn="ctr"/>
+            <a:r>
+              <a:rPr lang="en-IN" b="1" dirty="0"/>
+              <a:t>V</a:t>
+            </a:r>
+          </a:p>
+          <a:p>
+            <a:pPr algn="ctr"/>
+            <a:r>
+              <a:rPr lang="en-IN" b="1" dirty="0"/>
+              <a:t>I</a:t>
+            </a:r>
+          </a:p>
+          <a:p>
+            <a:pPr algn="ctr"/>
+            <a:r>
+              <a:rPr lang="en-IN" b="1" dirty="0"/>
+              <a:t>C</a:t>
+            </a:r>
+          </a:p>
+          <a:p>
+            <a:pPr algn="ctr"/>
+            <a:r>
+              <a:rPr lang="en-IN" b="1" dirty="0"/>
+              <a:t>E</a:t>
+            </a:r>
+            <a:endParaRPr lang="en-US" b="1" dirty="0"/>
+          </a:p>
+        </p:txBody>
+      </p:sp>
+      <p:sp>
+        <p:nvSpPr>
+          <p:cNvPr id="4" name="Arrow: Right 3">
+            <a:extLst>
+              <a:ext uri="{FF2B5EF4-FFF2-40B4-BE49-F238E27FC236}">
+                <a16:creationId xmlns:a16="http://schemas.microsoft.com/office/drawing/2014/main" id="{48E152C4-1034-4996-8977-CFE1E4070A9B}"/>
+              </a:ext>
+            </a:extLst>
+          </p:cNvPr>
+          <p:cNvSpPr/>
+          <p:nvPr/>
+        </p:nvSpPr>
+        <p:spPr>
+          <a:xfrm>
+            <a:off x="1873624" y="475129"/>
+            <a:ext cx="7960658" cy="681318"/>
+          </a:xfrm>
+          <a:prstGeom prst="rightArrow">
+            <a:avLst/>
+          </a:prstGeom>
+        </p:spPr>
+        <p:style>
+          <a:lnRef idx="2">
+            <a:schemeClr val="accent1">
+              <a:shade val="50000"/>
+            </a:schemeClr>
+          </a:lnRef>
+          <a:fillRef idx="1">
+            <a:schemeClr val="accent1"/>
+          </a:fillRef>
+          <a:effectRef idx="0">
+            <a:schemeClr val="accent1"/>
+          </a:effectRef>
+          <a:fontRef idx="minor">
+            <a:schemeClr val="lt1"/>
+          </a:fontRef>
+        </p:style>
+        <p:txBody>
+          <a:bodyPr rtlCol="0" anchor="ctr"/>
+          <a:lstStyle/>
+          <a:p>
+            <a:pPr algn="ctr"/>
+            <a:r>
+              <a:rPr lang="en-IN" b="1" dirty="0"/>
+              <a:t>1. Http Async Request </a:t>
+            </a:r>
+            <a:endParaRPr lang="en-US" b="1" dirty="0"/>
+          </a:p>
+        </p:txBody>
+      </p:sp>
+      <p:sp>
+        <p:nvSpPr>
+          <p:cNvPr id="5" name="TextBox 4">
+            <a:extLst>
+              <a:ext uri="{FF2B5EF4-FFF2-40B4-BE49-F238E27FC236}">
+                <a16:creationId xmlns:a16="http://schemas.microsoft.com/office/drawing/2014/main" id="{A324B310-9F3F-4E70-A39E-DB525C59AE7A}"/>
+              </a:ext>
+            </a:extLst>
+          </p:cNvPr>
+          <p:cNvSpPr txBox="1"/>
+          <p:nvPr/>
+        </p:nvSpPr>
+        <p:spPr>
+          <a:xfrm>
+            <a:off x="9968753" y="672353"/>
+            <a:ext cx="1559859" cy="1200329"/>
+          </a:xfrm>
+          <a:prstGeom prst="rect">
+            <a:avLst/>
+          </a:prstGeom>
+          <a:noFill/>
+        </p:spPr>
+        <p:txBody>
+          <a:bodyPr wrap="square" rtlCol="0">
+            <a:spAutoFit/>
+          </a:bodyPr>
+          <a:lstStyle/>
+          <a:p>
+            <a:r>
+              <a:rPr lang="en-IN" dirty="0"/>
+              <a:t>2. Access Request</a:t>
+            </a:r>
+          </a:p>
+          <a:p>
+            <a:r>
+              <a:rPr lang="en-IN" dirty="0"/>
+              <a:t>And Take it for Process</a:t>
+            </a:r>
+            <a:endParaRPr lang="en-US" dirty="0"/>
+          </a:p>
+        </p:txBody>
+      </p:sp>
+      <p:sp>
+        <p:nvSpPr>
+          <p:cNvPr id="6" name="Arrow: Left 5">
+            <a:extLst>
+              <a:ext uri="{FF2B5EF4-FFF2-40B4-BE49-F238E27FC236}">
+                <a16:creationId xmlns:a16="http://schemas.microsoft.com/office/drawing/2014/main" id="{7845474D-13DD-4145-B736-E0F9D695728C}"/>
+              </a:ext>
+            </a:extLst>
+          </p:cNvPr>
+          <p:cNvSpPr/>
+          <p:nvPr/>
+        </p:nvSpPr>
+        <p:spPr>
+          <a:xfrm>
+            <a:off x="5840506" y="1550894"/>
+            <a:ext cx="3993776" cy="941294"/>
+          </a:xfrm>
+          <a:prstGeom prst="leftArrow">
+            <a:avLst/>
+          </a:prstGeom>
+        </p:spPr>
+        <p:style>
+          <a:lnRef idx="2">
+            <a:schemeClr val="accent1">
+              <a:shade val="50000"/>
+            </a:schemeClr>
+          </a:lnRef>
+          <a:fillRef idx="1">
+            <a:schemeClr val="accent1"/>
+          </a:fillRef>
+          <a:effectRef idx="0">
+            <a:schemeClr val="accent1"/>
+          </a:effectRef>
+          <a:fontRef idx="minor">
+            <a:schemeClr val="lt1"/>
+          </a:fontRef>
+        </p:style>
+        <p:txBody>
+          <a:bodyPr rtlCol="0" anchor="ctr"/>
+          <a:lstStyle/>
+          <a:p>
+            <a:pPr algn="ctr"/>
+            <a:r>
+              <a:rPr lang="en-IN" b="1" dirty="0"/>
+              <a:t>3. A Promise Response ask Acknowledgement</a:t>
+            </a:r>
+            <a:endParaRPr lang="en-US" b="1" dirty="0"/>
+          </a:p>
+        </p:txBody>
+      </p:sp>
+      <p:sp>
+        <p:nvSpPr>
+          <p:cNvPr id="7" name="Arrow: Right 6">
+            <a:extLst>
+              <a:ext uri="{FF2B5EF4-FFF2-40B4-BE49-F238E27FC236}">
+                <a16:creationId xmlns:a16="http://schemas.microsoft.com/office/drawing/2014/main" id="{448F8129-A0B0-4CA5-BE23-01850D3EBF69}"/>
+              </a:ext>
+            </a:extLst>
+          </p:cNvPr>
+          <p:cNvSpPr/>
+          <p:nvPr/>
+        </p:nvSpPr>
+        <p:spPr>
+          <a:xfrm>
+            <a:off x="1873624" y="1416424"/>
+            <a:ext cx="2483223" cy="618564"/>
+          </a:xfrm>
+          <a:prstGeom prst="rightArrow">
+            <a:avLst/>
+          </a:prstGeom>
+        </p:spPr>
+        <p:style>
+          <a:lnRef idx="2">
+            <a:schemeClr val="accent1">
+              <a:shade val="50000"/>
+            </a:schemeClr>
+          </a:lnRef>
+          <a:fillRef idx="1">
+            <a:schemeClr val="accent1"/>
+          </a:fillRef>
+          <a:effectRef idx="0">
+            <a:schemeClr val="accent1"/>
+          </a:effectRef>
+          <a:fontRef idx="minor">
+            <a:schemeClr val="lt1"/>
+          </a:fontRef>
+        </p:style>
+        <p:txBody>
+          <a:bodyPr rtlCol="0" anchor="ctr"/>
+          <a:lstStyle/>
+          <a:p>
+            <a:pPr algn="ctr"/>
+            <a:r>
+              <a:rPr lang="en-IN" sz="1200" b="1" dirty="0"/>
+              <a:t>4. Client Knows the Observable</a:t>
+            </a:r>
+            <a:endParaRPr lang="en-US" sz="1200" b="1" dirty="0"/>
+          </a:p>
+        </p:txBody>
+      </p:sp>
+      <p:sp>
+        <p:nvSpPr>
+          <p:cNvPr id="9" name="TextBox 8">
+            <a:extLst>
+              <a:ext uri="{FF2B5EF4-FFF2-40B4-BE49-F238E27FC236}">
+                <a16:creationId xmlns:a16="http://schemas.microsoft.com/office/drawing/2014/main" id="{D7C730F6-4BB9-4FB6-AD84-E3E1BCFE3D53}"/>
+              </a:ext>
+            </a:extLst>
+          </p:cNvPr>
+          <p:cNvSpPr txBox="1"/>
+          <p:nvPr/>
+        </p:nvSpPr>
+        <p:spPr>
+          <a:xfrm>
+            <a:off x="242047" y="1872682"/>
+            <a:ext cx="1497106" cy="646331"/>
+          </a:xfrm>
+          <a:prstGeom prst="rect">
+            <a:avLst/>
+          </a:prstGeom>
+          <a:noFill/>
+        </p:spPr>
+        <p:txBody>
+          <a:bodyPr wrap="square" rtlCol="0">
+            <a:spAutoFit/>
+          </a:bodyPr>
+          <a:lstStyle/>
+          <a:p>
+            <a:r>
+              <a:rPr lang="en-IN" dirty="0"/>
+              <a:t>5. Continue Execution</a:t>
+            </a:r>
+            <a:endParaRPr lang="en-US" dirty="0"/>
+          </a:p>
+        </p:txBody>
+      </p:sp>
+      <p:sp>
+        <p:nvSpPr>
+          <p:cNvPr id="10" name="TextBox 9">
+            <a:extLst>
+              <a:ext uri="{FF2B5EF4-FFF2-40B4-BE49-F238E27FC236}">
+                <a16:creationId xmlns:a16="http://schemas.microsoft.com/office/drawing/2014/main" id="{8675CA7B-132A-4DDF-956D-0A80C731B013}"/>
+              </a:ext>
+            </a:extLst>
+          </p:cNvPr>
+          <p:cNvSpPr txBox="1"/>
+          <p:nvPr/>
+        </p:nvSpPr>
+        <p:spPr>
+          <a:xfrm>
+            <a:off x="9901517" y="4385154"/>
+            <a:ext cx="1559859" cy="1754326"/>
+          </a:xfrm>
+          <a:prstGeom prst="rect">
+            <a:avLst/>
+          </a:prstGeom>
+          <a:noFill/>
+        </p:spPr>
+        <p:txBody>
+          <a:bodyPr wrap="square" rtlCol="0">
+            <a:spAutoFit/>
+          </a:bodyPr>
+          <a:lstStyle/>
+          <a:p>
+            <a:r>
+              <a:rPr lang="en-IN" dirty="0"/>
+              <a:t>6. Service is done with Execution and it send response to Promise</a:t>
+            </a:r>
+            <a:endParaRPr lang="en-US" dirty="0"/>
+          </a:p>
+        </p:txBody>
+      </p:sp>
+      <p:sp>
+        <p:nvSpPr>
+          <p:cNvPr id="11" name="Arrow: Bent-Up 10">
+            <a:extLst>
+              <a:ext uri="{FF2B5EF4-FFF2-40B4-BE49-F238E27FC236}">
+                <a16:creationId xmlns:a16="http://schemas.microsoft.com/office/drawing/2014/main" id="{9D6489CF-2654-4941-A3DA-264152D8B83C}"/>
+              </a:ext>
+            </a:extLst>
+          </p:cNvPr>
+          <p:cNvSpPr/>
+          <p:nvPr/>
+        </p:nvSpPr>
+        <p:spPr>
+          <a:xfrm flipH="1">
+            <a:off x="6539752" y="2232212"/>
+            <a:ext cx="3294526" cy="3074894"/>
+          </a:xfrm>
+          <a:prstGeom prst="bentUpArrow">
+            <a:avLst/>
+          </a:prstGeom>
+        </p:spPr>
+        <p:style>
+          <a:lnRef idx="2">
+            <a:schemeClr val="accent1">
+              <a:shade val="50000"/>
+            </a:schemeClr>
+          </a:lnRef>
+          <a:fillRef idx="1">
+            <a:schemeClr val="accent1"/>
+          </a:fillRef>
+          <a:effectRef idx="0">
+            <a:schemeClr val="accent1"/>
+          </a:effectRef>
+          <a:fontRef idx="minor">
+            <a:schemeClr val="lt1"/>
+          </a:fontRef>
+        </p:style>
+        <p:txBody>
+          <a:bodyPr rtlCol="0" anchor="ctr"/>
+          <a:lstStyle/>
+          <a:p>
+            <a:pPr algn="ctr"/>
+            <a:endParaRPr lang="en-US"/>
+          </a:p>
+        </p:txBody>
+      </p:sp>
+      <p:sp>
+        <p:nvSpPr>
+          <p:cNvPr id="12" name="TextBox 11">
+            <a:extLst>
+              <a:ext uri="{FF2B5EF4-FFF2-40B4-BE49-F238E27FC236}">
+                <a16:creationId xmlns:a16="http://schemas.microsoft.com/office/drawing/2014/main" id="{C7D3FDBE-5647-41AC-80C3-3806041FFFEE}"/>
+              </a:ext>
+            </a:extLst>
+          </p:cNvPr>
+          <p:cNvSpPr txBox="1"/>
+          <p:nvPr/>
+        </p:nvSpPr>
+        <p:spPr>
+          <a:xfrm>
+            <a:off x="7344331" y="3155542"/>
+            <a:ext cx="2420470" cy="923330"/>
+          </a:xfrm>
+          <a:prstGeom prst="rect">
+            <a:avLst/>
+          </a:prstGeom>
+          <a:noFill/>
+        </p:spPr>
+        <p:txBody>
+          <a:bodyPr wrap="square" rtlCol="0">
+            <a:spAutoFit/>
+          </a:bodyPr>
+          <a:lstStyle/>
+          <a:p>
+            <a:r>
+              <a:rPr lang="en-IN" dirty="0"/>
+              <a:t>7. Promise Response</a:t>
+            </a:r>
+          </a:p>
+          <a:p>
+            <a:endParaRPr lang="en-IN" dirty="0"/>
+          </a:p>
+          <a:p>
+            <a:r>
+              <a:rPr lang="en-IN" dirty="0"/>
+              <a:t>Success or Failure</a:t>
+            </a:r>
+            <a:endParaRPr lang="en-US" dirty="0"/>
+          </a:p>
+        </p:txBody>
+      </p:sp>
+      <p:sp>
+        <p:nvSpPr>
+          <p:cNvPr id="22" name="TextBox 21">
+            <a:extLst>
+              <a:ext uri="{FF2B5EF4-FFF2-40B4-BE49-F238E27FC236}">
+                <a16:creationId xmlns:a16="http://schemas.microsoft.com/office/drawing/2014/main" id="{5C573C4B-632C-4D33-BDFA-EDB1384547DC}"/>
+              </a:ext>
+            </a:extLst>
+          </p:cNvPr>
+          <p:cNvSpPr txBox="1"/>
+          <p:nvPr/>
+        </p:nvSpPr>
+        <p:spPr>
+          <a:xfrm>
+            <a:off x="3299012" y="116541"/>
+            <a:ext cx="5038164" cy="369332"/>
+          </a:xfrm>
+          <a:prstGeom prst="rect">
+            <a:avLst/>
+          </a:prstGeom>
+          <a:noFill/>
+        </p:spPr>
+        <p:txBody>
+          <a:bodyPr wrap="square" rtlCol="0">
+            <a:spAutoFit/>
+          </a:bodyPr>
+          <a:lstStyle/>
+          <a:p>
+            <a:pPr algn="ctr"/>
+            <a:r>
+              <a:rPr lang="en-IN" b="1" dirty="0"/>
+              <a:t>Using Observable </a:t>
+            </a:r>
+            <a:endParaRPr lang="en-US" b="1" dirty="0"/>
+          </a:p>
+        </p:txBody>
+      </p:sp>
+      <p:sp>
+        <p:nvSpPr>
+          <p:cNvPr id="8" name="Rectangle: Rounded Corners 7">
+            <a:extLst>
+              <a:ext uri="{FF2B5EF4-FFF2-40B4-BE49-F238E27FC236}">
+                <a16:creationId xmlns:a16="http://schemas.microsoft.com/office/drawing/2014/main" id="{BF78878A-FF5A-48A3-B1F7-DA6812542490}"/>
+              </a:ext>
+            </a:extLst>
+          </p:cNvPr>
+          <p:cNvSpPr/>
+          <p:nvPr/>
+        </p:nvSpPr>
+        <p:spPr>
+          <a:xfrm>
+            <a:off x="4356846" y="1472453"/>
+            <a:ext cx="1510553" cy="1098176"/>
+          </a:xfrm>
+          <a:prstGeom prst="roundRect">
+            <a:avLst/>
+          </a:prstGeom>
+        </p:spPr>
+        <p:style>
+          <a:lnRef idx="2">
+            <a:schemeClr val="accent1">
+              <a:shade val="50000"/>
+            </a:schemeClr>
+          </a:lnRef>
+          <a:fillRef idx="1">
+            <a:schemeClr val="accent1"/>
+          </a:fillRef>
+          <a:effectRef idx="0">
+            <a:schemeClr val="accent1"/>
+          </a:effectRef>
+          <a:fontRef idx="minor">
+            <a:schemeClr val="lt1"/>
+          </a:fontRef>
+        </p:style>
+        <p:txBody>
+          <a:bodyPr rtlCol="0" anchor="ctr"/>
+          <a:lstStyle/>
+          <a:p>
+            <a:pPr algn="ctr"/>
+            <a:r>
+              <a:rPr lang="en-IN" b="1" dirty="0"/>
+              <a:t>Observable</a:t>
+            </a:r>
+            <a:endParaRPr lang="en-US" b="1" dirty="0"/>
+          </a:p>
+        </p:txBody>
+      </p:sp>
+      <p:sp>
+        <p:nvSpPr>
+          <p:cNvPr id="15" name="TextBox 14">
+            <a:extLst>
+              <a:ext uri="{FF2B5EF4-FFF2-40B4-BE49-F238E27FC236}">
+                <a16:creationId xmlns:a16="http://schemas.microsoft.com/office/drawing/2014/main" id="{5ABF5EED-56D5-4786-990A-9D42284356BE}"/>
+              </a:ext>
+            </a:extLst>
+          </p:cNvPr>
+          <p:cNvSpPr txBox="1"/>
+          <p:nvPr/>
+        </p:nvSpPr>
+        <p:spPr>
+          <a:xfrm>
+            <a:off x="3917576" y="3254188"/>
+            <a:ext cx="2483223" cy="2031325"/>
+          </a:xfrm>
+          <a:prstGeom prst="rect">
+            <a:avLst/>
+          </a:prstGeom>
+          <a:noFill/>
+        </p:spPr>
+        <p:txBody>
+          <a:bodyPr wrap="square" rtlCol="0">
+            <a:spAutoFit/>
+          </a:bodyPr>
+          <a:lstStyle/>
+          <a:p>
+            <a:r>
+              <a:rPr lang="en-IN" dirty="0"/>
+              <a:t>8. Observable will Unpack Promise Response and will resolve it with either Success or Failure and will notify to Component (Client) </a:t>
+            </a:r>
+            <a:endParaRPr lang="en-US" dirty="0"/>
+          </a:p>
+        </p:txBody>
+      </p:sp>
+      <p:cxnSp>
+        <p:nvCxnSpPr>
+          <p:cNvPr id="23" name="Straight Arrow Connector 22">
+            <a:extLst>
+              <a:ext uri="{FF2B5EF4-FFF2-40B4-BE49-F238E27FC236}">
+                <a16:creationId xmlns:a16="http://schemas.microsoft.com/office/drawing/2014/main" id="{79010007-3EBD-4F58-BD52-524C0B4C1525}"/>
+              </a:ext>
+            </a:extLst>
+          </p:cNvPr>
+          <p:cNvCxnSpPr>
+            <a:stCxn id="15" idx="0"/>
+            <a:endCxn id="8" idx="2"/>
+          </p:cNvCxnSpPr>
+          <p:nvPr/>
+        </p:nvCxnSpPr>
+        <p:spPr>
+          <a:xfrm flipH="1" flipV="1">
+            <a:off x="5112123" y="2570629"/>
+            <a:ext cx="47065" cy="683559"/>
+          </a:xfrm>
+          <a:prstGeom prst="straightConnector1">
+            <a:avLst/>
+          </a:prstGeom>
+          <a:ln>
+            <a:tailEnd type="triangle"/>
+          </a:ln>
+        </p:spPr>
+        <p:style>
+          <a:lnRef idx="1">
+            <a:schemeClr val="accent1"/>
+          </a:lnRef>
+          <a:fillRef idx="0">
+            <a:schemeClr val="accent1"/>
+          </a:fillRef>
+          <a:effectRef idx="0">
+            <a:schemeClr val="accent1"/>
+          </a:effectRef>
+          <a:fontRef idx="minor">
+            <a:schemeClr val="tx1"/>
+          </a:fontRef>
+        </p:style>
+      </p:cxnSp>
+      <p:sp>
+        <p:nvSpPr>
+          <p:cNvPr id="24" name="Arrow: Left 23">
+            <a:extLst>
+              <a:ext uri="{FF2B5EF4-FFF2-40B4-BE49-F238E27FC236}">
+                <a16:creationId xmlns:a16="http://schemas.microsoft.com/office/drawing/2014/main" id="{2383CE76-815B-4931-8C5F-3522813D23AF}"/>
+              </a:ext>
+            </a:extLst>
+          </p:cNvPr>
+          <p:cNvSpPr/>
+          <p:nvPr/>
+        </p:nvSpPr>
+        <p:spPr>
+          <a:xfrm>
+            <a:off x="1873624" y="2034988"/>
+            <a:ext cx="2483218" cy="535641"/>
+          </a:xfrm>
+          <a:prstGeom prst="leftArrow">
+            <a:avLst/>
+          </a:prstGeom>
+        </p:spPr>
+        <p:style>
+          <a:lnRef idx="2">
+            <a:schemeClr val="accent1">
+              <a:shade val="50000"/>
+            </a:schemeClr>
+          </a:lnRef>
+          <a:fillRef idx="1">
+            <a:schemeClr val="accent1"/>
+          </a:fillRef>
+          <a:effectRef idx="0">
+            <a:schemeClr val="accent1"/>
+          </a:effectRef>
+          <a:fontRef idx="minor">
+            <a:schemeClr val="lt1"/>
+          </a:fontRef>
+        </p:style>
+        <p:txBody>
+          <a:bodyPr rtlCol="0" anchor="ctr"/>
+          <a:lstStyle/>
+          <a:p>
+            <a:pPr algn="ctr"/>
+            <a:r>
+              <a:rPr lang="en-IN" dirty="0"/>
+              <a:t>9. Provide response</a:t>
+            </a:r>
+            <a:endParaRPr lang="en-US" dirty="0"/>
+          </a:p>
+        </p:txBody>
+      </p:sp>
+    </p:spTree>
+    <p:extLst>
+      <p:ext uri="{BB962C8B-B14F-4D97-AF65-F5344CB8AC3E}">
+        <p14:creationId xmlns:p14="http://schemas.microsoft.com/office/powerpoint/2010/main" val="1901106148"/>
+      </p:ext>
+    </p:extLst>
+  </p:cSld>
+  <p:clrMapOvr>
+    <a:masterClrMapping/>
+  </p:clrMapOvr>
+</p:sld>
+</file>
+
+<file path=ppt/slides/slide8.xml><?xml version="1.0" encoding="utf-8"?>
+<p:sld xmlns:a="http://schemas.openxmlformats.org/drawingml/2006/main" xmlns:r="http://schemas.openxmlformats.org/officeDocument/2006/relationships" xmlns:p="http://schemas.openxmlformats.org/presentationml/2006/main">
+  <p:cSld>
+    <p:spTree>
+      <p:nvGrpSpPr>
+        <p:cNvPr id="1" name=""/>
+        <p:cNvGrpSpPr/>
+        <p:nvPr/>
+      </p:nvGrpSpPr>
+      <p:grpSpPr>
+        <a:xfrm>
+          <a:off x="0" y="0"/>
+          <a:ext cx="0" cy="0"/>
+          <a:chOff x="0" y="0"/>
+          <a:chExt cx="0" cy="0"/>
+        </a:xfrm>
+      </p:grpSpPr>
+      <p:sp>
+        <p:nvSpPr>
+          <p:cNvPr id="2" name="Rectangle 1">
+            <a:extLst>
+              <a:ext uri="{FF2B5EF4-FFF2-40B4-BE49-F238E27FC236}">
+                <a16:creationId xmlns:a16="http://schemas.microsoft.com/office/drawing/2014/main" id="{0859AD19-7AE0-4143-BA83-3026F83AF54B}"/>
+              </a:ext>
+            </a:extLst>
+          </p:cNvPr>
+          <p:cNvSpPr/>
+          <p:nvPr/>
+        </p:nvSpPr>
+        <p:spPr>
+          <a:xfrm>
+            <a:off x="403410" y="744071"/>
+            <a:ext cx="11008659" cy="5271247"/>
+          </a:xfrm>
+          <a:prstGeom prst="rect">
+            <a:avLst/>
+          </a:prstGeom>
+        </p:spPr>
+        <p:style>
+          <a:lnRef idx="2">
+            <a:schemeClr val="accent2">
+              <a:shade val="50000"/>
+            </a:schemeClr>
+          </a:lnRef>
+          <a:fillRef idx="1">
+            <a:schemeClr val="accent2"/>
+          </a:fillRef>
+          <a:effectRef idx="0">
+            <a:schemeClr val="accent2"/>
+          </a:effectRef>
+          <a:fontRef idx="minor">
+            <a:schemeClr val="lt1"/>
+          </a:fontRef>
+        </p:style>
+        <p:txBody>
+          <a:bodyPr rtlCol="0" anchor="ctr"/>
+          <a:lstStyle/>
+          <a:p>
+            <a:pPr algn="ctr"/>
+            <a:endParaRPr lang="en-US"/>
+          </a:p>
+        </p:txBody>
+      </p:sp>
+      <p:sp>
+        <p:nvSpPr>
+          <p:cNvPr id="3" name="TextBox 2">
+            <a:extLst>
+              <a:ext uri="{FF2B5EF4-FFF2-40B4-BE49-F238E27FC236}">
+                <a16:creationId xmlns:a16="http://schemas.microsoft.com/office/drawing/2014/main" id="{D031E583-209B-40F8-A233-5C0A666C70DF}"/>
+              </a:ext>
+            </a:extLst>
+          </p:cNvPr>
+          <p:cNvSpPr txBox="1"/>
+          <p:nvPr/>
+        </p:nvSpPr>
+        <p:spPr>
+          <a:xfrm>
+            <a:off x="797859" y="842682"/>
+            <a:ext cx="10219765" cy="369332"/>
+          </a:xfrm>
+          <a:prstGeom prst="rect">
+            <a:avLst/>
+          </a:prstGeom>
+          <a:noFill/>
+        </p:spPr>
+        <p:txBody>
+          <a:bodyPr wrap="square" rtlCol="0">
+            <a:spAutoFit/>
+          </a:bodyPr>
+          <a:lstStyle/>
+          <a:p>
+            <a:pPr algn="ctr"/>
+            <a:r>
+              <a:rPr lang="en-IN" b="1" dirty="0"/>
+              <a:t>HttpClientModule @angular/common/http</a:t>
+            </a:r>
+            <a:endParaRPr lang="en-US" b="1" dirty="0"/>
+          </a:p>
+        </p:txBody>
+      </p:sp>
+      <p:sp>
+        <p:nvSpPr>
+          <p:cNvPr id="4" name="Rectangle: Rounded Corners 3">
+            <a:extLst>
+              <a:ext uri="{FF2B5EF4-FFF2-40B4-BE49-F238E27FC236}">
+                <a16:creationId xmlns:a16="http://schemas.microsoft.com/office/drawing/2014/main" id="{8FB94B08-676B-45C6-81DA-9B910CF6587A}"/>
+              </a:ext>
+            </a:extLst>
+          </p:cNvPr>
+          <p:cNvSpPr/>
+          <p:nvPr/>
+        </p:nvSpPr>
+        <p:spPr>
+          <a:xfrm>
+            <a:off x="1075765" y="1748117"/>
+            <a:ext cx="1927411" cy="3801035"/>
+          </a:xfrm>
+          <a:prstGeom prst="roundRect">
+            <a:avLst/>
+          </a:prstGeom>
+        </p:spPr>
+        <p:style>
+          <a:lnRef idx="2">
+            <a:schemeClr val="accent1">
+              <a:shade val="50000"/>
+            </a:schemeClr>
+          </a:lnRef>
+          <a:fillRef idx="1">
+            <a:schemeClr val="accent1"/>
+          </a:fillRef>
+          <a:effectRef idx="0">
+            <a:schemeClr val="accent1"/>
+          </a:effectRef>
+          <a:fontRef idx="minor">
+            <a:schemeClr val="lt1"/>
+          </a:fontRef>
+        </p:style>
+        <p:txBody>
+          <a:bodyPr rtlCol="0" anchor="ctr"/>
+          <a:lstStyle/>
+          <a:p>
+            <a:pPr algn="ctr"/>
+            <a:r>
+              <a:rPr lang="en-IN" b="1" dirty="0"/>
+              <a:t>HttpClient</a:t>
+            </a:r>
+          </a:p>
+          <a:p>
+            <a:pPr algn="ctr"/>
+            <a:endParaRPr lang="en-IN" b="1" dirty="0"/>
+          </a:p>
+          <a:p>
+            <a:pPr algn="ctr"/>
+            <a:r>
+              <a:rPr lang="en-IN" b="1" dirty="0"/>
+              <a:t>Promise Based Object for Async Calls</a:t>
+            </a:r>
+          </a:p>
+          <a:p>
+            <a:pPr algn="ctr"/>
+            <a:endParaRPr lang="en-IN" b="1" dirty="0"/>
+          </a:p>
+          <a:p>
+            <a:pPr algn="ctr"/>
+            <a:r>
+              <a:rPr lang="en-IN" b="1" dirty="0"/>
+              <a:t>get(),post(). put(), delete() Methods</a:t>
+            </a:r>
+            <a:endParaRPr lang="en-US" b="1" dirty="0"/>
+          </a:p>
+        </p:txBody>
+      </p:sp>
+      <p:sp>
+        <p:nvSpPr>
+          <p:cNvPr id="5" name="Rectangle: Rounded Corners 4">
+            <a:extLst>
+              <a:ext uri="{FF2B5EF4-FFF2-40B4-BE49-F238E27FC236}">
+                <a16:creationId xmlns:a16="http://schemas.microsoft.com/office/drawing/2014/main" id="{0AD1E327-9519-42F9-9FDD-F5DC88E4C230}"/>
+              </a:ext>
+            </a:extLst>
+          </p:cNvPr>
+          <p:cNvSpPr/>
+          <p:nvPr/>
+        </p:nvSpPr>
+        <p:spPr>
+          <a:xfrm>
+            <a:off x="4944035" y="1748117"/>
+            <a:ext cx="1927411" cy="3801035"/>
+          </a:xfrm>
+          <a:prstGeom prst="roundRect">
+            <a:avLst/>
+          </a:prstGeom>
+        </p:spPr>
+        <p:style>
+          <a:lnRef idx="2">
+            <a:schemeClr val="accent1">
+              <a:shade val="50000"/>
+            </a:schemeClr>
+          </a:lnRef>
+          <a:fillRef idx="1">
+            <a:schemeClr val="accent1"/>
+          </a:fillRef>
+          <a:effectRef idx="0">
+            <a:schemeClr val="accent1"/>
+          </a:effectRef>
+          <a:fontRef idx="minor">
+            <a:schemeClr val="lt1"/>
+          </a:fontRef>
+        </p:style>
+        <p:txBody>
+          <a:bodyPr rtlCol="0" anchor="ctr"/>
+          <a:lstStyle/>
+          <a:p>
+            <a:pPr algn="ctr"/>
+            <a:endParaRPr lang="en-IN" b="1" dirty="0"/>
+          </a:p>
+          <a:p>
+            <a:pPr algn="ctr"/>
+            <a:endParaRPr lang="en-IN" b="1" dirty="0"/>
+          </a:p>
+          <a:p>
+            <a:pPr algn="ctr"/>
+            <a:endParaRPr lang="en-IN" b="1" dirty="0"/>
+          </a:p>
+          <a:p>
+            <a:pPr algn="ctr"/>
+            <a:r>
+              <a:rPr lang="en-IN" b="1" dirty="0" err="1"/>
+              <a:t>HttpInterceptor</a:t>
+            </a:r>
+            <a:endParaRPr lang="en-IN" b="1" dirty="0"/>
+          </a:p>
+          <a:p>
+            <a:pPr algn="ctr"/>
+            <a:endParaRPr lang="en-IN" b="1" dirty="0"/>
+          </a:p>
+          <a:p>
+            <a:pPr algn="ctr"/>
+            <a:r>
+              <a:rPr lang="en-IN" b="1" dirty="0"/>
+              <a:t>Used to Add Common Values in HTTP Header Messages while Requesting to REST APIs</a:t>
+            </a:r>
+          </a:p>
+          <a:p>
+            <a:pPr algn="ctr"/>
+            <a:endParaRPr lang="en-IN" b="1" dirty="0"/>
+          </a:p>
+          <a:p>
+            <a:pPr algn="ctr"/>
+            <a:endParaRPr lang="en-IN" b="1" dirty="0"/>
+          </a:p>
+          <a:p>
+            <a:pPr algn="ctr"/>
+            <a:endParaRPr lang="en-IN" b="1" dirty="0"/>
+          </a:p>
+          <a:p>
+            <a:pPr algn="ctr"/>
+            <a:endParaRPr lang="en-IN" b="1" dirty="0"/>
+          </a:p>
+          <a:p>
+            <a:pPr algn="ctr"/>
+            <a:endParaRPr lang="en-US" b="1" dirty="0"/>
+          </a:p>
+        </p:txBody>
+      </p:sp>
+      <p:sp>
+        <p:nvSpPr>
+          <p:cNvPr id="6" name="Rectangle: Rounded Corners 5">
+            <a:extLst>
+              <a:ext uri="{FF2B5EF4-FFF2-40B4-BE49-F238E27FC236}">
+                <a16:creationId xmlns:a16="http://schemas.microsoft.com/office/drawing/2014/main" id="{52E0C806-CE30-46EC-978A-2B5DA964B6B8}"/>
+              </a:ext>
+            </a:extLst>
+          </p:cNvPr>
+          <p:cNvSpPr/>
+          <p:nvPr/>
+        </p:nvSpPr>
+        <p:spPr>
+          <a:xfrm>
+            <a:off x="7924800" y="2501153"/>
+            <a:ext cx="2850776" cy="1407459"/>
+          </a:xfrm>
+          <a:prstGeom prst="roundRect">
+            <a:avLst/>
+          </a:prstGeom>
+        </p:spPr>
+        <p:style>
+          <a:lnRef idx="2">
+            <a:schemeClr val="accent4">
+              <a:shade val="50000"/>
+            </a:schemeClr>
+          </a:lnRef>
+          <a:fillRef idx="1">
+            <a:schemeClr val="accent4"/>
+          </a:fillRef>
+          <a:effectRef idx="0">
+            <a:schemeClr val="accent4"/>
+          </a:effectRef>
+          <a:fontRef idx="minor">
+            <a:schemeClr val="lt1"/>
+          </a:fontRef>
+        </p:style>
+        <p:txBody>
+          <a:bodyPr rtlCol="0" anchor="ctr"/>
+          <a:lstStyle/>
+          <a:p>
+            <a:pPr algn="ctr"/>
+            <a:r>
+              <a:rPr lang="en-IN" b="1" dirty="0"/>
+              <a:t>HttpRequest, HttpResponse, </a:t>
+            </a:r>
+            <a:r>
+              <a:rPr lang="en-IN" b="1" dirty="0" err="1"/>
+              <a:t>HttpHeader</a:t>
+            </a:r>
+            <a:r>
+              <a:rPr lang="en-IN" b="1" dirty="0"/>
+              <a:t>, etc.</a:t>
+            </a:r>
+            <a:endParaRPr lang="en-US" b="1" dirty="0"/>
+          </a:p>
+        </p:txBody>
+      </p:sp>
+      <p:cxnSp>
+        <p:nvCxnSpPr>
+          <p:cNvPr id="8" name="Straight Arrow Connector 7">
+            <a:extLst>
+              <a:ext uri="{FF2B5EF4-FFF2-40B4-BE49-F238E27FC236}">
+                <a16:creationId xmlns:a16="http://schemas.microsoft.com/office/drawing/2014/main" id="{E05787F5-DD08-45CF-AFCD-E027FCBB74D0}"/>
+              </a:ext>
+            </a:extLst>
+          </p:cNvPr>
+          <p:cNvCxnSpPr>
+            <a:endCxn id="5" idx="3"/>
+          </p:cNvCxnSpPr>
+          <p:nvPr/>
+        </p:nvCxnSpPr>
+        <p:spPr>
+          <a:xfrm flipH="1">
+            <a:off x="6871446" y="3209365"/>
+            <a:ext cx="1053354" cy="439270"/>
+          </a:xfrm>
+          <a:prstGeom prst="straightConnector1">
+            <a:avLst/>
+          </a:prstGeom>
+          <a:ln>
+            <a:tailEnd type="triangle"/>
+          </a:ln>
+        </p:spPr>
+        <p:style>
+          <a:lnRef idx="1">
+            <a:schemeClr val="accent1"/>
+          </a:lnRef>
+          <a:fillRef idx="0">
+            <a:schemeClr val="accent1"/>
+          </a:fillRef>
+          <a:effectRef idx="0">
+            <a:schemeClr val="accent1"/>
+          </a:effectRef>
+          <a:fontRef idx="minor">
+            <a:schemeClr val="tx1"/>
+          </a:fontRef>
+        </p:style>
+      </p:cxnSp>
+    </p:spTree>
+    <p:extLst>
+      <p:ext uri="{BB962C8B-B14F-4D97-AF65-F5344CB8AC3E}">
+        <p14:creationId xmlns:p14="http://schemas.microsoft.com/office/powerpoint/2010/main" val="2433879826"/>
+      </p:ext>
+    </p:extLst>
+  </p:cSld>
+  <p:clrMapOvr>
+    <a:masterClrMapping/>
+  </p:clrMapOvr>
+</p:sld>
+</file>
+
 <file path=ppt/theme/theme1.xml><?xml version="1.0" encoding="utf-8"?>
 <a:theme xmlns:a="http://schemas.openxmlformats.org/drawingml/2006/main" name="Office Theme">
   <a:themeElements>

--- a/images_NG.pptx
+++ b/images_NG.pptx
@@ -13,6 +13,8 @@
     <p:sldId id="262" r:id="rId7"/>
     <p:sldId id="263" r:id="rId8"/>
     <p:sldId id="261" r:id="rId9"/>
+    <p:sldId id="264" r:id="rId10"/>
+    <p:sldId id="265" r:id="rId11"/>
   </p:sldIdLst>
   <p:sldSz cx="12192000" cy="6858000"/>
   <p:notesSz cx="6858000" cy="9144000"/>
@@ -266,7 +268,7 @@
           <a:p>
             <a:fld id="{9E44D11B-64D0-4128-AB06-3651AB0BE39E}" type="datetimeFigureOut">
               <a:rPr lang="en-US" smtClean="0"/>
-              <a:t>2/7/2022</a:t>
+              <a:t>2/8/2022</a:t>
             </a:fld>
             <a:endParaRPr lang="en-US"/>
           </a:p>
@@ -464,7 +466,7 @@
           <a:p>
             <a:fld id="{9E44D11B-64D0-4128-AB06-3651AB0BE39E}" type="datetimeFigureOut">
               <a:rPr lang="en-US" smtClean="0"/>
-              <a:t>2/7/2022</a:t>
+              <a:t>2/8/2022</a:t>
             </a:fld>
             <a:endParaRPr lang="en-US"/>
           </a:p>
@@ -672,7 +674,7 @@
           <a:p>
             <a:fld id="{9E44D11B-64D0-4128-AB06-3651AB0BE39E}" type="datetimeFigureOut">
               <a:rPr lang="en-US" smtClean="0"/>
-              <a:t>2/7/2022</a:t>
+              <a:t>2/8/2022</a:t>
             </a:fld>
             <a:endParaRPr lang="en-US"/>
           </a:p>
@@ -870,7 +872,7 @@
           <a:p>
             <a:fld id="{9E44D11B-64D0-4128-AB06-3651AB0BE39E}" type="datetimeFigureOut">
               <a:rPr lang="en-US" smtClean="0"/>
-              <a:t>2/7/2022</a:t>
+              <a:t>2/8/2022</a:t>
             </a:fld>
             <a:endParaRPr lang="en-US"/>
           </a:p>
@@ -1145,7 +1147,7 @@
           <a:p>
             <a:fld id="{9E44D11B-64D0-4128-AB06-3651AB0BE39E}" type="datetimeFigureOut">
               <a:rPr lang="en-US" smtClean="0"/>
-              <a:t>2/7/2022</a:t>
+              <a:t>2/8/2022</a:t>
             </a:fld>
             <a:endParaRPr lang="en-US"/>
           </a:p>
@@ -1410,7 +1412,7 @@
           <a:p>
             <a:fld id="{9E44D11B-64D0-4128-AB06-3651AB0BE39E}" type="datetimeFigureOut">
               <a:rPr lang="en-US" smtClean="0"/>
-              <a:t>2/7/2022</a:t>
+              <a:t>2/8/2022</a:t>
             </a:fld>
             <a:endParaRPr lang="en-US"/>
           </a:p>
@@ -1822,7 +1824,7 @@
           <a:p>
             <a:fld id="{9E44D11B-64D0-4128-AB06-3651AB0BE39E}" type="datetimeFigureOut">
               <a:rPr lang="en-US" smtClean="0"/>
-              <a:t>2/7/2022</a:t>
+              <a:t>2/8/2022</a:t>
             </a:fld>
             <a:endParaRPr lang="en-US"/>
           </a:p>
@@ -1963,7 +1965,7 @@
           <a:p>
             <a:fld id="{9E44D11B-64D0-4128-AB06-3651AB0BE39E}" type="datetimeFigureOut">
               <a:rPr lang="en-US" smtClean="0"/>
-              <a:t>2/7/2022</a:t>
+              <a:t>2/8/2022</a:t>
             </a:fld>
             <a:endParaRPr lang="en-US"/>
           </a:p>
@@ -2076,7 +2078,7 @@
           <a:p>
             <a:fld id="{9E44D11B-64D0-4128-AB06-3651AB0BE39E}" type="datetimeFigureOut">
               <a:rPr lang="en-US" smtClean="0"/>
-              <a:t>2/7/2022</a:t>
+              <a:t>2/8/2022</a:t>
             </a:fld>
             <a:endParaRPr lang="en-US"/>
           </a:p>
@@ -2387,7 +2389,7 @@
           <a:p>
             <a:fld id="{9E44D11B-64D0-4128-AB06-3651AB0BE39E}" type="datetimeFigureOut">
               <a:rPr lang="en-US" smtClean="0"/>
-              <a:t>2/7/2022</a:t>
+              <a:t>2/8/2022</a:t>
             </a:fld>
             <a:endParaRPr lang="en-US"/>
           </a:p>
@@ -2675,7 +2677,7 @@
           <a:p>
             <a:fld id="{9E44D11B-64D0-4128-AB06-3651AB0BE39E}" type="datetimeFigureOut">
               <a:rPr lang="en-US" smtClean="0"/>
-              <a:t>2/7/2022</a:t>
+              <a:t>2/8/2022</a:t>
             </a:fld>
             <a:endParaRPr lang="en-US"/>
           </a:p>
@@ -2916,7 +2918,7 @@
           <a:p>
             <a:fld id="{9E44D11B-64D0-4128-AB06-3651AB0BE39E}" type="datetimeFigureOut">
               <a:rPr lang="en-US" smtClean="0"/>
-              <a:t>2/7/2022</a:t>
+              <a:t>2/8/2022</a:t>
             </a:fld>
             <a:endParaRPr lang="en-US"/>
           </a:p>
@@ -5501,6 +5503,1350 @@
 </p:sld>
 </file>
 
+<file path=ppt/slides/slide10.xml><?xml version="1.0" encoding="utf-8"?>
+<p:sld xmlns:a="http://schemas.openxmlformats.org/drawingml/2006/main" xmlns:r="http://schemas.openxmlformats.org/officeDocument/2006/relationships" xmlns:p="http://schemas.openxmlformats.org/presentationml/2006/main">
+  <p:cSld>
+    <p:spTree>
+      <p:nvGrpSpPr>
+        <p:cNvPr id="1" name=""/>
+        <p:cNvGrpSpPr/>
+        <p:nvPr/>
+      </p:nvGrpSpPr>
+      <p:grpSpPr>
+        <a:xfrm>
+          <a:off x="0" y="0"/>
+          <a:ext cx="0" cy="0"/>
+          <a:chOff x="0" y="0"/>
+          <a:chExt cx="0" cy="0"/>
+        </a:xfrm>
+      </p:grpSpPr>
+      <p:sp>
+        <p:nvSpPr>
+          <p:cNvPr id="2" name="TextBox 1">
+            <a:extLst>
+              <a:ext uri="{FF2B5EF4-FFF2-40B4-BE49-F238E27FC236}">
+                <a16:creationId xmlns:a16="http://schemas.microsoft.com/office/drawing/2014/main" id="{8837E816-2D99-48CE-A2ED-8739D35A22C7}"/>
+              </a:ext>
+            </a:extLst>
+          </p:cNvPr>
+          <p:cNvSpPr txBox="1"/>
+          <p:nvPr/>
+        </p:nvSpPr>
+        <p:spPr>
+          <a:xfrm>
+            <a:off x="3881718" y="125506"/>
+            <a:ext cx="4231341" cy="369332"/>
+          </a:xfrm>
+          <a:prstGeom prst="rect">
+            <a:avLst/>
+          </a:prstGeom>
+          <a:noFill/>
+        </p:spPr>
+        <p:txBody>
+          <a:bodyPr wrap="square" rtlCol="0">
+            <a:spAutoFit/>
+          </a:bodyPr>
+          <a:lstStyle/>
+          <a:p>
+            <a:pPr algn="ctr"/>
+            <a:r>
+              <a:rPr lang="en-IN" b="1" dirty="0" err="1"/>
+              <a:t>RouterModule</a:t>
+            </a:r>
+            <a:endParaRPr lang="en-US" b="1" dirty="0"/>
+          </a:p>
+        </p:txBody>
+      </p:sp>
+      <p:sp>
+        <p:nvSpPr>
+          <p:cNvPr id="3" name="Rectangle 2">
+            <a:extLst>
+              <a:ext uri="{FF2B5EF4-FFF2-40B4-BE49-F238E27FC236}">
+                <a16:creationId xmlns:a16="http://schemas.microsoft.com/office/drawing/2014/main" id="{6050A0CE-AEAD-4F6A-9CE6-FF32799810B1}"/>
+              </a:ext>
+            </a:extLst>
+          </p:cNvPr>
+          <p:cNvSpPr/>
+          <p:nvPr/>
+        </p:nvSpPr>
+        <p:spPr>
+          <a:xfrm>
+            <a:off x="416859" y="569457"/>
+            <a:ext cx="11465859" cy="5988423"/>
+          </a:xfrm>
+          <a:prstGeom prst="rect">
+            <a:avLst/>
+          </a:prstGeom>
+        </p:spPr>
+        <p:style>
+          <a:lnRef idx="2">
+            <a:schemeClr val="accent3">
+              <a:shade val="50000"/>
+            </a:schemeClr>
+          </a:lnRef>
+          <a:fillRef idx="1">
+            <a:schemeClr val="accent3"/>
+          </a:fillRef>
+          <a:effectRef idx="0">
+            <a:schemeClr val="accent3"/>
+          </a:effectRef>
+          <a:fontRef idx="minor">
+            <a:schemeClr val="lt1"/>
+          </a:fontRef>
+        </p:style>
+        <p:txBody>
+          <a:bodyPr rtlCol="0" anchor="ctr"/>
+          <a:lstStyle/>
+          <a:p>
+            <a:pPr algn="ctr"/>
+            <a:endParaRPr lang="en-IN" dirty="0"/>
+          </a:p>
+          <a:p>
+            <a:pPr algn="ctr"/>
+            <a:endParaRPr lang="en-US" dirty="0"/>
+          </a:p>
+          <a:p>
+            <a:pPr algn="ctr"/>
+            <a:endParaRPr lang="en-US" dirty="0"/>
+          </a:p>
+          <a:p>
+            <a:pPr algn="ctr"/>
+            <a:endParaRPr lang="en-US" dirty="0"/>
+          </a:p>
+          <a:p>
+            <a:pPr algn="ctr"/>
+            <a:endParaRPr lang="en-US" dirty="0"/>
+          </a:p>
+          <a:p>
+            <a:pPr algn="ctr"/>
+            <a:endParaRPr lang="en-US" dirty="0"/>
+          </a:p>
+          <a:p>
+            <a:pPr algn="ctr"/>
+            <a:endParaRPr lang="en-US" dirty="0"/>
+          </a:p>
+          <a:p>
+            <a:pPr algn="ctr"/>
+            <a:endParaRPr lang="en-US" dirty="0"/>
+          </a:p>
+          <a:p>
+            <a:pPr algn="ctr"/>
+            <a:endParaRPr lang="en-US" dirty="0"/>
+          </a:p>
+          <a:p>
+            <a:pPr algn="ctr"/>
+            <a:endParaRPr lang="en-US" dirty="0"/>
+          </a:p>
+          <a:p>
+            <a:pPr algn="ctr"/>
+            <a:endParaRPr lang="en-US" dirty="0"/>
+          </a:p>
+          <a:p>
+            <a:pPr algn="ctr"/>
+            <a:endParaRPr lang="en-US" dirty="0"/>
+          </a:p>
+          <a:p>
+            <a:pPr algn="ctr"/>
+            <a:endParaRPr lang="en-US" dirty="0"/>
+          </a:p>
+          <a:p>
+            <a:pPr algn="ctr"/>
+            <a:endParaRPr lang="en-US" dirty="0"/>
+          </a:p>
+        </p:txBody>
+      </p:sp>
+      <p:sp>
+        <p:nvSpPr>
+          <p:cNvPr id="5" name="Flowchart: Multidocument 4">
+            <a:extLst>
+              <a:ext uri="{FF2B5EF4-FFF2-40B4-BE49-F238E27FC236}">
+                <a16:creationId xmlns:a16="http://schemas.microsoft.com/office/drawing/2014/main" id="{9E45B986-0BB5-4126-A698-8DC03A9741F7}"/>
+              </a:ext>
+            </a:extLst>
+          </p:cNvPr>
+          <p:cNvSpPr/>
+          <p:nvPr/>
+        </p:nvSpPr>
+        <p:spPr>
+          <a:xfrm>
+            <a:off x="9141012" y="3600219"/>
+            <a:ext cx="2330824" cy="1290918"/>
+          </a:xfrm>
+          <a:prstGeom prst="flowChartMultidocument">
+            <a:avLst/>
+          </a:prstGeom>
+        </p:spPr>
+        <p:style>
+          <a:lnRef idx="2">
+            <a:schemeClr val="accent1">
+              <a:shade val="50000"/>
+            </a:schemeClr>
+          </a:lnRef>
+          <a:fillRef idx="1">
+            <a:schemeClr val="accent1"/>
+          </a:fillRef>
+          <a:effectRef idx="0">
+            <a:schemeClr val="accent1"/>
+          </a:effectRef>
+          <a:fontRef idx="minor">
+            <a:schemeClr val="lt1"/>
+          </a:fontRef>
+        </p:style>
+        <p:txBody>
+          <a:bodyPr rtlCol="0" anchor="ctr"/>
+          <a:lstStyle/>
+          <a:p>
+            <a:pPr algn="ctr"/>
+            <a:r>
+              <a:rPr lang="en-IN" dirty="0"/>
+              <a:t>Components in Module Declaration</a:t>
+            </a:r>
+            <a:endParaRPr lang="en-US" dirty="0"/>
+          </a:p>
+        </p:txBody>
+      </p:sp>
+      <p:cxnSp>
+        <p:nvCxnSpPr>
+          <p:cNvPr id="7" name="Straight Arrow Connector 6">
+            <a:extLst>
+              <a:ext uri="{FF2B5EF4-FFF2-40B4-BE49-F238E27FC236}">
+                <a16:creationId xmlns:a16="http://schemas.microsoft.com/office/drawing/2014/main" id="{B83658E1-893B-40C2-B1E5-0DB5B8968CC7}"/>
+              </a:ext>
+            </a:extLst>
+          </p:cNvPr>
+          <p:cNvCxnSpPr>
+            <a:cxnSpLocks/>
+          </p:cNvCxnSpPr>
+          <p:nvPr/>
+        </p:nvCxnSpPr>
+        <p:spPr>
+          <a:xfrm flipH="1" flipV="1">
+            <a:off x="9583271" y="2935992"/>
+            <a:ext cx="723153" cy="627677"/>
+          </a:xfrm>
+          <a:prstGeom prst="straightConnector1">
+            <a:avLst/>
+          </a:prstGeom>
+          <a:ln>
+            <a:tailEnd type="triangle"/>
+          </a:ln>
+        </p:spPr>
+        <p:style>
+          <a:lnRef idx="1">
+            <a:schemeClr val="accent1"/>
+          </a:lnRef>
+          <a:fillRef idx="0">
+            <a:schemeClr val="accent1"/>
+          </a:fillRef>
+          <a:effectRef idx="0">
+            <a:schemeClr val="accent1"/>
+          </a:effectRef>
+          <a:fontRef idx="minor">
+            <a:schemeClr val="tx1"/>
+          </a:fontRef>
+        </p:style>
+      </p:cxnSp>
+      <p:sp>
+        <p:nvSpPr>
+          <p:cNvPr id="8" name="TextBox 7">
+            <a:extLst>
+              <a:ext uri="{FF2B5EF4-FFF2-40B4-BE49-F238E27FC236}">
+                <a16:creationId xmlns:a16="http://schemas.microsoft.com/office/drawing/2014/main" id="{5F80B264-62F7-43B6-B972-6B8BC1A1EABF}"/>
+              </a:ext>
+            </a:extLst>
+          </p:cNvPr>
+          <p:cNvSpPr txBox="1"/>
+          <p:nvPr/>
+        </p:nvSpPr>
+        <p:spPr>
+          <a:xfrm>
+            <a:off x="4028142" y="1402248"/>
+            <a:ext cx="968188" cy="369332"/>
+          </a:xfrm>
+          <a:prstGeom prst="rect">
+            <a:avLst/>
+          </a:prstGeom>
+          <a:noFill/>
+        </p:spPr>
+        <p:txBody>
+          <a:bodyPr wrap="square" rtlCol="0">
+            <a:spAutoFit/>
+          </a:bodyPr>
+          <a:lstStyle/>
+          <a:p>
+            <a:r>
+              <a:rPr lang="en-IN" b="1" dirty="0"/>
+              <a:t>Route</a:t>
+            </a:r>
+            <a:endParaRPr lang="en-US" b="1" dirty="0"/>
+          </a:p>
+        </p:txBody>
+      </p:sp>
+      <p:sp>
+        <p:nvSpPr>
+          <p:cNvPr id="9" name="Arrow: Right 8">
+            <a:extLst>
+              <a:ext uri="{FF2B5EF4-FFF2-40B4-BE49-F238E27FC236}">
+                <a16:creationId xmlns:a16="http://schemas.microsoft.com/office/drawing/2014/main" id="{211F6CB7-1149-4632-947B-8A40F641D8E7}"/>
+              </a:ext>
+            </a:extLst>
+          </p:cNvPr>
+          <p:cNvSpPr/>
+          <p:nvPr/>
+        </p:nvSpPr>
+        <p:spPr>
+          <a:xfrm>
+            <a:off x="4733365" y="1499953"/>
+            <a:ext cx="1416423" cy="173922"/>
+          </a:xfrm>
+          <a:prstGeom prst="rightArrow">
+            <a:avLst/>
+          </a:prstGeom>
+        </p:spPr>
+        <p:style>
+          <a:lnRef idx="2">
+            <a:schemeClr val="accent1">
+              <a:shade val="50000"/>
+            </a:schemeClr>
+          </a:lnRef>
+          <a:fillRef idx="1">
+            <a:schemeClr val="accent1"/>
+          </a:fillRef>
+          <a:effectRef idx="0">
+            <a:schemeClr val="accent1"/>
+          </a:effectRef>
+          <a:fontRef idx="minor">
+            <a:schemeClr val="lt1"/>
+          </a:fontRef>
+        </p:style>
+        <p:txBody>
+          <a:bodyPr rtlCol="0" anchor="ctr"/>
+          <a:lstStyle/>
+          <a:p>
+            <a:pPr algn="ctr"/>
+            <a:endParaRPr lang="en-US"/>
+          </a:p>
+        </p:txBody>
+      </p:sp>
+      <p:sp>
+        <p:nvSpPr>
+          <p:cNvPr id="10" name="TextBox 9">
+            <a:extLst>
+              <a:ext uri="{FF2B5EF4-FFF2-40B4-BE49-F238E27FC236}">
+                <a16:creationId xmlns:a16="http://schemas.microsoft.com/office/drawing/2014/main" id="{6406729A-1906-4D01-B776-A2D5E03D367F}"/>
+              </a:ext>
+            </a:extLst>
+          </p:cNvPr>
+          <p:cNvSpPr txBox="1"/>
+          <p:nvPr/>
+        </p:nvSpPr>
+        <p:spPr>
+          <a:xfrm>
+            <a:off x="4028142" y="1863913"/>
+            <a:ext cx="968188" cy="369332"/>
+          </a:xfrm>
+          <a:prstGeom prst="rect">
+            <a:avLst/>
+          </a:prstGeom>
+          <a:noFill/>
+        </p:spPr>
+        <p:txBody>
+          <a:bodyPr wrap="square" rtlCol="0">
+            <a:spAutoFit/>
+          </a:bodyPr>
+          <a:lstStyle/>
+          <a:p>
+            <a:r>
+              <a:rPr lang="en-IN" b="1" dirty="0"/>
+              <a:t>Route</a:t>
+            </a:r>
+            <a:endParaRPr lang="en-US" b="1" dirty="0"/>
+          </a:p>
+        </p:txBody>
+      </p:sp>
+      <p:sp>
+        <p:nvSpPr>
+          <p:cNvPr id="11" name="Arrow: Right 10">
+            <a:extLst>
+              <a:ext uri="{FF2B5EF4-FFF2-40B4-BE49-F238E27FC236}">
+                <a16:creationId xmlns:a16="http://schemas.microsoft.com/office/drawing/2014/main" id="{C5D60C2E-5081-464E-B00B-F4E62B622276}"/>
+              </a:ext>
+            </a:extLst>
+          </p:cNvPr>
+          <p:cNvSpPr/>
+          <p:nvPr/>
+        </p:nvSpPr>
+        <p:spPr>
+          <a:xfrm>
+            <a:off x="4733365" y="1961618"/>
+            <a:ext cx="1416423" cy="173922"/>
+          </a:xfrm>
+          <a:prstGeom prst="rightArrow">
+            <a:avLst/>
+          </a:prstGeom>
+        </p:spPr>
+        <p:style>
+          <a:lnRef idx="2">
+            <a:schemeClr val="accent1">
+              <a:shade val="50000"/>
+            </a:schemeClr>
+          </a:lnRef>
+          <a:fillRef idx="1">
+            <a:schemeClr val="accent1"/>
+          </a:fillRef>
+          <a:effectRef idx="0">
+            <a:schemeClr val="accent1"/>
+          </a:effectRef>
+          <a:fontRef idx="minor">
+            <a:schemeClr val="lt1"/>
+          </a:fontRef>
+        </p:style>
+        <p:txBody>
+          <a:bodyPr rtlCol="0" anchor="ctr"/>
+          <a:lstStyle/>
+          <a:p>
+            <a:pPr algn="ctr"/>
+            <a:endParaRPr lang="en-US"/>
+          </a:p>
+        </p:txBody>
+      </p:sp>
+      <p:sp>
+        <p:nvSpPr>
+          <p:cNvPr id="12" name="Left Brace 11">
+            <a:extLst>
+              <a:ext uri="{FF2B5EF4-FFF2-40B4-BE49-F238E27FC236}">
+                <a16:creationId xmlns:a16="http://schemas.microsoft.com/office/drawing/2014/main" id="{C784789F-F949-4787-8EE8-2E09BF1E0166}"/>
+              </a:ext>
+            </a:extLst>
+          </p:cNvPr>
+          <p:cNvSpPr/>
+          <p:nvPr/>
+        </p:nvSpPr>
+        <p:spPr>
+          <a:xfrm>
+            <a:off x="3756213" y="1402248"/>
+            <a:ext cx="394446" cy="1533744"/>
+          </a:xfrm>
+          <a:prstGeom prst="leftBrace">
+            <a:avLst/>
+          </a:prstGeom>
+          <a:ln w="76200">
+            <a:solidFill>
+              <a:srgbClr val="002060"/>
+            </a:solidFill>
+          </a:ln>
+        </p:spPr>
+        <p:style>
+          <a:lnRef idx="1">
+            <a:schemeClr val="accent1"/>
+          </a:lnRef>
+          <a:fillRef idx="0">
+            <a:schemeClr val="accent1"/>
+          </a:fillRef>
+          <a:effectRef idx="0">
+            <a:schemeClr val="accent1"/>
+          </a:effectRef>
+          <a:fontRef idx="minor">
+            <a:schemeClr val="tx1"/>
+          </a:fontRef>
+        </p:style>
+        <p:txBody>
+          <a:bodyPr rtlCol="0" anchor="ctr"/>
+          <a:lstStyle/>
+          <a:p>
+            <a:pPr algn="ctr"/>
+            <a:endParaRPr lang="en-US"/>
+          </a:p>
+        </p:txBody>
+      </p:sp>
+      <p:sp>
+        <p:nvSpPr>
+          <p:cNvPr id="13" name="TextBox 12">
+            <a:extLst>
+              <a:ext uri="{FF2B5EF4-FFF2-40B4-BE49-F238E27FC236}">
+                <a16:creationId xmlns:a16="http://schemas.microsoft.com/office/drawing/2014/main" id="{15868C4E-2F1A-46AB-9078-084EB0032601}"/>
+              </a:ext>
+            </a:extLst>
+          </p:cNvPr>
+          <p:cNvSpPr txBox="1"/>
+          <p:nvPr/>
+        </p:nvSpPr>
+        <p:spPr>
+          <a:xfrm>
+            <a:off x="1730190" y="1156663"/>
+            <a:ext cx="1927412" cy="646331"/>
+          </a:xfrm>
+          <a:prstGeom prst="rect">
+            <a:avLst/>
+          </a:prstGeom>
+          <a:noFill/>
+        </p:spPr>
+        <p:txBody>
+          <a:bodyPr wrap="square" rtlCol="0">
+            <a:spAutoFit/>
+          </a:bodyPr>
+          <a:lstStyle/>
+          <a:p>
+            <a:r>
+              <a:rPr lang="en-IN" b="1" dirty="0"/>
+              <a:t>Route Table</a:t>
+            </a:r>
+          </a:p>
+          <a:p>
+            <a:r>
+              <a:rPr lang="en-IN" b="1" dirty="0"/>
+              <a:t>The ‘Routes’</a:t>
+            </a:r>
+            <a:endParaRPr lang="en-US" b="1" dirty="0"/>
+          </a:p>
+        </p:txBody>
+      </p:sp>
+      <p:graphicFrame>
+        <p:nvGraphicFramePr>
+          <p:cNvPr id="14" name="Table 14">
+            <a:extLst>
+              <a:ext uri="{FF2B5EF4-FFF2-40B4-BE49-F238E27FC236}">
+                <a16:creationId xmlns:a16="http://schemas.microsoft.com/office/drawing/2014/main" id="{218F0D6E-5B93-4270-B15D-24A7DB444AFB}"/>
+              </a:ext>
+            </a:extLst>
+          </p:cNvPr>
+          <p:cNvGraphicFramePr>
+            <a:graphicFrameLocks noGrp="1"/>
+          </p:cNvGraphicFramePr>
+          <p:nvPr>
+            <p:extLst>
+              <p:ext uri="{D42A27DB-BD31-4B8C-83A1-F6EECF244321}">
+                <p14:modId xmlns:p14="http://schemas.microsoft.com/office/powerpoint/2010/main" val="261765397"/>
+              </p:ext>
+            </p:extLst>
+          </p:nvPr>
+        </p:nvGraphicFramePr>
+        <p:xfrm>
+          <a:off x="6149785" y="1081792"/>
+          <a:ext cx="5625356" cy="1854200"/>
+        </p:xfrm>
+        <a:graphic>
+          <a:graphicData uri="http://schemas.openxmlformats.org/drawingml/2006/table">
+            <a:tbl>
+              <a:tblPr firstRow="1" bandRow="1">
+                <a:tableStyleId>{5C22544A-7EE6-4342-B048-85BDC9FD1C3A}</a:tableStyleId>
+              </a:tblPr>
+              <a:tblGrid>
+                <a:gridCol w="1406339">
+                  <a:extLst>
+                    <a:ext uri="{9D8B030D-6E8A-4147-A177-3AD203B41FA5}">
+                      <a16:colId xmlns:a16="http://schemas.microsoft.com/office/drawing/2014/main" val="787469795"/>
+                    </a:ext>
+                  </a:extLst>
+                </a:gridCol>
+                <a:gridCol w="1406339">
+                  <a:extLst>
+                    <a:ext uri="{9D8B030D-6E8A-4147-A177-3AD203B41FA5}">
+                      <a16:colId xmlns:a16="http://schemas.microsoft.com/office/drawing/2014/main" val="2175124594"/>
+                    </a:ext>
+                  </a:extLst>
+                </a:gridCol>
+                <a:gridCol w="1051113">
+                  <a:extLst>
+                    <a:ext uri="{9D8B030D-6E8A-4147-A177-3AD203B41FA5}">
+                      <a16:colId xmlns:a16="http://schemas.microsoft.com/office/drawing/2014/main" val="3693925057"/>
+                    </a:ext>
+                  </a:extLst>
+                </a:gridCol>
+                <a:gridCol w="1761565">
+                  <a:extLst>
+                    <a:ext uri="{9D8B030D-6E8A-4147-A177-3AD203B41FA5}">
+                      <a16:colId xmlns:a16="http://schemas.microsoft.com/office/drawing/2014/main" val="2631758940"/>
+                    </a:ext>
+                  </a:extLst>
+                </a:gridCol>
+              </a:tblGrid>
+              <a:tr h="370840">
+                <a:tc>
+                  <a:txBody>
+                    <a:bodyPr/>
+                    <a:lstStyle/>
+                    <a:p>
+                      <a:r>
+                        <a:rPr lang="en-IN" dirty="0"/>
+                        <a:t>URL</a:t>
+                      </a:r>
+                      <a:endParaRPr lang="en-US" dirty="0"/>
+                    </a:p>
+                  </a:txBody>
+                  <a:tcPr/>
+                </a:tc>
+                <a:tc>
+                  <a:txBody>
+                    <a:bodyPr/>
+                    <a:lstStyle/>
+                    <a:p>
+                      <a:r>
+                        <a:rPr lang="en-IN" dirty="0"/>
+                        <a:t>Comp</a:t>
+                      </a:r>
+                      <a:endParaRPr lang="en-US" dirty="0"/>
+                    </a:p>
+                  </a:txBody>
+                  <a:tcPr/>
+                </a:tc>
+                <a:tc>
+                  <a:txBody>
+                    <a:bodyPr/>
+                    <a:lstStyle/>
+                    <a:p>
+                      <a:r>
+                        <a:rPr lang="en-IN" dirty="0"/>
+                        <a:t>Redirect</a:t>
+                      </a:r>
+                      <a:endParaRPr lang="en-US" dirty="0"/>
+                    </a:p>
+                  </a:txBody>
+                  <a:tcPr/>
+                </a:tc>
+                <a:tc>
+                  <a:txBody>
+                    <a:bodyPr/>
+                    <a:lstStyle/>
+                    <a:p>
+                      <a:r>
+                        <a:rPr lang="en-IN" dirty="0" err="1"/>
+                        <a:t>LoadChildren</a:t>
+                      </a:r>
+                      <a:endParaRPr lang="en-US" dirty="0"/>
+                    </a:p>
+                  </a:txBody>
+                  <a:tcPr/>
+                </a:tc>
+                <a:extLst>
+                  <a:ext uri="{0D108BD9-81ED-4DB2-BD59-A6C34878D82A}">
+                    <a16:rowId xmlns:a16="http://schemas.microsoft.com/office/drawing/2014/main" val="3520856630"/>
+                  </a:ext>
+                </a:extLst>
+              </a:tr>
+              <a:tr h="370840">
+                <a:tc>
+                  <a:txBody>
+                    <a:bodyPr/>
+                    <a:lstStyle/>
+                    <a:p>
+                      <a:r>
+                        <a:rPr lang="en-IN" dirty="0"/>
+                        <a:t>/</a:t>
+                      </a:r>
+                      <a:endParaRPr lang="en-US" dirty="0"/>
+                    </a:p>
+                  </a:txBody>
+                  <a:tcPr/>
+                </a:tc>
+                <a:tc>
+                  <a:txBody>
+                    <a:bodyPr/>
+                    <a:lstStyle/>
+                    <a:p>
+                      <a:r>
+                        <a:rPr lang="en-IN" dirty="0"/>
+                        <a:t>Comp0</a:t>
+                      </a:r>
+                      <a:endParaRPr lang="en-US" dirty="0"/>
+                    </a:p>
+                  </a:txBody>
+                  <a:tcPr/>
+                </a:tc>
+                <a:tc>
+                  <a:txBody>
+                    <a:bodyPr/>
+                    <a:lstStyle/>
+                    <a:p>
+                      <a:r>
+                        <a:rPr lang="en-IN" dirty="0"/>
+                        <a:t>NULL</a:t>
+                      </a:r>
+                      <a:endParaRPr lang="en-US" dirty="0"/>
+                    </a:p>
+                  </a:txBody>
+                  <a:tcPr/>
+                </a:tc>
+                <a:tc>
+                  <a:txBody>
+                    <a:bodyPr/>
+                    <a:lstStyle/>
+                    <a:p>
+                      <a:r>
+                        <a:rPr lang="en-IN" dirty="0"/>
+                        <a:t>NULL</a:t>
+                      </a:r>
+                      <a:endParaRPr lang="en-US" dirty="0"/>
+                    </a:p>
+                  </a:txBody>
+                  <a:tcPr/>
+                </a:tc>
+                <a:extLst>
+                  <a:ext uri="{0D108BD9-81ED-4DB2-BD59-A6C34878D82A}">
+                    <a16:rowId xmlns:a16="http://schemas.microsoft.com/office/drawing/2014/main" val="2425789822"/>
+                  </a:ext>
+                </a:extLst>
+              </a:tr>
+              <a:tr h="370840">
+                <a:tc>
+                  <a:txBody>
+                    <a:bodyPr/>
+                    <a:lstStyle/>
+                    <a:p>
+                      <a:r>
+                        <a:rPr lang="en-IN" dirty="0"/>
+                        <a:t>/first</a:t>
+                      </a:r>
+                      <a:endParaRPr lang="en-US" dirty="0"/>
+                    </a:p>
+                  </a:txBody>
+                  <a:tcPr/>
+                </a:tc>
+                <a:tc>
+                  <a:txBody>
+                    <a:bodyPr/>
+                    <a:lstStyle/>
+                    <a:p>
+                      <a:r>
+                        <a:rPr lang="en-IN" dirty="0"/>
+                        <a:t>Comp1</a:t>
+                      </a:r>
+                      <a:endParaRPr lang="en-US" dirty="0"/>
+                    </a:p>
+                  </a:txBody>
+                  <a:tcPr/>
+                </a:tc>
+                <a:tc>
+                  <a:txBody>
+                    <a:bodyPr/>
+                    <a:lstStyle/>
+                    <a:p>
+                      <a:r>
+                        <a:rPr lang="en-IN" dirty="0"/>
+                        <a:t>NULL</a:t>
+                      </a:r>
+                      <a:endParaRPr lang="en-US" dirty="0"/>
+                    </a:p>
+                  </a:txBody>
+                  <a:tcPr/>
+                </a:tc>
+                <a:tc>
+                  <a:txBody>
+                    <a:bodyPr/>
+                    <a:lstStyle/>
+                    <a:p>
+                      <a:r>
+                        <a:rPr lang="en-IN" dirty="0"/>
+                        <a:t>NULL</a:t>
+                      </a:r>
+                      <a:endParaRPr lang="en-US" dirty="0"/>
+                    </a:p>
+                  </a:txBody>
+                  <a:tcPr/>
+                </a:tc>
+                <a:extLst>
+                  <a:ext uri="{0D108BD9-81ED-4DB2-BD59-A6C34878D82A}">
+                    <a16:rowId xmlns:a16="http://schemas.microsoft.com/office/drawing/2014/main" val="1740265576"/>
+                  </a:ext>
+                </a:extLst>
+              </a:tr>
+              <a:tr h="370840">
+                <a:tc>
+                  <a:txBody>
+                    <a:bodyPr/>
+                    <a:lstStyle/>
+                    <a:p>
+                      <a:r>
+                        <a:rPr lang="en-IN" dirty="0"/>
+                        <a:t>**</a:t>
+                      </a:r>
+                      <a:endParaRPr lang="en-US" dirty="0"/>
+                    </a:p>
+                  </a:txBody>
+                  <a:tcPr/>
+                </a:tc>
+                <a:tc>
+                  <a:txBody>
+                    <a:bodyPr/>
+                    <a:lstStyle/>
+                    <a:p>
+                      <a:r>
+                        <a:rPr lang="en-IN" dirty="0"/>
+                        <a:t>NULL</a:t>
+                      </a:r>
+                      <a:endParaRPr lang="en-US" dirty="0"/>
+                    </a:p>
+                  </a:txBody>
+                  <a:tcPr/>
+                </a:tc>
+                <a:tc>
+                  <a:txBody>
+                    <a:bodyPr/>
+                    <a:lstStyle/>
+                    <a:p>
+                      <a:r>
+                        <a:rPr lang="en-IN" dirty="0"/>
+                        <a:t>Comp0</a:t>
+                      </a:r>
+                      <a:endParaRPr lang="en-US" dirty="0"/>
+                    </a:p>
+                  </a:txBody>
+                  <a:tcPr/>
+                </a:tc>
+                <a:tc>
+                  <a:txBody>
+                    <a:bodyPr/>
+                    <a:lstStyle/>
+                    <a:p>
+                      <a:r>
+                        <a:rPr lang="en-IN" dirty="0"/>
+                        <a:t>NULL</a:t>
+                      </a:r>
+                      <a:endParaRPr lang="en-US" dirty="0"/>
+                    </a:p>
+                  </a:txBody>
+                  <a:tcPr/>
+                </a:tc>
+                <a:extLst>
+                  <a:ext uri="{0D108BD9-81ED-4DB2-BD59-A6C34878D82A}">
+                    <a16:rowId xmlns:a16="http://schemas.microsoft.com/office/drawing/2014/main" val="2427646423"/>
+                  </a:ext>
+                </a:extLst>
+              </a:tr>
+              <a:tr h="370840">
+                <a:tc>
+                  <a:txBody>
+                    <a:bodyPr/>
+                    <a:lstStyle/>
+                    <a:p>
+                      <a:r>
+                        <a:rPr lang="en-IN" dirty="0"/>
+                        <a:t>Lazy</a:t>
+                      </a:r>
+                      <a:endParaRPr lang="en-US" dirty="0"/>
+                    </a:p>
+                  </a:txBody>
+                  <a:tcPr/>
+                </a:tc>
+                <a:tc>
+                  <a:txBody>
+                    <a:bodyPr/>
+                    <a:lstStyle/>
+                    <a:p>
+                      <a:r>
+                        <a:rPr lang="en-IN" dirty="0"/>
+                        <a:t>NULL</a:t>
+                      </a:r>
+                      <a:endParaRPr lang="en-US" dirty="0"/>
+                    </a:p>
+                  </a:txBody>
+                  <a:tcPr/>
+                </a:tc>
+                <a:tc>
+                  <a:txBody>
+                    <a:bodyPr/>
+                    <a:lstStyle/>
+                    <a:p>
+                      <a:r>
+                        <a:rPr lang="en-IN" dirty="0"/>
+                        <a:t>NULL</a:t>
+                      </a:r>
+                      <a:endParaRPr lang="en-US" dirty="0"/>
+                    </a:p>
+                  </a:txBody>
+                  <a:tcPr/>
+                </a:tc>
+                <a:tc>
+                  <a:txBody>
+                    <a:bodyPr/>
+                    <a:lstStyle/>
+                    <a:p>
+                      <a:r>
+                        <a:rPr lang="en-IN" dirty="0" err="1"/>
+                        <a:t>LazyModule</a:t>
+                      </a:r>
+                      <a:endParaRPr lang="en-US" dirty="0"/>
+                    </a:p>
+                  </a:txBody>
+                  <a:tcPr/>
+                </a:tc>
+                <a:extLst>
+                  <a:ext uri="{0D108BD9-81ED-4DB2-BD59-A6C34878D82A}">
+                    <a16:rowId xmlns:a16="http://schemas.microsoft.com/office/drawing/2014/main" val="3620612096"/>
+                  </a:ext>
+                </a:extLst>
+              </a:tr>
+            </a:tbl>
+          </a:graphicData>
+        </a:graphic>
+      </p:graphicFrame>
+      <p:cxnSp>
+        <p:nvCxnSpPr>
+          <p:cNvPr id="17" name="Straight Arrow Connector 16">
+            <a:extLst>
+              <a:ext uri="{FF2B5EF4-FFF2-40B4-BE49-F238E27FC236}">
+                <a16:creationId xmlns:a16="http://schemas.microsoft.com/office/drawing/2014/main" id="{31BAD4D6-DF29-4CD6-969B-DDADEB07DC73}"/>
+              </a:ext>
+            </a:extLst>
+          </p:cNvPr>
+          <p:cNvCxnSpPr/>
+          <p:nvPr/>
+        </p:nvCxnSpPr>
+        <p:spPr>
+          <a:xfrm flipH="1" flipV="1">
+            <a:off x="8382000" y="1673875"/>
+            <a:ext cx="759012" cy="698835"/>
+          </a:xfrm>
+          <a:prstGeom prst="straightConnector1">
+            <a:avLst/>
+          </a:prstGeom>
+          <a:ln>
+            <a:tailEnd type="triangle"/>
+          </a:ln>
+        </p:spPr>
+        <p:style>
+          <a:lnRef idx="1">
+            <a:schemeClr val="accent1"/>
+          </a:lnRef>
+          <a:fillRef idx="0">
+            <a:schemeClr val="accent1"/>
+          </a:fillRef>
+          <a:effectRef idx="0">
+            <a:schemeClr val="accent1"/>
+          </a:effectRef>
+          <a:fontRef idx="minor">
+            <a:schemeClr val="tx1"/>
+          </a:fontRef>
+        </p:style>
+      </p:cxnSp>
+      <p:sp>
+        <p:nvSpPr>
+          <p:cNvPr id="19" name="TextBox 18">
+            <a:extLst>
+              <a:ext uri="{FF2B5EF4-FFF2-40B4-BE49-F238E27FC236}">
+                <a16:creationId xmlns:a16="http://schemas.microsoft.com/office/drawing/2014/main" id="{F2820514-79F7-420D-B2F1-04E40B5B5718}"/>
+              </a:ext>
+            </a:extLst>
+          </p:cNvPr>
+          <p:cNvSpPr txBox="1"/>
+          <p:nvPr/>
+        </p:nvSpPr>
+        <p:spPr>
+          <a:xfrm>
+            <a:off x="4028136" y="2160532"/>
+            <a:ext cx="968188" cy="369332"/>
+          </a:xfrm>
+          <a:prstGeom prst="rect">
+            <a:avLst/>
+          </a:prstGeom>
+          <a:noFill/>
+        </p:spPr>
+        <p:txBody>
+          <a:bodyPr wrap="square" rtlCol="0">
+            <a:spAutoFit/>
+          </a:bodyPr>
+          <a:lstStyle/>
+          <a:p>
+            <a:r>
+              <a:rPr lang="en-IN" b="1" dirty="0"/>
+              <a:t>Route</a:t>
+            </a:r>
+            <a:endParaRPr lang="en-US" b="1" dirty="0"/>
+          </a:p>
+        </p:txBody>
+      </p:sp>
+      <p:sp>
+        <p:nvSpPr>
+          <p:cNvPr id="20" name="Arrow: Right 19">
+            <a:extLst>
+              <a:ext uri="{FF2B5EF4-FFF2-40B4-BE49-F238E27FC236}">
+                <a16:creationId xmlns:a16="http://schemas.microsoft.com/office/drawing/2014/main" id="{3E3781AA-8EEC-4996-B246-20552E2B129E}"/>
+              </a:ext>
+            </a:extLst>
+          </p:cNvPr>
+          <p:cNvSpPr/>
+          <p:nvPr/>
+        </p:nvSpPr>
+        <p:spPr>
+          <a:xfrm>
+            <a:off x="4733359" y="2258237"/>
+            <a:ext cx="1416423" cy="173922"/>
+          </a:xfrm>
+          <a:prstGeom prst="rightArrow">
+            <a:avLst/>
+          </a:prstGeom>
+        </p:spPr>
+        <p:style>
+          <a:lnRef idx="2">
+            <a:schemeClr val="accent1">
+              <a:shade val="50000"/>
+            </a:schemeClr>
+          </a:lnRef>
+          <a:fillRef idx="1">
+            <a:schemeClr val="accent1"/>
+          </a:fillRef>
+          <a:effectRef idx="0">
+            <a:schemeClr val="accent1"/>
+          </a:effectRef>
+          <a:fontRef idx="minor">
+            <a:schemeClr val="lt1"/>
+          </a:fontRef>
+        </p:style>
+        <p:txBody>
+          <a:bodyPr rtlCol="0" anchor="ctr"/>
+          <a:lstStyle/>
+          <a:p>
+            <a:pPr algn="ctr"/>
+            <a:endParaRPr lang="en-US"/>
+          </a:p>
+        </p:txBody>
+      </p:sp>
+      <p:sp>
+        <p:nvSpPr>
+          <p:cNvPr id="21" name="TextBox 20">
+            <a:extLst>
+              <a:ext uri="{FF2B5EF4-FFF2-40B4-BE49-F238E27FC236}">
+                <a16:creationId xmlns:a16="http://schemas.microsoft.com/office/drawing/2014/main" id="{74140DBE-F39E-4A0B-A2FB-DA83287D90EA}"/>
+              </a:ext>
+            </a:extLst>
+          </p:cNvPr>
+          <p:cNvSpPr txBox="1"/>
+          <p:nvPr/>
+        </p:nvSpPr>
+        <p:spPr>
+          <a:xfrm>
+            <a:off x="4028136" y="2622197"/>
+            <a:ext cx="968188" cy="369332"/>
+          </a:xfrm>
+          <a:prstGeom prst="rect">
+            <a:avLst/>
+          </a:prstGeom>
+          <a:noFill/>
+        </p:spPr>
+        <p:txBody>
+          <a:bodyPr wrap="square" rtlCol="0">
+            <a:spAutoFit/>
+          </a:bodyPr>
+          <a:lstStyle/>
+          <a:p>
+            <a:r>
+              <a:rPr lang="en-IN" b="1" dirty="0"/>
+              <a:t>Route</a:t>
+            </a:r>
+            <a:endParaRPr lang="en-US" b="1" dirty="0"/>
+          </a:p>
+        </p:txBody>
+      </p:sp>
+      <p:sp>
+        <p:nvSpPr>
+          <p:cNvPr id="22" name="Arrow: Right 21">
+            <a:extLst>
+              <a:ext uri="{FF2B5EF4-FFF2-40B4-BE49-F238E27FC236}">
+                <a16:creationId xmlns:a16="http://schemas.microsoft.com/office/drawing/2014/main" id="{967E1D3A-E865-4FCA-8D93-F171617903F5}"/>
+              </a:ext>
+            </a:extLst>
+          </p:cNvPr>
+          <p:cNvSpPr/>
+          <p:nvPr/>
+        </p:nvSpPr>
+        <p:spPr>
+          <a:xfrm>
+            <a:off x="4733359" y="2719902"/>
+            <a:ext cx="1416423" cy="173922"/>
+          </a:xfrm>
+          <a:prstGeom prst="rightArrow">
+            <a:avLst/>
+          </a:prstGeom>
+        </p:spPr>
+        <p:style>
+          <a:lnRef idx="2">
+            <a:schemeClr val="accent1">
+              <a:shade val="50000"/>
+            </a:schemeClr>
+          </a:lnRef>
+          <a:fillRef idx="1">
+            <a:schemeClr val="accent1"/>
+          </a:fillRef>
+          <a:effectRef idx="0">
+            <a:schemeClr val="accent1"/>
+          </a:effectRef>
+          <a:fontRef idx="minor">
+            <a:schemeClr val="lt1"/>
+          </a:fontRef>
+        </p:style>
+        <p:txBody>
+          <a:bodyPr rtlCol="0" anchor="ctr"/>
+          <a:lstStyle/>
+          <a:p>
+            <a:pPr algn="ctr"/>
+            <a:endParaRPr lang="en-US"/>
+          </a:p>
+        </p:txBody>
+      </p:sp>
+      <p:sp>
+        <p:nvSpPr>
+          <p:cNvPr id="23" name="Rectangle 22">
+            <a:extLst>
+              <a:ext uri="{FF2B5EF4-FFF2-40B4-BE49-F238E27FC236}">
+                <a16:creationId xmlns:a16="http://schemas.microsoft.com/office/drawing/2014/main" id="{C0F80BA6-C2AC-4502-B8CA-596558A74544}"/>
+              </a:ext>
+            </a:extLst>
+          </p:cNvPr>
+          <p:cNvSpPr/>
+          <p:nvPr/>
+        </p:nvSpPr>
+        <p:spPr>
+          <a:xfrm>
+            <a:off x="1030941" y="3600219"/>
+            <a:ext cx="5809130" cy="2791616"/>
+          </a:xfrm>
+          <a:prstGeom prst="rect">
+            <a:avLst/>
+          </a:prstGeom>
+        </p:spPr>
+        <p:style>
+          <a:lnRef idx="2">
+            <a:schemeClr val="accent2">
+              <a:shade val="50000"/>
+            </a:schemeClr>
+          </a:lnRef>
+          <a:fillRef idx="1">
+            <a:schemeClr val="accent2"/>
+          </a:fillRef>
+          <a:effectRef idx="0">
+            <a:schemeClr val="accent2"/>
+          </a:effectRef>
+          <a:fontRef idx="minor">
+            <a:schemeClr val="lt1"/>
+          </a:fontRef>
+        </p:style>
+        <p:txBody>
+          <a:bodyPr rtlCol="0" anchor="ctr"/>
+          <a:lstStyle/>
+          <a:p>
+            <a:pPr algn="ctr"/>
+            <a:endParaRPr lang="en-US"/>
+          </a:p>
+        </p:txBody>
+      </p:sp>
+      <p:sp>
+        <p:nvSpPr>
+          <p:cNvPr id="24" name="TextBox 23">
+            <a:extLst>
+              <a:ext uri="{FF2B5EF4-FFF2-40B4-BE49-F238E27FC236}">
+                <a16:creationId xmlns:a16="http://schemas.microsoft.com/office/drawing/2014/main" id="{AA2EF91D-9236-435A-BA35-C7A07DFBCA6A}"/>
+              </a:ext>
+            </a:extLst>
+          </p:cNvPr>
+          <p:cNvSpPr txBox="1"/>
+          <p:nvPr/>
+        </p:nvSpPr>
+        <p:spPr>
+          <a:xfrm>
+            <a:off x="1138518" y="3768783"/>
+            <a:ext cx="5602941" cy="1200329"/>
+          </a:xfrm>
+          <a:prstGeom prst="rect">
+            <a:avLst/>
+          </a:prstGeom>
+          <a:noFill/>
+        </p:spPr>
+        <p:txBody>
+          <a:bodyPr wrap="square" rtlCol="0">
+            <a:spAutoFit/>
+          </a:bodyPr>
+          <a:lstStyle/>
+          <a:p>
+            <a:r>
+              <a:rPr lang="en-IN" dirty="0"/>
+              <a:t>&lt;router-outlet&gt;&lt;/router-outlet&gt;</a:t>
+            </a:r>
+          </a:p>
+          <a:p>
+            <a:endParaRPr lang="en-IN" dirty="0"/>
+          </a:p>
+          <a:p>
+            <a:r>
+              <a:rPr lang="en-IN" dirty="0"/>
+              <a:t>The Custom Component that will Execute and Render the Component based </a:t>
+            </a:r>
+            <a:r>
+              <a:rPr lang="en-IN"/>
+              <a:t>on the Route URL</a:t>
+            </a:r>
+            <a:endParaRPr lang="en-US" dirty="0"/>
+          </a:p>
+        </p:txBody>
+      </p:sp>
+      <p:cxnSp>
+        <p:nvCxnSpPr>
+          <p:cNvPr id="26" name="Straight Arrow Connector 25">
+            <a:extLst>
+              <a:ext uri="{FF2B5EF4-FFF2-40B4-BE49-F238E27FC236}">
+                <a16:creationId xmlns:a16="http://schemas.microsoft.com/office/drawing/2014/main" id="{9E0A63FE-F692-4593-9B64-927192E086EF}"/>
+              </a:ext>
+            </a:extLst>
+          </p:cNvPr>
+          <p:cNvCxnSpPr/>
+          <p:nvPr/>
+        </p:nvCxnSpPr>
+        <p:spPr>
+          <a:xfrm flipH="1">
+            <a:off x="4814047" y="1649547"/>
+            <a:ext cx="2725271" cy="2044729"/>
+          </a:xfrm>
+          <a:prstGeom prst="straightConnector1">
+            <a:avLst/>
+          </a:prstGeom>
+          <a:ln>
+            <a:tailEnd type="triangle"/>
+          </a:ln>
+        </p:spPr>
+        <p:style>
+          <a:lnRef idx="1">
+            <a:schemeClr val="accent1"/>
+          </a:lnRef>
+          <a:fillRef idx="0">
+            <a:schemeClr val="accent1"/>
+          </a:fillRef>
+          <a:effectRef idx="0">
+            <a:schemeClr val="accent1"/>
+          </a:effectRef>
+          <a:fontRef idx="minor">
+            <a:schemeClr val="tx1"/>
+          </a:fontRef>
+        </p:style>
+      </p:cxnSp>
+      <p:cxnSp>
+        <p:nvCxnSpPr>
+          <p:cNvPr id="28" name="Straight Arrow Connector 27">
+            <a:extLst>
+              <a:ext uri="{FF2B5EF4-FFF2-40B4-BE49-F238E27FC236}">
+                <a16:creationId xmlns:a16="http://schemas.microsoft.com/office/drawing/2014/main" id="{767AAA03-AFC3-4256-A343-C035DFD03011}"/>
+              </a:ext>
+            </a:extLst>
+          </p:cNvPr>
+          <p:cNvCxnSpPr/>
+          <p:nvPr/>
+        </p:nvCxnSpPr>
+        <p:spPr>
+          <a:xfrm flipH="1">
+            <a:off x="5208493" y="1959517"/>
+            <a:ext cx="2356225" cy="1734759"/>
+          </a:xfrm>
+          <a:prstGeom prst="straightConnector1">
+            <a:avLst/>
+          </a:prstGeom>
+          <a:ln>
+            <a:tailEnd type="triangle"/>
+          </a:ln>
+        </p:spPr>
+        <p:style>
+          <a:lnRef idx="1">
+            <a:schemeClr val="accent1"/>
+          </a:lnRef>
+          <a:fillRef idx="0">
+            <a:schemeClr val="accent1"/>
+          </a:fillRef>
+          <a:effectRef idx="0">
+            <a:schemeClr val="accent1"/>
+          </a:effectRef>
+          <a:fontRef idx="minor">
+            <a:schemeClr val="tx1"/>
+          </a:fontRef>
+        </p:style>
+      </p:cxnSp>
+      <p:cxnSp>
+        <p:nvCxnSpPr>
+          <p:cNvPr id="30" name="Straight Arrow Connector 29">
+            <a:extLst>
+              <a:ext uri="{FF2B5EF4-FFF2-40B4-BE49-F238E27FC236}">
+                <a16:creationId xmlns:a16="http://schemas.microsoft.com/office/drawing/2014/main" id="{E46CAC0B-7577-4C1D-9896-DEF5F2D6F8A5}"/>
+              </a:ext>
+            </a:extLst>
+          </p:cNvPr>
+          <p:cNvCxnSpPr/>
+          <p:nvPr/>
+        </p:nvCxnSpPr>
+        <p:spPr>
+          <a:xfrm flipH="1">
+            <a:off x="5659712" y="2338102"/>
+            <a:ext cx="1905006" cy="1430681"/>
+          </a:xfrm>
+          <a:prstGeom prst="straightConnector1">
+            <a:avLst/>
+          </a:prstGeom>
+          <a:ln>
+            <a:tailEnd type="triangle"/>
+          </a:ln>
+        </p:spPr>
+        <p:style>
+          <a:lnRef idx="1">
+            <a:schemeClr val="accent1"/>
+          </a:lnRef>
+          <a:fillRef idx="0">
+            <a:schemeClr val="accent1"/>
+          </a:fillRef>
+          <a:effectRef idx="0">
+            <a:schemeClr val="accent1"/>
+          </a:effectRef>
+          <a:fontRef idx="minor">
+            <a:schemeClr val="tx1"/>
+          </a:fontRef>
+        </p:style>
+      </p:cxnSp>
+      <p:cxnSp>
+        <p:nvCxnSpPr>
+          <p:cNvPr id="32" name="Straight Arrow Connector 31">
+            <a:extLst>
+              <a:ext uri="{FF2B5EF4-FFF2-40B4-BE49-F238E27FC236}">
+                <a16:creationId xmlns:a16="http://schemas.microsoft.com/office/drawing/2014/main" id="{CBE0F956-52FC-4091-B608-8DCBF8E0FEFC}"/>
+              </a:ext>
+            </a:extLst>
+          </p:cNvPr>
+          <p:cNvCxnSpPr/>
+          <p:nvPr/>
+        </p:nvCxnSpPr>
+        <p:spPr>
+          <a:xfrm flipH="1">
+            <a:off x="5839006" y="2744230"/>
+            <a:ext cx="1719735" cy="1235688"/>
+          </a:xfrm>
+          <a:prstGeom prst="straightConnector1">
+            <a:avLst/>
+          </a:prstGeom>
+          <a:ln>
+            <a:tailEnd type="triangle"/>
+          </a:ln>
+        </p:spPr>
+        <p:style>
+          <a:lnRef idx="1">
+            <a:schemeClr val="accent1"/>
+          </a:lnRef>
+          <a:fillRef idx="0">
+            <a:schemeClr val="accent1"/>
+          </a:fillRef>
+          <a:effectRef idx="0">
+            <a:schemeClr val="accent1"/>
+          </a:effectRef>
+          <a:fontRef idx="minor">
+            <a:schemeClr val="tx1"/>
+          </a:fontRef>
+        </p:style>
+      </p:cxnSp>
+    </p:spTree>
+    <p:extLst>
+      <p:ext uri="{BB962C8B-B14F-4D97-AF65-F5344CB8AC3E}">
+        <p14:creationId xmlns:p14="http://schemas.microsoft.com/office/powerpoint/2010/main" val="3656227971"/>
+      </p:ext>
+    </p:extLst>
+  </p:cSld>
+  <p:clrMapOvr>
+    <a:masterClrMapping/>
+  </p:clrMapOvr>
+</p:sld>
+</file>
+
 <file path=ppt/slides/slide2.xml><?xml version="1.0" encoding="utf-8"?>
 <p:sld xmlns:a="http://schemas.openxmlformats.org/drawingml/2006/main" xmlns:r="http://schemas.openxmlformats.org/officeDocument/2006/relationships" xmlns:p="http://schemas.openxmlformats.org/presentationml/2006/main">
   <p:cSld>
@@ -11983,6 +13329,494 @@
     <p:extLst>
       <p:ext uri="{BB962C8B-B14F-4D97-AF65-F5344CB8AC3E}">
         <p14:creationId xmlns:p14="http://schemas.microsoft.com/office/powerpoint/2010/main" val="2433879826"/>
+      </p:ext>
+    </p:extLst>
+  </p:cSld>
+  <p:clrMapOvr>
+    <a:masterClrMapping/>
+  </p:clrMapOvr>
+</p:sld>
+</file>
+
+<file path=ppt/slides/slide9.xml><?xml version="1.0" encoding="utf-8"?>
+<p:sld xmlns:a="http://schemas.openxmlformats.org/drawingml/2006/main" xmlns:r="http://schemas.openxmlformats.org/officeDocument/2006/relationships" xmlns:p="http://schemas.openxmlformats.org/presentationml/2006/main">
+  <p:cSld>
+    <p:spTree>
+      <p:nvGrpSpPr>
+        <p:cNvPr id="1" name=""/>
+        <p:cNvGrpSpPr/>
+        <p:nvPr/>
+      </p:nvGrpSpPr>
+      <p:grpSpPr>
+        <a:xfrm>
+          <a:off x="0" y="0"/>
+          <a:ext cx="0" cy="0"/>
+          <a:chOff x="0" y="0"/>
+          <a:chExt cx="0" cy="0"/>
+        </a:xfrm>
+      </p:grpSpPr>
+      <p:sp>
+        <p:nvSpPr>
+          <p:cNvPr id="2" name="Rectangle: Rounded Corners 1">
+            <a:extLst>
+              <a:ext uri="{FF2B5EF4-FFF2-40B4-BE49-F238E27FC236}">
+                <a16:creationId xmlns:a16="http://schemas.microsoft.com/office/drawing/2014/main" id="{BBAA6BB3-AE51-4B59-A72D-9411649C6BDF}"/>
+              </a:ext>
+            </a:extLst>
+          </p:cNvPr>
+          <p:cNvSpPr/>
+          <p:nvPr/>
+        </p:nvSpPr>
+        <p:spPr>
+          <a:xfrm>
+            <a:off x="753034" y="2788023"/>
+            <a:ext cx="2294965" cy="1541929"/>
+          </a:xfrm>
+          <a:prstGeom prst="roundRect">
+            <a:avLst/>
+          </a:prstGeom>
+        </p:spPr>
+        <p:style>
+          <a:lnRef idx="2">
+            <a:schemeClr val="accent1">
+              <a:shade val="50000"/>
+            </a:schemeClr>
+          </a:lnRef>
+          <a:fillRef idx="1">
+            <a:schemeClr val="accent1"/>
+          </a:fillRef>
+          <a:effectRef idx="0">
+            <a:schemeClr val="accent1"/>
+          </a:effectRef>
+          <a:fontRef idx="minor">
+            <a:schemeClr val="lt1"/>
+          </a:fontRef>
+        </p:style>
+        <p:txBody>
+          <a:bodyPr rtlCol="0" anchor="ctr"/>
+          <a:lstStyle/>
+          <a:p>
+            <a:pPr algn="ctr"/>
+            <a:r>
+              <a:rPr lang="en-IN" b="1" dirty="0"/>
+              <a:t>Caller</a:t>
+            </a:r>
+            <a:endParaRPr lang="en-US" b="1" dirty="0"/>
+          </a:p>
+        </p:txBody>
+      </p:sp>
+      <p:sp>
+        <p:nvSpPr>
+          <p:cNvPr id="3" name="Rectangle: Rounded Corners 2">
+            <a:extLst>
+              <a:ext uri="{FF2B5EF4-FFF2-40B4-BE49-F238E27FC236}">
+                <a16:creationId xmlns:a16="http://schemas.microsoft.com/office/drawing/2014/main" id="{929E8464-D496-4497-8D01-F925ADE327E3}"/>
+              </a:ext>
+            </a:extLst>
+          </p:cNvPr>
+          <p:cNvSpPr/>
+          <p:nvPr/>
+        </p:nvSpPr>
+        <p:spPr>
+          <a:xfrm>
+            <a:off x="9386046" y="2788022"/>
+            <a:ext cx="2294965" cy="1541929"/>
+          </a:xfrm>
+          <a:prstGeom prst="roundRect">
+            <a:avLst/>
+          </a:prstGeom>
+        </p:spPr>
+        <p:style>
+          <a:lnRef idx="2">
+            <a:schemeClr val="accent6">
+              <a:shade val="50000"/>
+            </a:schemeClr>
+          </a:lnRef>
+          <a:fillRef idx="1">
+            <a:schemeClr val="accent6"/>
+          </a:fillRef>
+          <a:effectRef idx="0">
+            <a:schemeClr val="accent6"/>
+          </a:effectRef>
+          <a:fontRef idx="minor">
+            <a:schemeClr val="lt1"/>
+          </a:fontRef>
+        </p:style>
+        <p:txBody>
+          <a:bodyPr rtlCol="0" anchor="ctr"/>
+          <a:lstStyle/>
+          <a:p>
+            <a:pPr algn="ctr"/>
+            <a:r>
+              <a:rPr lang="en-IN" b="1" dirty="0"/>
+              <a:t>Service</a:t>
+            </a:r>
+            <a:endParaRPr lang="en-US" b="1" dirty="0"/>
+          </a:p>
+        </p:txBody>
+      </p:sp>
+      <p:sp>
+        <p:nvSpPr>
+          <p:cNvPr id="4" name="Arrow: Right 3">
+            <a:extLst>
+              <a:ext uri="{FF2B5EF4-FFF2-40B4-BE49-F238E27FC236}">
+                <a16:creationId xmlns:a16="http://schemas.microsoft.com/office/drawing/2014/main" id="{308D145E-375B-4335-9064-AB01E68D69A4}"/>
+              </a:ext>
+            </a:extLst>
+          </p:cNvPr>
+          <p:cNvSpPr/>
+          <p:nvPr/>
+        </p:nvSpPr>
+        <p:spPr>
+          <a:xfrm>
+            <a:off x="3047999" y="3429000"/>
+            <a:ext cx="6338048" cy="632012"/>
+          </a:xfrm>
+          <a:prstGeom prst="rightArrow">
+            <a:avLst/>
+          </a:prstGeom>
+        </p:spPr>
+        <p:style>
+          <a:lnRef idx="2">
+            <a:schemeClr val="accent1">
+              <a:shade val="50000"/>
+            </a:schemeClr>
+          </a:lnRef>
+          <a:fillRef idx="1">
+            <a:schemeClr val="accent1"/>
+          </a:fillRef>
+          <a:effectRef idx="0">
+            <a:schemeClr val="accent1"/>
+          </a:effectRef>
+          <a:fontRef idx="minor">
+            <a:schemeClr val="lt1"/>
+          </a:fontRef>
+        </p:style>
+        <p:txBody>
+          <a:bodyPr rtlCol="0" anchor="ctr"/>
+          <a:lstStyle/>
+          <a:p>
+            <a:pPr algn="ctr"/>
+            <a:r>
+              <a:rPr lang="en-IN" b="1" dirty="0"/>
+              <a:t>Request</a:t>
+            </a:r>
+            <a:endParaRPr lang="en-US" b="1" dirty="0"/>
+          </a:p>
+        </p:txBody>
+      </p:sp>
+      <p:sp>
+        <p:nvSpPr>
+          <p:cNvPr id="5" name="Rectangle: Rounded Corners 4">
+            <a:extLst>
+              <a:ext uri="{FF2B5EF4-FFF2-40B4-BE49-F238E27FC236}">
+                <a16:creationId xmlns:a16="http://schemas.microsoft.com/office/drawing/2014/main" id="{65B781FA-1402-4F29-84FA-136FFE03E208}"/>
+              </a:ext>
+            </a:extLst>
+          </p:cNvPr>
+          <p:cNvSpPr/>
+          <p:nvPr/>
+        </p:nvSpPr>
+        <p:spPr>
+          <a:xfrm>
+            <a:off x="4724399" y="322729"/>
+            <a:ext cx="2985247" cy="1577788"/>
+          </a:xfrm>
+          <a:prstGeom prst="roundRect">
+            <a:avLst/>
+          </a:prstGeom>
+        </p:spPr>
+        <p:style>
+          <a:lnRef idx="2">
+            <a:schemeClr val="accent4">
+              <a:shade val="50000"/>
+            </a:schemeClr>
+          </a:lnRef>
+          <a:fillRef idx="1">
+            <a:schemeClr val="accent4"/>
+          </a:fillRef>
+          <a:effectRef idx="0">
+            <a:schemeClr val="accent4"/>
+          </a:effectRef>
+          <a:fontRef idx="minor">
+            <a:schemeClr val="lt1"/>
+          </a:fontRef>
+        </p:style>
+        <p:txBody>
+          <a:bodyPr rtlCol="0" anchor="ctr"/>
+          <a:lstStyle/>
+          <a:p>
+            <a:pPr algn="ctr"/>
+            <a:r>
+              <a:rPr lang="en-IN" b="1" dirty="0"/>
+              <a:t>Observable</a:t>
+            </a:r>
+          </a:p>
+          <a:p>
+            <a:pPr algn="ctr"/>
+            <a:r>
+              <a:rPr lang="en-IN" b="1" dirty="0"/>
+              <a:t>Data</a:t>
+            </a:r>
+          </a:p>
+          <a:p>
+            <a:pPr algn="ctr"/>
+            <a:r>
+              <a:rPr lang="en-IN" b="1" dirty="0"/>
+              <a:t>Maintain the State</a:t>
+            </a:r>
+            <a:endParaRPr lang="en-US" b="1" dirty="0"/>
+          </a:p>
+        </p:txBody>
+      </p:sp>
+      <p:cxnSp>
+        <p:nvCxnSpPr>
+          <p:cNvPr id="7" name="Straight Arrow Connector 6">
+            <a:extLst>
+              <a:ext uri="{FF2B5EF4-FFF2-40B4-BE49-F238E27FC236}">
+                <a16:creationId xmlns:a16="http://schemas.microsoft.com/office/drawing/2014/main" id="{0AD2E9B9-8564-479B-9DE4-708B3A8D3410}"/>
+              </a:ext>
+            </a:extLst>
+          </p:cNvPr>
+          <p:cNvCxnSpPr>
+            <a:stCxn id="3" idx="0"/>
+            <a:endCxn id="5" idx="3"/>
+          </p:cNvCxnSpPr>
+          <p:nvPr/>
+        </p:nvCxnSpPr>
+        <p:spPr>
+          <a:xfrm flipH="1" flipV="1">
+            <a:off x="7709646" y="1111623"/>
+            <a:ext cx="2823883" cy="1676399"/>
+          </a:xfrm>
+          <a:prstGeom prst="straightConnector1">
+            <a:avLst/>
+          </a:prstGeom>
+          <a:ln w="76200">
+            <a:solidFill>
+              <a:srgbClr val="002060"/>
+            </a:solidFill>
+            <a:tailEnd type="triangle"/>
+          </a:ln>
+        </p:spPr>
+        <p:style>
+          <a:lnRef idx="1">
+            <a:schemeClr val="accent1"/>
+          </a:lnRef>
+          <a:fillRef idx="0">
+            <a:schemeClr val="accent1"/>
+          </a:fillRef>
+          <a:effectRef idx="0">
+            <a:schemeClr val="accent1"/>
+          </a:effectRef>
+          <a:fontRef idx="minor">
+            <a:schemeClr val="tx1"/>
+          </a:fontRef>
+        </p:style>
+      </p:cxnSp>
+      <p:sp>
+        <p:nvSpPr>
+          <p:cNvPr id="8" name="TextBox 7">
+            <a:extLst>
+              <a:ext uri="{FF2B5EF4-FFF2-40B4-BE49-F238E27FC236}">
+                <a16:creationId xmlns:a16="http://schemas.microsoft.com/office/drawing/2014/main" id="{DF222458-A0E2-49E1-995C-972BF6425703}"/>
+              </a:ext>
+            </a:extLst>
+          </p:cNvPr>
+          <p:cNvSpPr txBox="1"/>
+          <p:nvPr/>
+        </p:nvSpPr>
+        <p:spPr>
+          <a:xfrm>
+            <a:off x="8695765" y="555812"/>
+            <a:ext cx="2752164" cy="923330"/>
+          </a:xfrm>
+          <a:prstGeom prst="rect">
+            <a:avLst/>
+          </a:prstGeom>
+          <a:noFill/>
+        </p:spPr>
+        <p:txBody>
+          <a:bodyPr wrap="square" rtlCol="0">
+            <a:spAutoFit/>
+          </a:bodyPr>
+          <a:lstStyle/>
+          <a:p>
+            <a:r>
+              <a:rPr lang="en-IN" b="1" dirty="0"/>
+              <a:t>The Data from Service is maintained by the Observable </a:t>
+            </a:r>
+            <a:endParaRPr lang="en-US" b="1" dirty="0"/>
+          </a:p>
+        </p:txBody>
+      </p:sp>
+      <p:sp>
+        <p:nvSpPr>
+          <p:cNvPr id="9" name="Arrow: Bent-Up 8">
+            <a:extLst>
+              <a:ext uri="{FF2B5EF4-FFF2-40B4-BE49-F238E27FC236}">
+                <a16:creationId xmlns:a16="http://schemas.microsoft.com/office/drawing/2014/main" id="{D6168EEF-1B0F-4025-B922-B42B79514EF2}"/>
+              </a:ext>
+            </a:extLst>
+          </p:cNvPr>
+          <p:cNvSpPr/>
+          <p:nvPr/>
+        </p:nvSpPr>
+        <p:spPr>
+          <a:xfrm rot="16200000" flipV="1">
+            <a:off x="2205318" y="268939"/>
+            <a:ext cx="1873621" cy="3164543"/>
+          </a:xfrm>
+          <a:prstGeom prst="bentUpArrow">
+            <a:avLst/>
+          </a:prstGeom>
+        </p:spPr>
+        <p:style>
+          <a:lnRef idx="2">
+            <a:schemeClr val="accent3">
+              <a:shade val="50000"/>
+            </a:schemeClr>
+          </a:lnRef>
+          <a:fillRef idx="1">
+            <a:schemeClr val="accent3"/>
+          </a:fillRef>
+          <a:effectRef idx="0">
+            <a:schemeClr val="accent3"/>
+          </a:effectRef>
+          <a:fontRef idx="minor">
+            <a:schemeClr val="lt1"/>
+          </a:fontRef>
+        </p:style>
+        <p:txBody>
+          <a:bodyPr rtlCol="0" anchor="ctr"/>
+          <a:lstStyle/>
+          <a:p>
+            <a:pPr algn="ctr"/>
+            <a:endParaRPr lang="en-US"/>
+          </a:p>
+        </p:txBody>
+      </p:sp>
+      <p:sp>
+        <p:nvSpPr>
+          <p:cNvPr id="10" name="TextBox 9">
+            <a:extLst>
+              <a:ext uri="{FF2B5EF4-FFF2-40B4-BE49-F238E27FC236}">
+                <a16:creationId xmlns:a16="http://schemas.microsoft.com/office/drawing/2014/main" id="{E620DB44-69EC-462A-9ABB-9B4A4A3E4A19}"/>
+              </a:ext>
+            </a:extLst>
+          </p:cNvPr>
+          <p:cNvSpPr txBox="1"/>
+          <p:nvPr/>
+        </p:nvSpPr>
+        <p:spPr>
+          <a:xfrm>
+            <a:off x="2017058" y="501151"/>
+            <a:ext cx="1918447" cy="646331"/>
+          </a:xfrm>
+          <a:prstGeom prst="rect">
+            <a:avLst/>
+          </a:prstGeom>
+          <a:noFill/>
+        </p:spPr>
+        <p:txBody>
+          <a:bodyPr wrap="square" rtlCol="0">
+            <a:spAutoFit/>
+          </a:bodyPr>
+          <a:lstStyle/>
+          <a:p>
+            <a:r>
+              <a:rPr lang="en-IN" dirty="0"/>
+              <a:t>Caller Subscribe to Observable</a:t>
+            </a:r>
+            <a:endParaRPr lang="en-US" dirty="0"/>
+          </a:p>
+        </p:txBody>
+      </p:sp>
+      <p:cxnSp>
+        <p:nvCxnSpPr>
+          <p:cNvPr id="12" name="Straight Arrow Connector 11">
+            <a:extLst>
+              <a:ext uri="{FF2B5EF4-FFF2-40B4-BE49-F238E27FC236}">
+                <a16:creationId xmlns:a16="http://schemas.microsoft.com/office/drawing/2014/main" id="{94CCA8DA-233F-440D-8161-18D8BE8F63C2}"/>
+              </a:ext>
+            </a:extLst>
+          </p:cNvPr>
+          <p:cNvCxnSpPr>
+            <a:stCxn id="5" idx="2"/>
+            <a:endCxn id="9" idx="2"/>
+          </p:cNvCxnSpPr>
+          <p:nvPr/>
+        </p:nvCxnSpPr>
+        <p:spPr>
+          <a:xfrm flipH="1">
+            <a:off x="1900517" y="1900517"/>
+            <a:ext cx="4316506" cy="887506"/>
+          </a:xfrm>
+          <a:prstGeom prst="straightConnector1">
+            <a:avLst/>
+          </a:prstGeom>
+          <a:ln w="76200">
+            <a:solidFill>
+              <a:srgbClr val="002060"/>
+            </a:solidFill>
+            <a:tailEnd type="triangle"/>
+          </a:ln>
+        </p:spPr>
+        <p:style>
+          <a:lnRef idx="1">
+            <a:schemeClr val="accent1"/>
+          </a:lnRef>
+          <a:fillRef idx="0">
+            <a:schemeClr val="accent1"/>
+          </a:fillRef>
+          <a:effectRef idx="0">
+            <a:schemeClr val="accent1"/>
+          </a:effectRef>
+          <a:fontRef idx="minor">
+            <a:schemeClr val="tx1"/>
+          </a:fontRef>
+        </p:style>
+      </p:cxnSp>
+      <p:sp>
+        <p:nvSpPr>
+          <p:cNvPr id="13" name="TextBox 12">
+            <a:extLst>
+              <a:ext uri="{FF2B5EF4-FFF2-40B4-BE49-F238E27FC236}">
+                <a16:creationId xmlns:a16="http://schemas.microsoft.com/office/drawing/2014/main" id="{DBB92402-F484-48B9-965E-BB6E42AF9E49}"/>
+              </a:ext>
+            </a:extLst>
+          </p:cNvPr>
+          <p:cNvSpPr txBox="1"/>
+          <p:nvPr/>
+        </p:nvSpPr>
+        <p:spPr>
+          <a:xfrm>
+            <a:off x="4500282" y="2465294"/>
+            <a:ext cx="2142565" cy="369332"/>
+          </a:xfrm>
+          <a:prstGeom prst="rect">
+            <a:avLst/>
+          </a:prstGeom>
+          <a:noFill/>
+        </p:spPr>
+        <p:txBody>
+          <a:bodyPr wrap="square" rtlCol="0">
+            <a:spAutoFit/>
+          </a:bodyPr>
+          <a:lstStyle/>
+          <a:p>
+            <a:r>
+              <a:rPr lang="en-IN" dirty="0"/>
+              <a:t>Notify the Data</a:t>
+            </a:r>
+            <a:endParaRPr lang="en-US" dirty="0"/>
+          </a:p>
+        </p:txBody>
+      </p:sp>
+    </p:spTree>
+    <p:extLst>
+      <p:ext uri="{BB962C8B-B14F-4D97-AF65-F5344CB8AC3E}">
+        <p14:creationId xmlns:p14="http://schemas.microsoft.com/office/powerpoint/2010/main" val="3930395348"/>
       </p:ext>
     </p:extLst>
   </p:cSld>

--- a/images_NG.pptx
+++ b/images_NG.pptx
@@ -15,6 +15,7 @@
     <p:sldId id="261" r:id="rId9"/>
     <p:sldId id="264" r:id="rId10"/>
     <p:sldId id="265" r:id="rId11"/>
+    <p:sldId id="266" r:id="rId12"/>
   </p:sldIdLst>
   <p:sldSz cx="12192000" cy="6858000"/>
   <p:notesSz cx="6858000" cy="9144000"/>
@@ -268,7 +269,7 @@
           <a:p>
             <a:fld id="{9E44D11B-64D0-4128-AB06-3651AB0BE39E}" type="datetimeFigureOut">
               <a:rPr lang="en-US" smtClean="0"/>
-              <a:t>2/8/2022</a:t>
+              <a:t>2/9/2022</a:t>
             </a:fld>
             <a:endParaRPr lang="en-US"/>
           </a:p>
@@ -466,7 +467,7 @@
           <a:p>
             <a:fld id="{9E44D11B-64D0-4128-AB06-3651AB0BE39E}" type="datetimeFigureOut">
               <a:rPr lang="en-US" smtClean="0"/>
-              <a:t>2/8/2022</a:t>
+              <a:t>2/9/2022</a:t>
             </a:fld>
             <a:endParaRPr lang="en-US"/>
           </a:p>
@@ -674,7 +675,7 @@
           <a:p>
             <a:fld id="{9E44D11B-64D0-4128-AB06-3651AB0BE39E}" type="datetimeFigureOut">
               <a:rPr lang="en-US" smtClean="0"/>
-              <a:t>2/8/2022</a:t>
+              <a:t>2/9/2022</a:t>
             </a:fld>
             <a:endParaRPr lang="en-US"/>
           </a:p>
@@ -872,7 +873,7 @@
           <a:p>
             <a:fld id="{9E44D11B-64D0-4128-AB06-3651AB0BE39E}" type="datetimeFigureOut">
               <a:rPr lang="en-US" smtClean="0"/>
-              <a:t>2/8/2022</a:t>
+              <a:t>2/9/2022</a:t>
             </a:fld>
             <a:endParaRPr lang="en-US"/>
           </a:p>
@@ -1147,7 +1148,7 @@
           <a:p>
             <a:fld id="{9E44D11B-64D0-4128-AB06-3651AB0BE39E}" type="datetimeFigureOut">
               <a:rPr lang="en-US" smtClean="0"/>
-              <a:t>2/8/2022</a:t>
+              <a:t>2/9/2022</a:t>
             </a:fld>
             <a:endParaRPr lang="en-US"/>
           </a:p>
@@ -1412,7 +1413,7 @@
           <a:p>
             <a:fld id="{9E44D11B-64D0-4128-AB06-3651AB0BE39E}" type="datetimeFigureOut">
               <a:rPr lang="en-US" smtClean="0"/>
-              <a:t>2/8/2022</a:t>
+              <a:t>2/9/2022</a:t>
             </a:fld>
             <a:endParaRPr lang="en-US"/>
           </a:p>
@@ -1824,7 +1825,7 @@
           <a:p>
             <a:fld id="{9E44D11B-64D0-4128-AB06-3651AB0BE39E}" type="datetimeFigureOut">
               <a:rPr lang="en-US" smtClean="0"/>
-              <a:t>2/8/2022</a:t>
+              <a:t>2/9/2022</a:t>
             </a:fld>
             <a:endParaRPr lang="en-US"/>
           </a:p>
@@ -1965,7 +1966,7 @@
           <a:p>
             <a:fld id="{9E44D11B-64D0-4128-AB06-3651AB0BE39E}" type="datetimeFigureOut">
               <a:rPr lang="en-US" smtClean="0"/>
-              <a:t>2/8/2022</a:t>
+              <a:t>2/9/2022</a:t>
             </a:fld>
             <a:endParaRPr lang="en-US"/>
           </a:p>
@@ -2078,7 +2079,7 @@
           <a:p>
             <a:fld id="{9E44D11B-64D0-4128-AB06-3651AB0BE39E}" type="datetimeFigureOut">
               <a:rPr lang="en-US" smtClean="0"/>
-              <a:t>2/8/2022</a:t>
+              <a:t>2/9/2022</a:t>
             </a:fld>
             <a:endParaRPr lang="en-US"/>
           </a:p>
@@ -2389,7 +2390,7 @@
           <a:p>
             <a:fld id="{9E44D11B-64D0-4128-AB06-3651AB0BE39E}" type="datetimeFigureOut">
               <a:rPr lang="en-US" smtClean="0"/>
-              <a:t>2/8/2022</a:t>
+              <a:t>2/9/2022</a:t>
             </a:fld>
             <a:endParaRPr lang="en-US"/>
           </a:p>
@@ -2677,7 +2678,7 @@
           <a:p>
             <a:fld id="{9E44D11B-64D0-4128-AB06-3651AB0BE39E}" type="datetimeFigureOut">
               <a:rPr lang="en-US" smtClean="0"/>
-              <a:t>2/8/2022</a:t>
+              <a:t>2/9/2022</a:t>
             </a:fld>
             <a:endParaRPr lang="en-US"/>
           </a:p>
@@ -2918,7 +2919,7 @@
           <a:p>
             <a:fld id="{9E44D11B-64D0-4128-AB06-3651AB0BE39E}" type="datetimeFigureOut">
               <a:rPr lang="en-US" smtClean="0"/>
-              <a:t>2/8/2022</a:t>
+              <a:t>2/9/2022</a:t>
             </a:fld>
             <a:endParaRPr lang="en-US"/>
           </a:p>
@@ -6847,6 +6848,365 @@
 </p:sld>
 </file>
 
+<file path=ppt/slides/slide11.xml><?xml version="1.0" encoding="utf-8"?>
+<p:sld xmlns:a="http://schemas.openxmlformats.org/drawingml/2006/main" xmlns:r="http://schemas.openxmlformats.org/officeDocument/2006/relationships" xmlns:p="http://schemas.openxmlformats.org/presentationml/2006/main">
+  <p:cSld>
+    <p:spTree>
+      <p:nvGrpSpPr>
+        <p:cNvPr id="1" name=""/>
+        <p:cNvGrpSpPr/>
+        <p:nvPr/>
+      </p:nvGrpSpPr>
+      <p:grpSpPr>
+        <a:xfrm>
+          <a:off x="0" y="0"/>
+          <a:ext cx="0" cy="0"/>
+          <a:chOff x="0" y="0"/>
+          <a:chExt cx="0" cy="0"/>
+        </a:xfrm>
+      </p:grpSpPr>
+      <p:sp>
+        <p:nvSpPr>
+          <p:cNvPr id="2" name="Rectangle 1">
+            <a:extLst>
+              <a:ext uri="{FF2B5EF4-FFF2-40B4-BE49-F238E27FC236}">
+                <a16:creationId xmlns:a16="http://schemas.microsoft.com/office/drawing/2014/main" id="{1DB78B74-B269-4DF6-9F5A-420916EAF6CC}"/>
+              </a:ext>
+            </a:extLst>
+          </p:cNvPr>
+          <p:cNvSpPr/>
+          <p:nvPr/>
+        </p:nvSpPr>
+        <p:spPr>
+          <a:xfrm>
+            <a:off x="8821271" y="654424"/>
+            <a:ext cx="2841811" cy="2357717"/>
+          </a:xfrm>
+          <a:prstGeom prst="rect">
+            <a:avLst/>
+          </a:prstGeom>
+        </p:spPr>
+        <p:style>
+          <a:lnRef idx="2">
+            <a:schemeClr val="accent1">
+              <a:shade val="50000"/>
+            </a:schemeClr>
+          </a:lnRef>
+          <a:fillRef idx="1">
+            <a:schemeClr val="accent1"/>
+          </a:fillRef>
+          <a:effectRef idx="0">
+            <a:schemeClr val="accent1"/>
+          </a:effectRef>
+          <a:fontRef idx="minor">
+            <a:schemeClr val="lt1"/>
+          </a:fontRef>
+        </p:style>
+        <p:txBody>
+          <a:bodyPr rtlCol="0" anchor="ctr"/>
+          <a:lstStyle/>
+          <a:p>
+            <a:pPr algn="ctr"/>
+            <a:r>
+              <a:rPr lang="en-IN" b="1" dirty="0"/>
+              <a:t>Team 1</a:t>
+            </a:r>
+          </a:p>
+          <a:p>
+            <a:pPr algn="ctr"/>
+            <a:r>
+              <a:rPr lang="en-IN" b="1" dirty="0"/>
+              <a:t>Module 1</a:t>
+            </a:r>
+            <a:endParaRPr lang="en-US" b="1" dirty="0"/>
+          </a:p>
+        </p:txBody>
+      </p:sp>
+      <p:sp>
+        <p:nvSpPr>
+          <p:cNvPr id="3" name="Rectangle 2">
+            <a:extLst>
+              <a:ext uri="{FF2B5EF4-FFF2-40B4-BE49-F238E27FC236}">
+                <a16:creationId xmlns:a16="http://schemas.microsoft.com/office/drawing/2014/main" id="{B1D38020-55D0-4E31-8674-FEC7A9FBE584}"/>
+              </a:ext>
+            </a:extLst>
+          </p:cNvPr>
+          <p:cNvSpPr/>
+          <p:nvPr/>
+        </p:nvSpPr>
+        <p:spPr>
+          <a:xfrm>
+            <a:off x="8821271" y="3693459"/>
+            <a:ext cx="2841811" cy="2357717"/>
+          </a:xfrm>
+          <a:prstGeom prst="rect">
+            <a:avLst/>
+          </a:prstGeom>
+        </p:spPr>
+        <p:style>
+          <a:lnRef idx="2">
+            <a:schemeClr val="accent1">
+              <a:shade val="50000"/>
+            </a:schemeClr>
+          </a:lnRef>
+          <a:fillRef idx="1">
+            <a:schemeClr val="accent1"/>
+          </a:fillRef>
+          <a:effectRef idx="0">
+            <a:schemeClr val="accent1"/>
+          </a:effectRef>
+          <a:fontRef idx="minor">
+            <a:schemeClr val="lt1"/>
+          </a:fontRef>
+        </p:style>
+        <p:txBody>
+          <a:bodyPr rtlCol="0" anchor="ctr"/>
+          <a:lstStyle/>
+          <a:p>
+            <a:pPr algn="ctr"/>
+            <a:r>
+              <a:rPr lang="en-IN" b="1" dirty="0"/>
+              <a:t>Team 2</a:t>
+            </a:r>
+          </a:p>
+          <a:p>
+            <a:pPr algn="ctr"/>
+            <a:r>
+              <a:rPr lang="en-IN" b="1" dirty="0"/>
+              <a:t>Module 1</a:t>
+            </a:r>
+            <a:endParaRPr lang="en-US" b="1" dirty="0"/>
+          </a:p>
+        </p:txBody>
+      </p:sp>
+      <p:sp>
+        <p:nvSpPr>
+          <p:cNvPr id="4" name="Rectangle 3">
+            <a:extLst>
+              <a:ext uri="{FF2B5EF4-FFF2-40B4-BE49-F238E27FC236}">
+                <a16:creationId xmlns:a16="http://schemas.microsoft.com/office/drawing/2014/main" id="{61EE6D14-3DF7-4905-84BA-3F3BA951DC64}"/>
+              </a:ext>
+            </a:extLst>
+          </p:cNvPr>
+          <p:cNvSpPr/>
+          <p:nvPr/>
+        </p:nvSpPr>
+        <p:spPr>
+          <a:xfrm>
+            <a:off x="277906" y="770965"/>
+            <a:ext cx="6239435" cy="5334000"/>
+          </a:xfrm>
+          <a:prstGeom prst="rect">
+            <a:avLst/>
+          </a:prstGeom>
+        </p:spPr>
+        <p:style>
+          <a:lnRef idx="2">
+            <a:schemeClr val="accent3">
+              <a:shade val="50000"/>
+            </a:schemeClr>
+          </a:lnRef>
+          <a:fillRef idx="1">
+            <a:schemeClr val="accent3"/>
+          </a:fillRef>
+          <a:effectRef idx="0">
+            <a:schemeClr val="accent3"/>
+          </a:effectRef>
+          <a:fontRef idx="minor">
+            <a:schemeClr val="lt1"/>
+          </a:fontRef>
+        </p:style>
+        <p:txBody>
+          <a:bodyPr rtlCol="0" anchor="ctr"/>
+          <a:lstStyle/>
+          <a:p>
+            <a:pPr algn="ctr"/>
+            <a:endParaRPr lang="en-US"/>
+          </a:p>
+        </p:txBody>
+      </p:sp>
+      <p:sp>
+        <p:nvSpPr>
+          <p:cNvPr id="5" name="TextBox 4">
+            <a:extLst>
+              <a:ext uri="{FF2B5EF4-FFF2-40B4-BE49-F238E27FC236}">
+                <a16:creationId xmlns:a16="http://schemas.microsoft.com/office/drawing/2014/main" id="{FEDC4D7E-E3C3-4BC8-9B30-38793DB3EA09}"/>
+              </a:ext>
+            </a:extLst>
+          </p:cNvPr>
+          <p:cNvSpPr txBox="1"/>
+          <p:nvPr/>
+        </p:nvSpPr>
+        <p:spPr>
+          <a:xfrm>
+            <a:off x="358588" y="923365"/>
+            <a:ext cx="6006353" cy="369332"/>
+          </a:xfrm>
+          <a:prstGeom prst="rect">
+            <a:avLst/>
+          </a:prstGeom>
+          <a:noFill/>
+        </p:spPr>
+        <p:txBody>
+          <a:bodyPr wrap="square" rtlCol="0">
+            <a:spAutoFit/>
+          </a:bodyPr>
+          <a:lstStyle/>
+          <a:p>
+            <a:pPr algn="ctr"/>
+            <a:r>
+              <a:rPr lang="en-IN" b="1" dirty="0"/>
+              <a:t>Container Application</a:t>
+            </a:r>
+            <a:endParaRPr lang="en-US" b="1" dirty="0"/>
+          </a:p>
+        </p:txBody>
+      </p:sp>
+      <p:cxnSp>
+        <p:nvCxnSpPr>
+          <p:cNvPr id="7" name="Straight Arrow Connector 6">
+            <a:extLst>
+              <a:ext uri="{FF2B5EF4-FFF2-40B4-BE49-F238E27FC236}">
+                <a16:creationId xmlns:a16="http://schemas.microsoft.com/office/drawing/2014/main" id="{BC03FF32-75F6-4190-A26D-C4C281198979}"/>
+              </a:ext>
+            </a:extLst>
+          </p:cNvPr>
+          <p:cNvCxnSpPr>
+            <a:stCxn id="2" idx="1"/>
+          </p:cNvCxnSpPr>
+          <p:nvPr/>
+        </p:nvCxnSpPr>
+        <p:spPr>
+          <a:xfrm flipH="1">
+            <a:off x="3272118" y="1833283"/>
+            <a:ext cx="5549153" cy="524435"/>
+          </a:xfrm>
+          <a:prstGeom prst="straightConnector1">
+            <a:avLst/>
+          </a:prstGeom>
+          <a:ln>
+            <a:tailEnd type="triangle"/>
+          </a:ln>
+        </p:spPr>
+        <p:style>
+          <a:lnRef idx="1">
+            <a:schemeClr val="accent1"/>
+          </a:lnRef>
+          <a:fillRef idx="0">
+            <a:schemeClr val="accent1"/>
+          </a:fillRef>
+          <a:effectRef idx="0">
+            <a:schemeClr val="accent1"/>
+          </a:effectRef>
+          <a:fontRef idx="minor">
+            <a:schemeClr val="tx1"/>
+          </a:fontRef>
+        </p:style>
+      </p:cxnSp>
+      <p:sp>
+        <p:nvSpPr>
+          <p:cNvPr id="8" name="Rectangle 7">
+            <a:extLst>
+              <a:ext uri="{FF2B5EF4-FFF2-40B4-BE49-F238E27FC236}">
+                <a16:creationId xmlns:a16="http://schemas.microsoft.com/office/drawing/2014/main" id="{FC282D2E-B6CE-454C-B968-FBF37E3DAB68}"/>
+              </a:ext>
+            </a:extLst>
+          </p:cNvPr>
+          <p:cNvSpPr/>
+          <p:nvPr/>
+        </p:nvSpPr>
+        <p:spPr>
+          <a:xfrm>
+            <a:off x="430307" y="2545976"/>
+            <a:ext cx="6006353" cy="1559859"/>
+          </a:xfrm>
+          <a:prstGeom prst="rect">
+            <a:avLst/>
+          </a:prstGeom>
+        </p:spPr>
+        <p:style>
+          <a:lnRef idx="2">
+            <a:schemeClr val="accent2">
+              <a:shade val="50000"/>
+            </a:schemeClr>
+          </a:lnRef>
+          <a:fillRef idx="1">
+            <a:schemeClr val="accent2"/>
+          </a:fillRef>
+          <a:effectRef idx="0">
+            <a:schemeClr val="accent2"/>
+          </a:effectRef>
+          <a:fontRef idx="minor">
+            <a:schemeClr val="lt1"/>
+          </a:fontRef>
+        </p:style>
+        <p:txBody>
+          <a:bodyPr rtlCol="0" anchor="ctr"/>
+          <a:lstStyle/>
+          <a:p>
+            <a:pPr algn="ctr"/>
+            <a:r>
+              <a:rPr lang="en-IN" b="1" dirty="0"/>
+              <a:t>Route that  is loading All Components of Container app and Module 1 from Team 1</a:t>
+            </a:r>
+            <a:endParaRPr lang="en-US" b="1" dirty="0"/>
+          </a:p>
+        </p:txBody>
+      </p:sp>
+      <p:cxnSp>
+        <p:nvCxnSpPr>
+          <p:cNvPr id="10" name="Straight Arrow Connector 9">
+            <a:extLst>
+              <a:ext uri="{FF2B5EF4-FFF2-40B4-BE49-F238E27FC236}">
+                <a16:creationId xmlns:a16="http://schemas.microsoft.com/office/drawing/2014/main" id="{430F296E-B738-4609-829C-5A06725791D5}"/>
+              </a:ext>
+            </a:extLst>
+          </p:cNvPr>
+          <p:cNvCxnSpPr>
+            <a:stCxn id="3" idx="1"/>
+          </p:cNvCxnSpPr>
+          <p:nvPr/>
+        </p:nvCxnSpPr>
+        <p:spPr>
+          <a:xfrm flipH="1" flipV="1">
+            <a:off x="5441576" y="4554071"/>
+            <a:ext cx="3379695" cy="318247"/>
+          </a:xfrm>
+          <a:prstGeom prst="straightConnector1">
+            <a:avLst/>
+          </a:prstGeom>
+          <a:ln>
+            <a:tailEnd type="triangle"/>
+          </a:ln>
+        </p:spPr>
+        <p:style>
+          <a:lnRef idx="1">
+            <a:schemeClr val="accent1"/>
+          </a:lnRef>
+          <a:fillRef idx="0">
+            <a:schemeClr val="accent1"/>
+          </a:fillRef>
+          <a:effectRef idx="0">
+            <a:schemeClr val="accent1"/>
+          </a:effectRef>
+          <a:fontRef idx="minor">
+            <a:schemeClr val="tx1"/>
+          </a:fontRef>
+        </p:style>
+      </p:cxnSp>
+    </p:spTree>
+    <p:extLst>
+      <p:ext uri="{BB962C8B-B14F-4D97-AF65-F5344CB8AC3E}">
+        <p14:creationId xmlns:p14="http://schemas.microsoft.com/office/powerpoint/2010/main" val="646304118"/>
+      </p:ext>
+    </p:extLst>
+  </p:cSld>
+  <p:clrMapOvr>
+    <a:masterClrMapping/>
+  </p:clrMapOvr>
+</p:sld>
+</file>
+
 <file path=ppt/slides/slide2.xml><?xml version="1.0" encoding="utf-8"?>
 <p:sld xmlns:a="http://schemas.openxmlformats.org/drawingml/2006/main" xmlns:r="http://schemas.openxmlformats.org/officeDocument/2006/relationships" xmlns:p="http://schemas.openxmlformats.org/presentationml/2006/main">
   <p:cSld>
